--- a/04 - Policy Evaluation/slides.pptx
+++ b/04 - Policy Evaluation/slides.pptx
@@ -5,7 +5,7 @@
     <p:sldMasterId id="2147483659" r:id="rId1"/>
   </p:sldMasterIdLst>
   <p:notesMasterIdLst>
-    <p:notesMasterId r:id="rId29"/>
+    <p:notesMasterId r:id="rId28"/>
   </p:notesMasterIdLst>
   <p:sldIdLst>
     <p:sldId id="256" r:id="rId2"/>
@@ -34,24 +34,23 @@
     <p:sldId id="292" r:id="rId25"/>
     <p:sldId id="279" r:id="rId26"/>
     <p:sldId id="278" r:id="rId27"/>
-    <p:sldId id="280" r:id="rId28"/>
   </p:sldIdLst>
   <p:sldSz cx="9144000" cy="6858000" type="screen4x3"/>
   <p:notesSz cx="6858000" cy="9144000"/>
   <p:embeddedFontLst>
     <p:embeddedFont>
       <p:font typeface="Economica" panose="02000506040000020004" pitchFamily="2" charset="77"/>
-      <p:regular r:id="rId30"/>
-      <p:bold r:id="rId31"/>
-      <p:italic r:id="rId32"/>
-      <p:boldItalic r:id="rId33"/>
+      <p:regular r:id="rId29"/>
+      <p:bold r:id="rId30"/>
+      <p:italic r:id="rId31"/>
+      <p:boldItalic r:id="rId32"/>
     </p:embeddedFont>
     <p:embeddedFont>
       <p:font typeface="Open Sans" panose="020B0606030504020204" pitchFamily="34" charset="0"/>
-      <p:regular r:id="rId34"/>
-      <p:bold r:id="rId35"/>
-      <p:italic r:id="rId36"/>
-      <p:boldItalic r:id="rId37"/>
+      <p:regular r:id="rId33"/>
+      <p:bold r:id="rId34"/>
+      <p:italic r:id="rId35"/>
+      <p:boldItalic r:id="rId36"/>
     </p:embeddedFont>
   </p:embeddedFontLst>
   <p:defaultTextStyle>
@@ -5787,7 +5786,7 @@
               </a:spcAft>
               <a:buNone/>
             </a:pPr>
-            <a:endParaRPr/>
+            <a:endParaRPr dirty="0"/>
           </a:p>
         </p:txBody>
       </p:sp>
@@ -7425,115 +7424,6 @@
     <p:extLst>
       <p:ext uri="{BB962C8B-B14F-4D97-AF65-F5344CB8AC3E}">
         <p14:creationId xmlns:p14="http://schemas.microsoft.com/office/powerpoint/2010/main" val="981829228"/>
-      </p:ext>
-    </p:extLst>
-  </p:cSld>
-  <p:clrMapOvr>
-    <a:masterClrMapping/>
-  </p:clrMapOvr>
-</p:notes>
-</file>
-
-<file path=ppt/notesSlides/notesSlide27.xml><?xml version="1.0" encoding="utf-8"?>
-<p:notes xmlns:a="http://schemas.openxmlformats.org/drawingml/2006/main" xmlns:r="http://schemas.openxmlformats.org/officeDocument/2006/relationships" xmlns:p="http://schemas.openxmlformats.org/presentationml/2006/main" showMasterSp="0" showMasterPhAnim="0">
-  <p:cSld>
-    <p:spTree>
-      <p:nvGrpSpPr>
-        <p:cNvPr id="1" name="Shape 79"/>
-        <p:cNvGrpSpPr/>
-        <p:nvPr/>
-      </p:nvGrpSpPr>
-      <p:grpSpPr>
-        <a:xfrm>
-          <a:off x="0" y="0"/>
-          <a:ext cx="0" cy="0"/>
-          <a:chOff x="0" y="0"/>
-          <a:chExt cx="0" cy="0"/>
-        </a:xfrm>
-      </p:grpSpPr>
-      <p:sp>
-        <p:nvSpPr>
-          <p:cNvPr id="80" name="Google Shape;80;geed6aedbf_0_0:notes"/>
-          <p:cNvSpPr>
-            <a:spLocks noGrp="1" noRot="1" noChangeAspect="1"/>
-          </p:cNvSpPr>
-          <p:nvPr>
-            <p:ph type="sldImg" idx="2"/>
-          </p:nvPr>
-        </p:nvSpPr>
-        <p:spPr>
-          <a:xfrm>
-            <a:off x="1143000" y="685800"/>
-            <a:ext cx="4572000" cy="3429000"/>
-          </a:xfrm>
-          <a:custGeom>
-            <a:avLst/>
-            <a:gdLst/>
-            <a:ahLst/>
-            <a:cxnLst/>
-            <a:rect l="l" t="t" r="r" b="b"/>
-            <a:pathLst>
-              <a:path w="120000" h="120000" extrusionOk="0">
-                <a:moveTo>
-                  <a:pt x="0" y="0"/>
-                </a:moveTo>
-                <a:lnTo>
-                  <a:pt x="120000" y="0"/>
-                </a:lnTo>
-                <a:lnTo>
-                  <a:pt x="120000" y="120000"/>
-                </a:lnTo>
-                <a:lnTo>
-                  <a:pt x="0" y="120000"/>
-                </a:lnTo>
-                <a:close/>
-              </a:path>
-            </a:pathLst>
-          </a:custGeom>
-        </p:spPr>
-      </p:sp>
-      <p:sp>
-        <p:nvSpPr>
-          <p:cNvPr id="81" name="Google Shape;81;geed6aedbf_0_0:notes"/>
-          <p:cNvSpPr txBox="1">
-            <a:spLocks noGrp="1"/>
-          </p:cNvSpPr>
-          <p:nvPr>
-            <p:ph type="body" idx="1"/>
-          </p:nvPr>
-        </p:nvSpPr>
-        <p:spPr>
-          <a:xfrm>
-            <a:off x="685800" y="4343400"/>
-            <a:ext cx="5486400" cy="4114800"/>
-          </a:xfrm>
-          <a:prstGeom prst="rect">
-            <a:avLst/>
-          </a:prstGeom>
-        </p:spPr>
-        <p:txBody>
-          <a:bodyPr spcFirstLastPara="1" wrap="square" lIns="91425" tIns="91425" rIns="91425" bIns="91425" anchor="t" anchorCtr="0">
-            <a:noAutofit/>
-          </a:bodyPr>
-          <a:lstStyle/>
-          <a:p>
-            <a:pPr marL="0" lvl="0" indent="0" algn="l" rtl="0">
-              <a:spcBef>
-                <a:spcPts val="0"/>
-              </a:spcBef>
-              <a:spcAft>
-                <a:spcPts val="0"/>
-              </a:spcAft>
-              <a:buNone/>
-            </a:pPr>
-            <a:endParaRPr/>
-          </a:p>
-        </p:txBody>
-      </p:sp>
-    </p:spTree>
-    <p:extLst>
-      <p:ext uri="{BB962C8B-B14F-4D97-AF65-F5344CB8AC3E}">
-        <p14:creationId xmlns:p14="http://schemas.microsoft.com/office/powerpoint/2010/main" val="4227644867"/>
       </p:ext>
     </p:extLst>
   </p:cSld>
@@ -13643,7 +13533,11 @@
             <a:pPr lvl="1"/>
             <a:r>
               <a:rPr lang="en-GB" dirty="0"/>
-              <a:t>running estimates are very noisy</a:t>
+              <a:t>running estimates are </a:t>
+            </a:r>
+            <a:r>
+              <a:rPr lang="en-GB" b="1" dirty="0"/>
+              <a:t>very noisy</a:t>
             </a:r>
           </a:p>
           <a:p>
@@ -13785,7 +13679,7 @@
             <a:pPr lvl="0"/>
             <a:r>
               <a:rPr lang="en-GB" sz="1800" dirty="0"/>
-              <a:t>In MC the agent has to </a:t>
+              <a:t>In MC the agent must </a:t>
             </a:r>
             <a:r>
               <a:rPr lang="en-GB" sz="1800" b="1" dirty="0"/>
@@ -13815,7 +13709,7 @@
             <a:pPr lvl="1"/>
             <a:r>
               <a:rPr lang="en-GB" sz="1600" dirty="0"/>
-              <a:t>however, the actual returns are also </a:t>
+              <a:t>however, it has </a:t>
             </a:r>
             <a:r>
               <a:rPr lang="en-GB" sz="1600" b="1" dirty="0"/>
@@ -13823,7 +13717,7 @@
             </a:r>
             <a:r>
               <a:rPr lang="en-GB" sz="1600" dirty="0"/>
-              <a:t> estimate as they accumulate many random events in the same trajectory</a:t>
+              <a:t> since actual returns accumulate many random events in their trajectory</a:t>
             </a:r>
             <a:endParaRPr lang="en-GB" sz="1800" dirty="0"/>
           </a:p>
@@ -13842,7 +13736,7 @@
             <a:pPr lvl="1"/>
             <a:r>
               <a:rPr lang="en-GB" sz="1600" dirty="0"/>
-              <a:t>we get a single-step reward R</a:t>
+              <a:t>get a single-step reward R</a:t>
             </a:r>
             <a:r>
               <a:rPr lang="en-GB" sz="1600" baseline="-25000" dirty="0"/>
@@ -13853,7 +13747,7 @@
             <a:pPr lvl="1"/>
             <a:r>
               <a:rPr lang="en-GB" sz="1600" dirty="0"/>
-              <a:t>we observe the next state S</a:t>
+              <a:t>observe the next state S</a:t>
             </a:r>
             <a:r>
               <a:rPr lang="en-GB" sz="1600" baseline="-25000" dirty="0"/>
@@ -13864,28 +13758,8 @@
             <a:pPr lvl="1"/>
             <a:r>
               <a:rPr lang="en-GB" sz="1600" dirty="0"/>
-              <a:t>use the current V to estimate the return at the next step G</a:t>
-            </a:r>
-            <a:r>
-              <a:rPr lang="en-GB" sz="1600" baseline="-25000" dirty="0"/>
-              <a:t>t+1:T</a:t>
-            </a:r>
-            <a:r>
-              <a:rPr lang="en-GB" sz="1600" dirty="0"/>
-              <a:t>= V(S</a:t>
-            </a:r>
-            <a:r>
-              <a:rPr lang="en-GB" sz="1600" baseline="-25000" dirty="0"/>
-              <a:t>t+1</a:t>
-            </a:r>
-            <a:r>
-              <a:rPr lang="en-GB" sz="1600" dirty="0"/>
-              <a:t>)</a:t>
-            </a:r>
-            <a:endParaRPr lang="en-GB" sz="1800" dirty="0"/>
-          </a:p>
-          <a:p>
-            <a:pPr lvl="0"/>
+              <a:t>use the current V to estimate the return at the next step</a:t>
+            </a:r>
             <a:endParaRPr lang="en-GB" dirty="0"/>
           </a:p>
         </p:txBody>
@@ -14020,7 +13894,7 @@
             <a:pPr lvl="0"/>
             <a:r>
               <a:rPr lang="en-GB" sz="1800" dirty="0"/>
-              <a:t>Using the previous recursive formula and we can rewrite the state-value function equation:</a:t>
+              <a:t>This means we could estimate the final return on every time step</a:t>
             </a:r>
           </a:p>
           <a:p>
@@ -14029,7 +13903,46 @@
           </a:p>
           <a:p>
             <a:pPr lvl="0"/>
-            <a:endParaRPr lang="en-GB" sz="3200" dirty="0"/>
+            <a:endParaRPr lang="en-GB" sz="1800" dirty="0"/>
+          </a:p>
+          <a:p>
+            <a:pPr lvl="1"/>
+            <a:r>
+              <a:rPr lang="en-GB" sz="1600" dirty="0"/>
+              <a:t>we use the subscript to indicate how many </a:t>
+            </a:r>
+            <a:r>
+              <a:rPr lang="en-GB" sz="1600" b="1" dirty="0"/>
+              <a:t>real rewards</a:t>
+            </a:r>
+            <a:r>
+              <a:rPr lang="en-GB" sz="1600" dirty="0"/>
+              <a:t> are used to calculate the return </a:t>
+            </a:r>
+          </a:p>
+          <a:p>
+            <a:pPr lvl="1"/>
+            <a:r>
+              <a:rPr lang="en-GB" sz="1600" dirty="0" err="1"/>
+              <a:t>t:T</a:t>
+            </a:r>
+            <a:r>
+              <a:rPr lang="en-GB" sz="1600" dirty="0"/>
+              <a:t> means all rewards from t until the end (MC)</a:t>
+            </a:r>
+          </a:p>
+          <a:p>
+            <a:pPr lvl="1"/>
+            <a:r>
+              <a:rPr lang="en-GB" sz="1600" dirty="0"/>
+              <a:t>t:t+1 means just the next reward (TD)</a:t>
+            </a:r>
+          </a:p>
+          <a:p>
+            <a:r>
+              <a:rPr lang="en-GB" sz="1800" dirty="0"/>
+              <a:t>Then we can substitute in the formula for the evaluation of the state-value function:</a:t>
+            </a:r>
           </a:p>
           <a:p>
             <a:pPr lvl="0"/>
@@ -14040,45 +13953,10 @@
             <a:endParaRPr lang="en-GB" sz="1800" dirty="0"/>
           </a:p>
           <a:p>
-            <a:pPr lvl="0"/>
-            <a:endParaRPr lang="en-GB" sz="1800" dirty="0"/>
-          </a:p>
-          <a:p>
-            <a:pPr lvl="0"/>
+            <a:pPr lvl="1"/>
             <a:r>
               <a:rPr lang="en-GB" sz="1800" dirty="0"/>
-              <a:t>This means we could estimate the value function on every time step</a:t>
-            </a:r>
-          </a:p>
-          <a:p>
-            <a:pPr lvl="0"/>
-            <a:endParaRPr lang="en-GB" sz="1800" dirty="0"/>
-          </a:p>
-          <a:p>
-            <a:pPr lvl="0"/>
-            <a:endParaRPr lang="en-GB" sz="1800" dirty="0"/>
-          </a:p>
-          <a:p>
-            <a:pPr lvl="0"/>
-            <a:endParaRPr lang="en-GB" sz="1800" dirty="0"/>
-          </a:p>
-          <a:p>
-            <a:pPr lvl="0"/>
-            <a:endParaRPr lang="en-GB" sz="1800" dirty="0"/>
-          </a:p>
-          <a:p>
-            <a:pPr lvl="1"/>
-            <a:r>
-              <a:rPr lang="en-GB" sz="1800" dirty="0"/>
-              <a:t>𝐺</a:t>
-            </a:r>
-            <a:r>
-              <a:rPr lang="en-GB" sz="1800" baseline="-25000" dirty="0"/>
-              <a:t>𝑡:t+1</a:t>
-            </a:r>
-            <a:r>
-              <a:rPr lang="en-GB" sz="1800" dirty="0"/>
-              <a:t> is the </a:t>
+              <a:t>         is the </a:t>
             </a:r>
             <a:r>
               <a:rPr lang="en-GB" sz="1800" b="1" dirty="0"/>
@@ -14089,31 +13967,7 @@
             <a:pPr lvl="1"/>
             <a:r>
               <a:rPr lang="en-GB" sz="1800" dirty="0"/>
-              <a:t>𝐺</a:t>
-            </a:r>
-            <a:r>
-              <a:rPr lang="en-GB" sz="1800" baseline="-25000" dirty="0"/>
-              <a:t>𝑡:t+1 </a:t>
-            </a:r>
-            <a:r>
-              <a:rPr lang="en-GB" sz="1800" dirty="0"/>
-              <a:t>− 𝑉</a:t>
-            </a:r>
-            <a:r>
-              <a:rPr lang="en-GB" sz="1800" baseline="-25000" dirty="0"/>
-              <a:t>t</a:t>
-            </a:r>
-            <a:r>
-              <a:rPr lang="en-GB" sz="1800" dirty="0"/>
-              <a:t>(𝑆</a:t>
-            </a:r>
-            <a:r>
-              <a:rPr lang="en-GB" sz="1800" baseline="-25000" dirty="0"/>
-              <a:t>𝑡</a:t>
-            </a:r>
-            <a:r>
-              <a:rPr lang="en-GB" sz="1800" dirty="0"/>
-              <a:t>)  is the </a:t>
+              <a:t>                       is the </a:t>
             </a:r>
             <a:r>
               <a:rPr lang="en-GB" sz="1800" b="1" dirty="0"/>
@@ -14128,10 +13982,10 @@
       </p:sp>
       <p:pic>
         <p:nvPicPr>
-          <p:cNvPr id="3" name="Immagine 2">
+          <p:cNvPr id="6" name="Immagine 5" descr="Immagine che contiene Carattere, simbolo, testo, bianco&#10;&#10;Descrizione generata automaticamente">
             <a:extLst>
               <a:ext uri="{FF2B5EF4-FFF2-40B4-BE49-F238E27FC236}">
-                <a16:creationId xmlns:a16="http://schemas.microsoft.com/office/drawing/2014/main" id="{4F36E7FA-7FDA-441A-FB01-56F921235354}"/>
+                <a16:creationId xmlns:a16="http://schemas.microsoft.com/office/drawing/2014/main" id="{840F8EE7-FFE5-71FE-B64C-8B1EAD1D3933}"/>
               </a:ext>
             </a:extLst>
           </p:cNvPr>
@@ -14148,8 +14002,8 @@
         </p:blipFill>
         <p:spPr>
           <a:xfrm>
-            <a:off x="928436" y="2095500"/>
-            <a:ext cx="2946400" cy="1333500"/>
+            <a:off x="1204266" y="4987016"/>
+            <a:ext cx="571500" cy="342900"/>
           </a:xfrm>
           <a:prstGeom prst="rect">
             <a:avLst/>
@@ -14158,10 +14012,10 @@
       </p:pic>
       <p:pic>
         <p:nvPicPr>
-          <p:cNvPr id="7" name="Immagine 6">
+          <p:cNvPr id="9" name="Immagine 8">
             <a:extLst>
               <a:ext uri="{FF2B5EF4-FFF2-40B4-BE49-F238E27FC236}">
-                <a16:creationId xmlns:a16="http://schemas.microsoft.com/office/drawing/2014/main" id="{8B0795EC-DA43-EC5C-EFC5-2544DB5854EC}"/>
+                <a16:creationId xmlns:a16="http://schemas.microsoft.com/office/drawing/2014/main" id="{D3D572E1-D55F-4F10-2E03-50597F93E1D0}"/>
               </a:ext>
             </a:extLst>
           </p:cNvPr>
@@ -14178,8 +14032,68 @@
         </p:blipFill>
         <p:spPr>
           <a:xfrm>
-            <a:off x="928436" y="4289803"/>
-            <a:ext cx="3619500" cy="901700"/>
+            <a:off x="1165501" y="5463469"/>
+            <a:ext cx="1435100" cy="304800"/>
+          </a:xfrm>
+          <a:prstGeom prst="rect">
+            <a:avLst/>
+          </a:prstGeom>
+        </p:spPr>
+      </p:pic>
+      <p:pic>
+        <p:nvPicPr>
+          <p:cNvPr id="8" name="Immagine 7" descr="Immagine che contiene Carattere, testo, tipografia, calligrafia&#10;&#10;Descrizione generata automaticamente">
+            <a:extLst>
+              <a:ext uri="{FF2B5EF4-FFF2-40B4-BE49-F238E27FC236}">
+                <a16:creationId xmlns:a16="http://schemas.microsoft.com/office/drawing/2014/main" id="{ADCC9895-B658-E969-62A4-48781E81126E}"/>
+              </a:ext>
+            </a:extLst>
+          </p:cNvPr>
+          <p:cNvPicPr>
+            <a:picLocks noChangeAspect="1"/>
+          </p:cNvPicPr>
+          <p:nvPr/>
+        </p:nvPicPr>
+        <p:blipFill>
+          <a:blip r:embed="rId5"/>
+          <a:stretch>
+            <a:fillRect/>
+          </a:stretch>
+        </p:blipFill>
+        <p:spPr>
+          <a:xfrm>
+            <a:off x="857250" y="1833446"/>
+            <a:ext cx="2552700" cy="381000"/>
+          </a:xfrm>
+          <a:prstGeom prst="rect">
+            <a:avLst/>
+          </a:prstGeom>
+        </p:spPr>
+      </p:pic>
+      <p:pic>
+        <p:nvPicPr>
+          <p:cNvPr id="11" name="Immagine 10">
+            <a:extLst>
+              <a:ext uri="{FF2B5EF4-FFF2-40B4-BE49-F238E27FC236}">
+                <a16:creationId xmlns:a16="http://schemas.microsoft.com/office/drawing/2014/main" id="{E2E4D612-EAC9-A9E9-300E-4B9CB83B4BDB}"/>
+              </a:ext>
+            </a:extLst>
+          </p:cNvPr>
+          <p:cNvPicPr>
+            <a:picLocks noChangeAspect="1"/>
+          </p:cNvPicPr>
+          <p:nvPr/>
+        </p:nvPicPr>
+        <p:blipFill>
+          <a:blip r:embed="rId6"/>
+          <a:stretch>
+            <a:fillRect/>
+          </a:stretch>
+        </p:blipFill>
+        <p:spPr>
+          <a:xfrm>
+            <a:off x="977900" y="4470657"/>
+            <a:ext cx="3594100" cy="444500"/>
           </a:xfrm>
           <a:prstGeom prst="rect">
             <a:avLst/>
@@ -14357,7 +14271,7 @@
             </a:r>
             <a:r>
               <a:rPr lang="en-GB" dirty="0"/>
-              <a:t> into the estimates. </a:t>
+              <a:t> into the estimates </a:t>
             </a:r>
           </a:p>
           <a:p>
@@ -14596,19 +14510,35 @@
             </a:r>
           </a:p>
           <a:p>
-            <a:pPr lvl="0"/>
-            <a:r>
-              <a:rPr lang="it-IT" sz="1800" dirty="0"/>
-              <a:t>See ” </a:t>
-            </a:r>
-            <a:r>
-              <a:rPr lang="it-IT" sz="1800" dirty="0" err="1"/>
-              <a:t>temporal-difference-estimation.ipynb</a:t>
-            </a:r>
-            <a:endParaRPr lang="en-GB" sz="1800" dirty="0"/>
-          </a:p>
-          <a:p>
-            <a:pPr lvl="0"/>
+            <a:r>
+              <a:rPr lang="en-GB" sz="1800" b="1" dirty="0">
+                <a:highlight>
+                  <a:srgbClr val="FFFF00"/>
+                </a:highlight>
+              </a:rPr>
+              <a:t>See “temporal-difference-</a:t>
+            </a:r>
+            <a:r>
+              <a:rPr lang="en-GB" sz="1800" b="1" dirty="0" err="1">
+                <a:highlight>
+                  <a:srgbClr val="FFFF00"/>
+                </a:highlight>
+              </a:rPr>
+              <a:t>estimation.ipynb</a:t>
+            </a:r>
+            <a:r>
+              <a:rPr lang="en-GB" sz="1800" b="1" dirty="0">
+                <a:highlight>
+                  <a:srgbClr val="FFFF00"/>
+                </a:highlight>
+              </a:rPr>
+              <a:t>” notebook</a:t>
+            </a:r>
+          </a:p>
+          <a:p>
+            <a:pPr marL="120650" lvl="0" indent="0">
+              <a:buNone/>
+            </a:pPr>
             <a:endParaRPr lang="en-GB" dirty="0"/>
           </a:p>
         </p:txBody>
@@ -14635,7 +14565,7 @@
         </p:blipFill>
         <p:spPr>
           <a:xfrm>
-            <a:off x="517360" y="2917185"/>
+            <a:off x="364454" y="2899601"/>
             <a:ext cx="7772400" cy="3746640"/>
           </a:xfrm>
           <a:prstGeom prst="rect">
@@ -14727,8 +14657,8 @@
         </p:nvSpPr>
         <p:spPr>
           <a:xfrm>
-            <a:off x="311700" y="1207619"/>
-            <a:ext cx="8520600" cy="5202070"/>
+            <a:off x="311700" y="1131416"/>
+            <a:ext cx="8520600" cy="5410895"/>
           </a:xfrm>
           <a:prstGeom prst="rect">
             <a:avLst/>
@@ -14760,9 +14690,6 @@
               <a:rPr lang="en-GB" sz="1600" dirty="0"/>
               <a:t>a common approach is to present the experience repeatedly until the method converges upon an answer</a:t>
             </a:r>
-          </a:p>
-          <a:p>
-            <a:pPr lvl="1"/>
             <a:endParaRPr lang="en-GB" sz="1800" dirty="0"/>
           </a:p>
           <a:p>
@@ -14773,11 +14700,23 @@
           </a:p>
           <a:p>
             <a:pPr lvl="1"/>
-            <a:r>
-              <a:rPr lang="en-GB" sz="1600" dirty="0"/>
-              <a:t>(A, 0, B, 0); (B, 1); (B, 1); (B, 1); (B, 1); (B, 1); (B, 1); (B, 0)</a:t>
-            </a:r>
-            <a:endParaRPr lang="en-GB" sz="1800" dirty="0"/>
+            <a:endParaRPr lang="en-GB" dirty="0"/>
+          </a:p>
+          <a:p>
+            <a:pPr lvl="1"/>
+            <a:endParaRPr lang="en-GB" dirty="0"/>
+          </a:p>
+          <a:p>
+            <a:pPr lvl="1"/>
+            <a:endParaRPr lang="en-GB" dirty="0"/>
+          </a:p>
+          <a:p>
+            <a:pPr lvl="1"/>
+            <a:endParaRPr lang="en-GB" dirty="0"/>
+          </a:p>
+          <a:p>
+            <a:pPr lvl="1"/>
+            <a:endParaRPr lang="en-GB" sz="900" dirty="0"/>
           </a:p>
           <a:p>
             <a:pPr lvl="1"/>
@@ -14794,10 +14733,6 @@
             </a:r>
           </a:p>
           <a:p>
-            <a:pPr lvl="1"/>
-            <a:endParaRPr lang="en-GB" sz="1600" dirty="0"/>
-          </a:p>
-          <a:p>
             <a:r>
               <a:rPr lang="en-GB" sz="1800" dirty="0"/>
               <a:t>What are the optimal estimates V(A) and V(B)?	</a:t>
@@ -14814,7 +14749,7 @@
             <a:pPr lvl="2"/>
             <a:r>
               <a:rPr lang="en-GB" sz="1500" dirty="0"/>
-              <a:t>six out of the eight times in state B the process terminated immediately with a return of 1;  the other two times terminated with a return of 0</a:t>
+              <a:t>six times process terminates with a return of 1; two times terminated with 0</a:t>
             </a:r>
           </a:p>
           <a:p>
@@ -14830,6 +14765,36 @@
           </a:p>
         </p:txBody>
       </p:sp>
+      <p:pic>
+        <p:nvPicPr>
+          <p:cNvPr id="3" name="Immagine 2" descr="Immagine che contiene testo, Carattere, bianco, design&#10;&#10;Descrizione generata automaticamente">
+            <a:extLst>
+              <a:ext uri="{FF2B5EF4-FFF2-40B4-BE49-F238E27FC236}">
+                <a16:creationId xmlns:a16="http://schemas.microsoft.com/office/drawing/2014/main" id="{DCD1C262-9BE0-9086-0402-F99F9EEB48E1}"/>
+              </a:ext>
+            </a:extLst>
+          </p:cNvPr>
+          <p:cNvPicPr>
+            <a:picLocks noChangeAspect="1"/>
+          </p:cNvPicPr>
+          <p:nvPr/>
+        </p:nvPicPr>
+        <p:blipFill>
+          <a:blip r:embed="rId3"/>
+          <a:stretch>
+            <a:fillRect/>
+          </a:stretch>
+        </p:blipFill>
+        <p:spPr>
+          <a:xfrm>
+            <a:off x="936171" y="2583541"/>
+            <a:ext cx="2133600" cy="1778000"/>
+          </a:xfrm>
+          <a:prstGeom prst="rect">
+            <a:avLst/>
+          </a:prstGeom>
+        </p:spPr>
+      </p:pic>
     </p:spTree>
     <p:extLst>
       <p:ext uri="{BB962C8B-B14F-4D97-AF65-F5344CB8AC3E}">
@@ -14929,14 +14894,18 @@
           <a:p>
             <a:r>
               <a:rPr lang="en-GB" sz="1800" dirty="0"/>
-              <a:t>Two reasonable answers</a:t>
+              <a:t>Two </a:t>
+            </a:r>
+            <a:r>
+              <a:rPr lang="en-GB" sz="1800" b="1" dirty="0"/>
+              <a:t>reasonable answers</a:t>
             </a:r>
           </a:p>
           <a:p>
             <a:pPr lvl="1"/>
             <a:r>
               <a:rPr lang="en-GB" sz="1600" dirty="0"/>
-              <a:t>notice that all the times the process was in state A, it travers to B and because we have decided that V(B) is 3/4 , therefore A have value 3/4 as well</a:t>
+              <a:t>all the times the process was in A, it travers to B and because we have decided that V(B) is 3/4 , therefore A have value 3/4 as well</a:t>
             </a:r>
           </a:p>
           <a:p>
@@ -14950,7 +14919,7 @@
             <a:pPr lvl="1"/>
             <a:r>
               <a:rPr lang="en-GB" sz="1600" dirty="0"/>
-              <a:t>simply observe that we have seen A once and the return that followed it was 0, we therefore estimate V(A) as 0</a:t>
+              <a:t>we have seen A once and the return that followed it was 0, we therefore estimate V(A) as 0</a:t>
             </a:r>
           </a:p>
           <a:p>
@@ -14968,32 +14937,45 @@
             </a:r>
           </a:p>
           <a:p>
-            <a:pPr lvl="2"/>
-            <a:r>
-              <a:rPr lang="en-GB" sz="1500" dirty="0"/>
-              <a:t>still we expect the first answer to be better: we expect that the first answer will produce lower error on future data</a:t>
-            </a:r>
-            <a:endParaRPr lang="en-GB" sz="1800" dirty="0"/>
+            <a:pPr lvl="1"/>
+            <a:r>
+              <a:rPr lang="en-GB" sz="1600" dirty="0"/>
+              <a:t>However, we expect the first answer to be better: will produce lower error on future data</a:t>
+            </a:r>
+          </a:p>
+          <a:p>
+            <a:pPr marL="1054100" lvl="2" indent="0">
+              <a:buNone/>
+            </a:pPr>
+            <a:endParaRPr lang="en-GB" sz="800" dirty="0"/>
           </a:p>
           <a:p>
             <a:pPr lvl="0"/>
             <a:r>
               <a:rPr lang="en-GB" sz="1800" dirty="0"/>
-              <a:t>This illustrates a general difference between TD and MC methods</a:t>
+              <a:t>A general difference between TD and MC methods</a:t>
             </a:r>
           </a:p>
           <a:p>
             <a:pPr lvl="1"/>
             <a:r>
               <a:rPr lang="en-GB" sz="1600" dirty="0"/>
-              <a:t>MC always find the estimates that minimize mean-squared error on the training set</a:t>
+              <a:t>MC always find the estimates that </a:t>
+            </a:r>
+            <a:r>
+              <a:rPr lang="en-GB" sz="1600" b="1" dirty="0"/>
+              <a:t>minimize mean-squared error on the training set</a:t>
             </a:r>
           </a:p>
           <a:p>
             <a:pPr lvl="1"/>
             <a:r>
               <a:rPr lang="en-GB" sz="1600" dirty="0"/>
-              <a:t>TD always finds the estimates for a model of the Markov process</a:t>
+              <a:t>TD always finds the estimates </a:t>
+            </a:r>
+            <a:r>
+              <a:rPr lang="en-GB" sz="1600" b="1" dirty="0"/>
+              <a:t>for a model of the Markov process</a:t>
             </a:r>
           </a:p>
           <a:p>
@@ -15155,7 +15137,7 @@
             <a:pPr lvl="0"/>
             <a:r>
               <a:rPr lang="en-GB" sz="1800" dirty="0"/>
-              <a:t>Given the model, we can compute the estimate of the value function that would be exactly correct if the model were exactly correct</a:t>
+              <a:t>Given the model, we can compute the estimate of the value function that would be correct if the model were correct</a:t>
             </a:r>
           </a:p>
           <a:p>
@@ -15337,14 +15319,26 @@
             <a:pPr lvl="0"/>
             <a:r>
               <a:rPr lang="en-GB" sz="1800" dirty="0"/>
-              <a:t>How about bootstrapping after two steps? Three? Four? </a:t>
+              <a:t>How about </a:t>
+            </a:r>
+            <a:r>
+              <a:rPr lang="en-GB" sz="1800" b="1" dirty="0"/>
+              <a:t>bootstrapping after two steps? Three? Four? </a:t>
             </a:r>
           </a:p>
           <a:p>
             <a:pPr lvl="1"/>
             <a:r>
               <a:rPr lang="en-GB" sz="1600" dirty="0"/>
-              <a:t>there’s a spectrum of algorithms lying in between MC and TD</a:t>
+              <a:t>there’s a </a:t>
+            </a:r>
+            <a:r>
+              <a:rPr lang="en-GB" sz="1600" b="1" dirty="0"/>
+              <a:t>spectrum of algorithms </a:t>
+            </a:r>
+            <a:r>
+              <a:rPr lang="en-GB" sz="1600" dirty="0"/>
+              <a:t>lying in between MC and TD</a:t>
             </a:r>
           </a:p>
           <a:p>
@@ -15510,7 +15504,7 @@
             <a:pPr lvl="0"/>
             <a:r>
               <a:rPr lang="en-GB" sz="1800" dirty="0"/>
-              <a:t>Two extremes </a:t>
+              <a:t>Two extremes: </a:t>
             </a:r>
           </a:p>
           <a:p>
@@ -15521,11 +15515,11 @@
             </a:r>
             <a:r>
               <a:rPr lang="en-GB" sz="1600" b="1" dirty="0"/>
-              <a:t>infinite-step method</a:t>
+              <a:t>infinite-step method:</a:t>
             </a:r>
             <a:r>
               <a:rPr lang="en-GB" sz="1600" dirty="0"/>
-              <a:t>: goes all the way until the end of the episode </a:t>
+              <a:t> goes all the way until the end of the episode </a:t>
             </a:r>
           </a:p>
           <a:p>
@@ -15536,11 +15530,11 @@
             </a:r>
             <a:r>
               <a:rPr lang="en-GB" sz="1600" b="1" dirty="0"/>
-              <a:t>one-step method</a:t>
+              <a:t>one-step method:</a:t>
             </a:r>
             <a:r>
               <a:rPr lang="en-GB" sz="1600" dirty="0"/>
-              <a:t>: interacts with the environment for a single step </a:t>
+              <a:t> interacts with the environment for a single step </a:t>
             </a:r>
           </a:p>
           <a:p>
@@ -15587,23 +15581,7 @@
             <a:pPr lvl="2"/>
             <a:r>
               <a:rPr lang="en-GB" sz="1500" dirty="0"/>
-              <a:t>𝐺</a:t>
-            </a:r>
-            <a:r>
-              <a:rPr lang="en-GB" sz="1500" baseline="-25000" dirty="0"/>
-              <a:t>𝑡</a:t>
-            </a:r>
-            <a:r>
-              <a:rPr lang="en-GB" sz="1500" i="1" baseline="-25000" dirty="0"/>
-              <a:t>:</a:t>
-            </a:r>
-            <a:r>
-              <a:rPr lang="en-GB" sz="1500" i="1" baseline="-25000" dirty="0" err="1"/>
-              <a:t>t+n</a:t>
-            </a:r>
-            <a:r>
-              <a:rPr lang="en-GB" sz="1500" dirty="0"/>
-              <a:t> is the </a:t>
+              <a:t>             is the </a:t>
             </a:r>
             <a:r>
               <a:rPr lang="en-GB" sz="1500" b="1" dirty="0"/>
@@ -15614,43 +15592,7 @@
             <a:pPr lvl="2"/>
             <a:r>
               <a:rPr lang="en-GB" sz="1500" dirty="0"/>
-              <a:t>𝐺</a:t>
-            </a:r>
-            <a:r>
-              <a:rPr lang="en-GB" sz="1500" baseline="-25000" dirty="0"/>
-              <a:t>𝑡:</a:t>
-            </a:r>
-            <a:r>
-              <a:rPr lang="en-GB" sz="1500" i="1" baseline="-25000" dirty="0"/>
-              <a:t> </a:t>
-            </a:r>
-            <a:r>
-              <a:rPr lang="en-GB" sz="1500" i="1" baseline="-25000" dirty="0" err="1"/>
-              <a:t>t+n</a:t>
-            </a:r>
-            <a:r>
-              <a:rPr lang="en-GB" sz="1500" baseline="-25000" dirty="0"/>
-              <a:t> </a:t>
-            </a:r>
-            <a:r>
-              <a:rPr lang="en-GB" sz="1500" dirty="0"/>
-              <a:t>− 𝑉</a:t>
-            </a:r>
-            <a:r>
-              <a:rPr lang="en-GB" sz="1500" i="1" baseline="-25000" dirty="0"/>
-              <a:t>𝑇+n−1</a:t>
-            </a:r>
-            <a:r>
-              <a:rPr lang="en-GB" sz="1500" dirty="0"/>
-              <a:t>(𝑆</a:t>
-            </a:r>
-            <a:r>
-              <a:rPr lang="en-GB" sz="1500" baseline="-25000" dirty="0"/>
-              <a:t>𝑡</a:t>
-            </a:r>
-            <a:r>
-              <a:rPr lang="en-GB" sz="1500" dirty="0"/>
-              <a:t>)  is the </a:t>
+              <a:t>                              is the </a:t>
             </a:r>
             <a:r>
               <a:rPr lang="en-GB" sz="1500" b="1" dirty="0"/>
@@ -15663,34 +15605,66 @@
           </a:p>
           <a:p>
             <a:r>
-              <a:rPr lang="it-IT" sz="1800" dirty="0"/>
+              <a:rPr lang="it-IT" sz="1800" b="1" dirty="0">
+                <a:highlight>
+                  <a:srgbClr val="FFFF00"/>
+                </a:highlight>
+              </a:rPr>
               <a:t>See ”</a:t>
             </a:r>
             <a:r>
-              <a:rPr lang="it-IT" sz="1800" dirty="0" err="1"/>
+              <a:rPr lang="it-IT" sz="1800" b="1" dirty="0" err="1">
+                <a:highlight>
+                  <a:srgbClr val="FFFF00"/>
+                </a:highlight>
+              </a:rPr>
               <a:t>n</a:t>
             </a:r>
             <a:r>
-              <a:rPr lang="it-IT" sz="1800" dirty="0"/>
+              <a:rPr lang="it-IT" sz="1800" b="1" dirty="0">
+                <a:highlight>
+                  <a:srgbClr val="FFFF00"/>
+                </a:highlight>
+              </a:rPr>
               <a:t>-step-</a:t>
             </a:r>
             <a:r>
-              <a:rPr lang="it-IT" sz="1800" dirty="0" err="1"/>
+              <a:rPr lang="it-IT" sz="1800" b="1" dirty="0" err="1">
+                <a:highlight>
+                  <a:srgbClr val="FFFF00"/>
+                </a:highlight>
+              </a:rPr>
               <a:t>temporal</a:t>
             </a:r>
             <a:r>
-              <a:rPr lang="it-IT" sz="1800" dirty="0"/>
+              <a:rPr lang="it-IT" sz="1800" b="1" dirty="0">
+                <a:highlight>
+                  <a:srgbClr val="FFFF00"/>
+                </a:highlight>
+              </a:rPr>
               <a:t>-</a:t>
             </a:r>
             <a:r>
-              <a:rPr lang="it-IT" sz="1800" dirty="0" err="1"/>
+              <a:rPr lang="it-IT" sz="1800" b="1" dirty="0" err="1">
+                <a:highlight>
+                  <a:srgbClr val="FFFF00"/>
+                </a:highlight>
+              </a:rPr>
               <a:t>difference-estimation.ipynb</a:t>
             </a:r>
             <a:r>
-              <a:rPr lang="it-IT" sz="1800" dirty="0"/>
-              <a:t>”</a:t>
-            </a:r>
-            <a:endParaRPr lang="en-GB" sz="1800" dirty="0"/>
+              <a:rPr lang="it-IT" sz="1800" b="1" dirty="0">
+                <a:highlight>
+                  <a:srgbClr val="FFFF00"/>
+                </a:highlight>
+              </a:rPr>
+              <a:t>” notebook</a:t>
+            </a:r>
+            <a:endParaRPr lang="en-GB" sz="1800" b="1" dirty="0">
+              <a:highlight>
+                <a:srgbClr val="FFFF00"/>
+              </a:highlight>
+            </a:endParaRPr>
           </a:p>
           <a:p>
             <a:endParaRPr lang="en-GB" sz="1800" dirty="0"/>
@@ -15743,42 +15717,12 @@
           </a:prstGeom>
         </p:spPr>
       </p:pic>
-      <p:pic>
-        <p:nvPicPr>
-          <p:cNvPr id="5" name="Immagine 4">
+      <p:grpSp>
+        <p:nvGrpSpPr>
+          <p:cNvPr id="14" name="Gruppo 13">
             <a:extLst>
               <a:ext uri="{FF2B5EF4-FFF2-40B4-BE49-F238E27FC236}">
-                <a16:creationId xmlns:a16="http://schemas.microsoft.com/office/drawing/2014/main" id="{FB5330A5-32DF-DB0D-954E-2A85ACF30D52}"/>
-              </a:ext>
-            </a:extLst>
-          </p:cNvPr>
-          <p:cNvPicPr>
-            <a:picLocks noChangeAspect="1"/>
-          </p:cNvPicPr>
-          <p:nvPr/>
-        </p:nvPicPr>
-        <p:blipFill>
-          <a:blip r:embed="rId4"/>
-          <a:stretch>
-            <a:fillRect/>
-          </a:stretch>
-        </p:blipFill>
-        <p:spPr>
-          <a:xfrm>
-            <a:off x="1218532" y="3949030"/>
-            <a:ext cx="5118100" cy="812800"/>
-          </a:xfrm>
-          <a:prstGeom prst="rect">
-            <a:avLst/>
-          </a:prstGeom>
-        </p:spPr>
-      </p:pic>
-      <p:grpSp>
-        <p:nvGrpSpPr>
-          <p:cNvPr id="13" name="Gruppo 12">
-            <a:extLst>
-              <a:ext uri="{FF2B5EF4-FFF2-40B4-BE49-F238E27FC236}">
-                <a16:creationId xmlns:a16="http://schemas.microsoft.com/office/drawing/2014/main" id="{92CF3242-15C1-26DD-A557-3644941B0152}"/>
+                <a16:creationId xmlns:a16="http://schemas.microsoft.com/office/drawing/2014/main" id="{356BCE8A-B47A-BD9B-39BC-7A8127375118}"/>
               </a:ext>
             </a:extLst>
           </p:cNvPr>
@@ -15787,42 +15731,12 @@
         </p:nvGrpSpPr>
         <p:grpSpPr>
           <a:xfrm>
-            <a:off x="6790488" y="3660261"/>
-            <a:ext cx="2233864" cy="727592"/>
-            <a:chOff x="6790488" y="3576039"/>
-            <a:chExt cx="2233864" cy="727592"/>
+            <a:off x="6659858" y="3649375"/>
+            <a:ext cx="2305406" cy="736002"/>
+            <a:chOff x="6659858" y="3649375"/>
+            <a:chExt cx="2305406" cy="736002"/>
           </a:xfrm>
         </p:grpSpPr>
-        <p:pic>
-          <p:nvPicPr>
-            <p:cNvPr id="7" name="Immagine 6">
-              <a:extLst>
-                <a:ext uri="{FF2B5EF4-FFF2-40B4-BE49-F238E27FC236}">
-                  <a16:creationId xmlns:a16="http://schemas.microsoft.com/office/drawing/2014/main" id="{112104E9-F0E5-D3C4-CE44-88EA10DA61DC}"/>
-                </a:ext>
-              </a:extLst>
-            </p:cNvPr>
-            <p:cNvPicPr>
-              <a:picLocks noChangeAspect="1"/>
-            </p:cNvPicPr>
-            <p:nvPr/>
-          </p:nvPicPr>
-          <p:blipFill>
-            <a:blip r:embed="rId5"/>
-            <a:stretch>
-              <a:fillRect/>
-            </a:stretch>
-          </p:blipFill>
-          <p:spPr>
-            <a:xfrm>
-              <a:off x="6826584" y="3786937"/>
-              <a:ext cx="2197768" cy="516694"/>
-            </a:xfrm>
-            <a:prstGeom prst="rect">
-              <a:avLst/>
-            </a:prstGeom>
-          </p:spPr>
-        </p:pic>
         <p:sp>
           <p:nvSpPr>
             <p:cNvPr id="10" name="CasellaDiTesto 9">
@@ -15837,7 +15751,7 @@
           </p:nvSpPr>
           <p:spPr>
             <a:xfrm>
-              <a:off x="6790488" y="3576039"/>
+              <a:off x="6659858" y="3649375"/>
               <a:ext cx="360996" cy="230832"/>
             </a:xfrm>
             <a:prstGeom prst="rect">
@@ -15866,33 +15780,12 @@
             </a:p>
           </p:txBody>
         </p:sp>
-      </p:grpSp>
-      <p:grpSp>
-        <p:nvGrpSpPr>
-          <p:cNvPr id="12" name="Gruppo 11">
-            <a:extLst>
-              <a:ext uri="{FF2B5EF4-FFF2-40B4-BE49-F238E27FC236}">
-                <a16:creationId xmlns:a16="http://schemas.microsoft.com/office/drawing/2014/main" id="{C86138BD-67EF-1645-112A-670C3560035F}"/>
-              </a:ext>
-            </a:extLst>
-          </p:cNvPr>
-          <p:cNvGrpSpPr/>
-          <p:nvPr/>
-        </p:nvGrpSpPr>
-        <p:grpSpPr>
-          <a:xfrm>
-            <a:off x="6798504" y="4582682"/>
-            <a:ext cx="2225848" cy="713555"/>
-            <a:chOff x="6798504" y="4498460"/>
-            <a:chExt cx="2225848" cy="713555"/>
-          </a:xfrm>
-        </p:grpSpPr>
         <p:pic>
           <p:nvPicPr>
-            <p:cNvPr id="9" name="Immagine 8">
+            <p:cNvPr id="4" name="Immagine 3" descr="Immagine che contiene Carattere, testo, bianco, tipografia&#10;&#10;Descrizione generata automaticamente">
               <a:extLst>
                 <a:ext uri="{FF2B5EF4-FFF2-40B4-BE49-F238E27FC236}">
-                  <a16:creationId xmlns:a16="http://schemas.microsoft.com/office/drawing/2014/main" id="{865B1465-9FA5-FCE8-89F2-26406EFD4F3B}"/>
+                  <a16:creationId xmlns:a16="http://schemas.microsoft.com/office/drawing/2014/main" id="{CCE8A003-866C-24C2-C182-A5C47EB17267}"/>
                 </a:ext>
               </a:extLst>
             </p:cNvPr>
@@ -15902,21 +15795,42 @@
             <p:nvPr/>
           </p:nvPicPr>
           <p:blipFill>
-            <a:blip r:embed="rId6"/>
+            <a:blip r:embed="rId4"/>
             <a:stretch>
               <a:fillRect/>
             </a:stretch>
           </p:blipFill>
           <p:spPr>
             <a:xfrm>
-              <a:off x="6826584" y="4678271"/>
-              <a:ext cx="2197768" cy="533744"/>
+              <a:off x="6704184" y="3872224"/>
+              <a:ext cx="2261080" cy="513153"/>
             </a:xfrm>
             <a:prstGeom prst="rect">
               <a:avLst/>
             </a:prstGeom>
           </p:spPr>
         </p:pic>
+      </p:grpSp>
+      <p:grpSp>
+        <p:nvGrpSpPr>
+          <p:cNvPr id="15" name="Gruppo 14">
+            <a:extLst>
+              <a:ext uri="{FF2B5EF4-FFF2-40B4-BE49-F238E27FC236}">
+                <a16:creationId xmlns:a16="http://schemas.microsoft.com/office/drawing/2014/main" id="{43362BDD-3450-392C-5EF4-5B058B24C3B8}"/>
+              </a:ext>
+            </a:extLst>
+          </p:cNvPr>
+          <p:cNvGrpSpPr/>
+          <p:nvPr/>
+        </p:nvGrpSpPr>
+        <p:grpSpPr>
+          <a:xfrm>
+            <a:off x="6700532" y="4571796"/>
+            <a:ext cx="2345497" cy="792064"/>
+            <a:chOff x="6700532" y="4571796"/>
+            <a:chExt cx="2345497" cy="792064"/>
+          </a:xfrm>
+        </p:grpSpPr>
         <p:sp>
           <p:nvSpPr>
             <p:cNvPr id="11" name="CasellaDiTesto 10">
@@ -15931,7 +15845,7 @@
           </p:nvSpPr>
           <p:spPr>
             <a:xfrm>
-              <a:off x="6798504" y="4498460"/>
+              <a:off x="6700532" y="4571796"/>
               <a:ext cx="332142" cy="230832"/>
             </a:xfrm>
             <a:prstGeom prst="rect">
@@ -15960,7 +15874,127 @@
             </a:p>
           </p:txBody>
         </p:sp>
+        <p:pic>
+          <p:nvPicPr>
+            <p:cNvPr id="8" name="Immagine 7" descr="Immagine che contiene testo, Carattere, bianco, calligrafia&#10;&#10;Descrizione generata automaticamente">
+              <a:extLst>
+                <a:ext uri="{FF2B5EF4-FFF2-40B4-BE49-F238E27FC236}">
+                  <a16:creationId xmlns:a16="http://schemas.microsoft.com/office/drawing/2014/main" id="{FC27D39C-042B-EDD8-FAE1-DF3B5DA10837}"/>
+                </a:ext>
+              </a:extLst>
+            </p:cNvPr>
+            <p:cNvPicPr>
+              <a:picLocks noChangeAspect="1"/>
+            </p:cNvPicPr>
+            <p:nvPr/>
+          </p:nvPicPr>
+          <p:blipFill>
+            <a:blip r:embed="rId5"/>
+            <a:stretch>
+              <a:fillRect/>
+            </a:stretch>
+          </p:blipFill>
+          <p:spPr>
+            <a:xfrm>
+              <a:off x="6736151" y="4803128"/>
+              <a:ext cx="2309878" cy="560732"/>
+            </a:xfrm>
+            <a:prstGeom prst="rect">
+              <a:avLst/>
+            </a:prstGeom>
+          </p:spPr>
+        </p:pic>
       </p:grpSp>
+      <p:pic>
+        <p:nvPicPr>
+          <p:cNvPr id="17" name="Immagine 16" descr="Immagine che contiene testo, Carattere, calligrafia, bianco&#10;&#10;Descrizione generata automaticamente">
+            <a:extLst>
+              <a:ext uri="{FF2B5EF4-FFF2-40B4-BE49-F238E27FC236}">
+                <a16:creationId xmlns:a16="http://schemas.microsoft.com/office/drawing/2014/main" id="{7FF9481C-9183-D393-0471-8A470A1E460A}"/>
+              </a:ext>
+            </a:extLst>
+          </p:cNvPr>
+          <p:cNvPicPr>
+            <a:picLocks noChangeAspect="1"/>
+          </p:cNvPicPr>
+          <p:nvPr/>
+        </p:nvPicPr>
+        <p:blipFill>
+          <a:blip r:embed="rId6"/>
+          <a:stretch>
+            <a:fillRect/>
+          </a:stretch>
+        </p:blipFill>
+        <p:spPr>
+          <a:xfrm>
+            <a:off x="1380494" y="3980860"/>
+            <a:ext cx="4715506" cy="809033"/>
+          </a:xfrm>
+          <a:prstGeom prst="rect">
+            <a:avLst/>
+          </a:prstGeom>
+        </p:spPr>
+      </p:pic>
+      <p:pic>
+        <p:nvPicPr>
+          <p:cNvPr id="19" name="Immagine 18" descr="Immagine che contiene Carattere, testo, calligrafia, simbolo&#10;&#10;Descrizione generata automaticamente">
+            <a:extLst>
+              <a:ext uri="{FF2B5EF4-FFF2-40B4-BE49-F238E27FC236}">
+                <a16:creationId xmlns:a16="http://schemas.microsoft.com/office/drawing/2014/main" id="{BFD03797-58CF-3737-95CD-185771BF26EE}"/>
+              </a:ext>
+            </a:extLst>
+          </p:cNvPr>
+          <p:cNvPicPr>
+            <a:picLocks noChangeAspect="1"/>
+          </p:cNvPicPr>
+          <p:nvPr/>
+        </p:nvPicPr>
+        <p:blipFill>
+          <a:blip r:embed="rId7"/>
+          <a:stretch>
+            <a:fillRect/>
+          </a:stretch>
+        </p:blipFill>
+        <p:spPr>
+          <a:xfrm>
+            <a:off x="1731119" y="4825624"/>
+            <a:ext cx="653781" cy="346904"/>
+          </a:xfrm>
+          <a:prstGeom prst="rect">
+            <a:avLst/>
+          </a:prstGeom>
+        </p:spPr>
+      </p:pic>
+      <p:pic>
+        <p:nvPicPr>
+          <p:cNvPr id="21" name="Immagine 20" descr="Immagine che contiene Carattere, testo, bianco, tipografia&#10;&#10;Descrizione generata automaticamente">
+            <a:extLst>
+              <a:ext uri="{FF2B5EF4-FFF2-40B4-BE49-F238E27FC236}">
+                <a16:creationId xmlns:a16="http://schemas.microsoft.com/office/drawing/2014/main" id="{FBF17EEC-2F1F-C5F0-F16D-4FFC2042A0FA}"/>
+              </a:ext>
+            </a:extLst>
+          </p:cNvPr>
+          <p:cNvPicPr>
+            <a:picLocks noChangeAspect="1"/>
+          </p:cNvPicPr>
+          <p:nvPr/>
+        </p:nvPicPr>
+        <p:blipFill>
+          <a:blip r:embed="rId8"/>
+          <a:stretch>
+            <a:fillRect/>
+          </a:stretch>
+        </p:blipFill>
+        <p:spPr>
+          <a:xfrm>
+            <a:off x="1709348" y="5170365"/>
+            <a:ext cx="1447509" cy="387726"/>
+          </a:xfrm>
+          <a:prstGeom prst="rect">
+            <a:avLst/>
+          </a:prstGeom>
+        </p:spPr>
+      </p:pic>
     </p:spTree>
     <p:extLst>
       <p:ext uri="{BB962C8B-B14F-4D97-AF65-F5344CB8AC3E}">
@@ -16045,8 +16079,8 @@
         </p:nvSpPr>
         <p:spPr>
           <a:xfrm>
-            <a:off x="311700" y="1234697"/>
-            <a:ext cx="8520600" cy="5202070"/>
+            <a:off x="311700" y="1533636"/>
+            <a:ext cx="8520600" cy="4585810"/>
           </a:xfrm>
           <a:prstGeom prst="rect">
             <a:avLst/>
@@ -16061,7 +16095,7 @@
             <a:pPr lvl="0"/>
             <a:r>
               <a:rPr lang="en-GB" sz="1800" dirty="0"/>
-              <a:t>Immediate and long term goals</a:t>
+              <a:t>Immediate and long-term goals</a:t>
             </a:r>
           </a:p>
           <a:p>
@@ -16089,13 +16123,6 @@
             <a:r>
               <a:rPr lang="en-GB" sz="1800" dirty="0"/>
               <a:t>Temporal-Difference Learning (TD)</a:t>
-            </a:r>
-          </a:p>
-          <a:p>
-            <a:pPr lvl="0"/>
-            <a:r>
-              <a:rPr lang="en-GB" sz="1800" dirty="0"/>
-              <a:t>Batch updating </a:t>
             </a:r>
           </a:p>
           <a:p>
@@ -16317,7 +16344,7 @@
         </p:nvSpPr>
         <p:spPr>
           <a:xfrm>
-            <a:off x="311700" y="1043733"/>
+            <a:off x="311700" y="923990"/>
             <a:ext cx="8520600" cy="5393034"/>
           </a:xfrm>
           <a:prstGeom prst="rect">
@@ -16333,7 +16360,11 @@
             <a:pPr lvl="0"/>
             <a:r>
               <a:rPr lang="en-GB" sz="1800" dirty="0"/>
-              <a:t>A question emerges: what is a good n? </a:t>
+              <a:t>A question emerges: </a:t>
+            </a:r>
+            <a:r>
+              <a:rPr lang="en-GB" sz="1800" b="1" dirty="0"/>
+              <a:t>what is a good n? </a:t>
             </a:r>
           </a:p>
           <a:p>
@@ -16351,161 +16382,47 @@
             <a:pPr lvl="1"/>
             <a:r>
               <a:rPr lang="en-GB" sz="1600" dirty="0"/>
-              <a:t>the agent could go out and calculate the n-step targets corresponding to the one-, two-, three-, ..., infinite-step target</a:t>
-            </a:r>
-          </a:p>
-          <a:p>
-            <a:pPr lvl="1"/>
-            <a:r>
-              <a:rPr lang="en-GB" sz="1600" dirty="0"/>
-              <a:t>then mix all of these targets with an exponentially decaying factor 𝜆 </a:t>
-            </a:r>
-          </a:p>
-          <a:p>
-            <a:pPr lvl="1"/>
-            <a:endParaRPr lang="en-GB" sz="1600" dirty="0"/>
-          </a:p>
-          <a:p>
-            <a:pPr lvl="1"/>
-            <a:endParaRPr lang="en-GB" sz="1600" dirty="0"/>
-          </a:p>
-          <a:p>
-            <a:pPr lvl="1"/>
-            <a:endParaRPr lang="en-GB" sz="1600" dirty="0"/>
-          </a:p>
-          <a:p>
-            <a:pPr lvl="1"/>
-            <a:endParaRPr lang="en-GB" sz="1600" dirty="0"/>
-          </a:p>
-          <a:p>
-            <a:pPr lvl="1"/>
-            <a:endParaRPr lang="en-GB" sz="1600" dirty="0"/>
-          </a:p>
-          <a:p>
-            <a:pPr lvl="1"/>
-            <a:endParaRPr lang="en-GB" sz="1600" dirty="0"/>
-          </a:p>
-          <a:p>
-            <a:r>
-              <a:rPr lang="en-GB" sz="1800" dirty="0"/>
-              <a:t>We calculate the one-step return and weight it with the 1−𝜆  factor, and the 2-step return and weight it with (1−𝜆)𝜆 factor, and the 3-step return and weight it with (1−𝜆)𝜆</a:t>
-            </a:r>
-            <a:r>
-              <a:rPr lang="en-GB" sz="1800" baseline="30000" dirty="0"/>
-              <a:t>2 </a:t>
-            </a:r>
-            <a:r>
-              <a:rPr lang="en-GB" sz="1800" dirty="0"/>
-              <a:t>factor, and so on for all n-steps return until the agent reaches a terminal state</a:t>
-            </a:r>
-          </a:p>
-          <a:p>
-            <a:endParaRPr lang="en-GB" sz="1800" dirty="0"/>
-          </a:p>
-          <a:p>
-            <a:endParaRPr lang="en-GB" sz="2000" dirty="0"/>
+              <a:t>agent could go out and calculate the targets corresponding to the one-, two-, three-, ..., infinite-step</a:t>
+            </a:r>
           </a:p>
           <a:p>
             <a:pPr marL="120650" lvl="0" indent="0">
               <a:buNone/>
             </a:pPr>
-            <a:endParaRPr lang="en-GB" sz="1800" dirty="0"/>
-          </a:p>
-          <a:p>
-            <a:pPr lvl="0"/>
-            <a:endParaRPr lang="en-GB" sz="1800" dirty="0"/>
-          </a:p>
-          <a:p>
-            <a:pPr lvl="0"/>
-            <a:endParaRPr lang="en-GB" sz="1800" dirty="0"/>
-          </a:p>
-          <a:p>
-            <a:pPr lvl="0"/>
             <a:endParaRPr lang="en-GB" dirty="0"/>
           </a:p>
         </p:txBody>
       </p:sp>
-      <p:grpSp>
-        <p:nvGrpSpPr>
-          <p:cNvPr id="8" name="Gruppo 7">
+      <p:pic>
+        <p:nvPicPr>
+          <p:cNvPr id="2" name="Immagine 1">
             <a:extLst>
               <a:ext uri="{FF2B5EF4-FFF2-40B4-BE49-F238E27FC236}">
-                <a16:creationId xmlns:a16="http://schemas.microsoft.com/office/drawing/2014/main" id="{0A8169F3-360D-1D8A-562C-7992B396C7CA}"/>
+                <a16:creationId xmlns:a16="http://schemas.microsoft.com/office/drawing/2014/main" id="{94C76C5E-6BB3-D747-946C-99B02BA0CDC7}"/>
               </a:ext>
             </a:extLst>
           </p:cNvPr>
-          <p:cNvGrpSpPr/>
+          <p:cNvPicPr>
+            <a:picLocks noChangeAspect="1"/>
+          </p:cNvPicPr>
           <p:nvPr/>
-        </p:nvGrpSpPr>
-        <p:grpSpPr>
+        </p:nvPicPr>
+        <p:blipFill>
+          <a:blip r:embed="rId3"/>
+          <a:stretch>
+            <a:fillRect/>
+          </a:stretch>
+        </p:blipFill>
+        <p:spPr>
           <a:xfrm>
-            <a:off x="1227223" y="2887579"/>
-            <a:ext cx="3850106" cy="2312405"/>
-            <a:chOff x="1155031" y="3402595"/>
-            <a:chExt cx="5119103" cy="3008208"/>
+            <a:off x="1384725" y="2351120"/>
+            <a:ext cx="6002667" cy="4319226"/>
           </a:xfrm>
-        </p:grpSpPr>
-        <p:pic>
-          <p:nvPicPr>
-            <p:cNvPr id="5" name="Immagine 4">
-              <a:extLst>
-                <a:ext uri="{FF2B5EF4-FFF2-40B4-BE49-F238E27FC236}">
-                  <a16:creationId xmlns:a16="http://schemas.microsoft.com/office/drawing/2014/main" id="{BD787726-913A-F743-4D25-3CA7A203F306}"/>
-                </a:ext>
-              </a:extLst>
-            </p:cNvPr>
-            <p:cNvPicPr>
-              <a:picLocks noChangeAspect="1"/>
-            </p:cNvPicPr>
-            <p:nvPr/>
-          </p:nvPicPr>
-          <p:blipFill>
-            <a:blip r:embed="rId3"/>
-            <a:stretch>
-              <a:fillRect/>
-            </a:stretch>
-          </p:blipFill>
-          <p:spPr>
-            <a:xfrm>
-              <a:off x="1257634" y="3402595"/>
-              <a:ext cx="5016500" cy="2159000"/>
-            </a:xfrm>
-            <a:prstGeom prst="rect">
-              <a:avLst/>
-            </a:prstGeom>
-          </p:spPr>
-        </p:pic>
-        <p:pic>
-          <p:nvPicPr>
-            <p:cNvPr id="7" name="Immagine 6">
-              <a:extLst>
-                <a:ext uri="{FF2B5EF4-FFF2-40B4-BE49-F238E27FC236}">
-                  <a16:creationId xmlns:a16="http://schemas.microsoft.com/office/drawing/2014/main" id="{F94800CC-10EF-9754-5ED3-5E258388614F}"/>
-                </a:ext>
-              </a:extLst>
-            </p:cNvPr>
-            <p:cNvPicPr>
-              <a:picLocks noChangeAspect="1"/>
-            </p:cNvPicPr>
-            <p:nvPr/>
-          </p:nvPicPr>
-          <p:blipFill>
-            <a:blip r:embed="rId4"/>
-            <a:stretch>
-              <a:fillRect/>
-            </a:stretch>
-          </p:blipFill>
-          <p:spPr>
-            <a:xfrm>
-              <a:off x="1155031" y="5483703"/>
-              <a:ext cx="4114800" cy="927100"/>
-            </a:xfrm>
-            <a:prstGeom prst="rect">
-              <a:avLst/>
-            </a:prstGeom>
-          </p:spPr>
-        </p:pic>
-      </p:grpSp>
+          <a:prstGeom prst="rect">
+            <a:avLst/>
+          </a:prstGeom>
+        </p:spPr>
+      </p:pic>
     </p:spTree>
     <p:extLst>
       <p:ext uri="{BB962C8B-B14F-4D97-AF65-F5344CB8AC3E}">
@@ -16591,7 +16508,7 @@
         <p:spPr>
           <a:xfrm>
             <a:off x="311700" y="1043733"/>
-            <a:ext cx="8520600" cy="5202070"/>
+            <a:ext cx="8520600" cy="5531238"/>
           </a:xfrm>
           <a:prstGeom prst="rect">
             <a:avLst/>
@@ -16603,10 +16520,84 @@
           </a:bodyPr>
           <a:lstStyle/>
           <a:p>
+            <a:endParaRPr lang="en-GB" sz="1800" dirty="0"/>
+          </a:p>
+          <a:p>
+            <a:endParaRPr lang="en-GB" sz="1800" dirty="0"/>
+          </a:p>
+          <a:p>
+            <a:endParaRPr lang="en-GB" sz="2400" dirty="0"/>
+          </a:p>
+          <a:p>
+            <a:endParaRPr lang="en-GB" sz="1800" dirty="0"/>
+          </a:p>
+          <a:p>
+            <a:endParaRPr lang="en-GB" sz="1800" dirty="0"/>
+          </a:p>
+          <a:p>
+            <a:endParaRPr lang="en-GB" sz="1800" dirty="0"/>
+          </a:p>
+          <a:p>
+            <a:endParaRPr lang="en-GB" sz="1800" dirty="0"/>
+          </a:p>
+          <a:p>
+            <a:pPr marL="120650" indent="0">
+              <a:buNone/>
+            </a:pPr>
+            <a:endParaRPr lang="en-GB" sz="600" dirty="0"/>
+          </a:p>
+          <a:p>
             <a:pPr lvl="0"/>
             <a:r>
               <a:rPr lang="en-GB" sz="1800" dirty="0"/>
-              <a:t>In the end, we can evaluate the estimate of the value function using this expression of the return:</a:t>
+              <a:t>We can compose all targets using a weighted sum</a:t>
+            </a:r>
+          </a:p>
+          <a:p>
+            <a:pPr lvl="0"/>
+            <a:endParaRPr lang="en-GB" sz="1800" dirty="0"/>
+          </a:p>
+          <a:p>
+            <a:pPr lvl="0"/>
+            <a:endParaRPr lang="en-GB" sz="800" dirty="0"/>
+          </a:p>
+          <a:p>
+            <a:endParaRPr lang="en-GB" sz="1800" dirty="0"/>
+          </a:p>
+          <a:p>
+            <a:r>
+              <a:rPr lang="en-GB" sz="1800" dirty="0"/>
+              <a:t>We can evaluate the estimate of the value function using this return:</a:t>
+            </a:r>
+          </a:p>
+          <a:p>
+            <a:pPr lvl="0"/>
+            <a:endParaRPr lang="en-GB" sz="1800" dirty="0"/>
+          </a:p>
+          <a:p>
+            <a:pPr lvl="0"/>
+            <a:endParaRPr lang="en-GB" sz="1800" dirty="0"/>
+          </a:p>
+          <a:p>
+            <a:pPr lvl="1"/>
+            <a:r>
+              <a:rPr lang="en-GB" sz="1900" dirty="0"/>
+              <a:t>       is the </a:t>
+            </a:r>
+            <a:r>
+              <a:rPr lang="en-GB" sz="1900" b="1" dirty="0"/>
+              <a:t>TD(lambda) target </a:t>
+            </a:r>
+          </a:p>
+          <a:p>
+            <a:pPr lvl="1"/>
+            <a:r>
+              <a:rPr lang="en-GB" sz="1800" dirty="0"/>
+              <a:t>                     is the </a:t>
+            </a:r>
+            <a:r>
+              <a:rPr lang="en-GB" sz="1800" b="1" dirty="0"/>
+              <a:t>TD(lambda) error</a:t>
             </a:r>
           </a:p>
           <a:p>
@@ -16621,10 +16612,10 @@
       </p:sp>
       <p:pic>
         <p:nvPicPr>
-          <p:cNvPr id="3" name="Immagine 2">
+          <p:cNvPr id="4" name="Immagine 3" descr="Immagine che contiene testo, Carattere, ricevuta, calligrafia&#10;&#10;Descrizione generata automaticamente">
             <a:extLst>
               <a:ext uri="{FF2B5EF4-FFF2-40B4-BE49-F238E27FC236}">
-                <a16:creationId xmlns:a16="http://schemas.microsoft.com/office/drawing/2014/main" id="{3C5726FB-7423-8B1C-3FAF-8F453DE21F6C}"/>
+                <a16:creationId xmlns:a16="http://schemas.microsoft.com/office/drawing/2014/main" id="{3A6AF67D-8EBC-D0CF-AC9F-E3E14845ABB9}"/>
               </a:ext>
             </a:extLst>
           </p:cNvPr>
@@ -16641,8 +16632,8 @@
         </p:blipFill>
         <p:spPr>
           <a:xfrm>
-            <a:off x="749300" y="1812682"/>
-            <a:ext cx="3822700" cy="482600"/>
+            <a:off x="843643" y="1052152"/>
+            <a:ext cx="5154386" cy="2407800"/>
           </a:xfrm>
           <a:prstGeom prst="rect">
             <a:avLst/>
@@ -16651,10 +16642,10 @@
       </p:pic>
       <p:pic>
         <p:nvPicPr>
-          <p:cNvPr id="5" name="Immagine 4">
+          <p:cNvPr id="7" name="Immagine 6" descr="Immagine che contiene testo, Carattere, bianco, tipografia&#10;&#10;Descrizione generata automaticamente">
             <a:extLst>
               <a:ext uri="{FF2B5EF4-FFF2-40B4-BE49-F238E27FC236}">
-                <a16:creationId xmlns:a16="http://schemas.microsoft.com/office/drawing/2014/main" id="{41C72122-DABB-2CE3-3178-805E9C0287B8}"/>
+                <a16:creationId xmlns:a16="http://schemas.microsoft.com/office/drawing/2014/main" id="{DA4E6D69-2577-0B09-74C8-6D480583A1F8}"/>
               </a:ext>
             </a:extLst>
           </p:cNvPr>
@@ -16671,8 +16662,98 @@
         </p:blipFill>
         <p:spPr>
           <a:xfrm>
-            <a:off x="1156125" y="2295282"/>
-            <a:ext cx="6002667" cy="4319226"/>
+            <a:off x="843643" y="3854660"/>
+            <a:ext cx="4251779" cy="852792"/>
+          </a:xfrm>
+          <a:prstGeom prst="rect">
+            <a:avLst/>
+          </a:prstGeom>
+        </p:spPr>
+      </p:pic>
+      <p:pic>
+        <p:nvPicPr>
+          <p:cNvPr id="11" name="Immagine 10" descr="Immagine che contiene Carattere, calligrafia, tipografia, testo&#10;&#10;Descrizione generata automaticamente">
+            <a:extLst>
+              <a:ext uri="{FF2B5EF4-FFF2-40B4-BE49-F238E27FC236}">
+                <a16:creationId xmlns:a16="http://schemas.microsoft.com/office/drawing/2014/main" id="{42D8CE54-195C-F060-A5CD-024B019B96ED}"/>
+              </a:ext>
+            </a:extLst>
+          </p:cNvPr>
+          <p:cNvPicPr>
+            <a:picLocks noChangeAspect="1"/>
+          </p:cNvPicPr>
+          <p:nvPr/>
+        </p:nvPicPr>
+        <p:blipFill>
+          <a:blip r:embed="rId5"/>
+          <a:stretch>
+            <a:fillRect/>
+          </a:stretch>
+        </p:blipFill>
+        <p:spPr>
+          <a:xfrm>
+            <a:off x="843643" y="4987860"/>
+            <a:ext cx="3352800" cy="508000"/>
+          </a:xfrm>
+          <a:prstGeom prst="rect">
+            <a:avLst/>
+          </a:prstGeom>
+        </p:spPr>
+      </p:pic>
+      <p:pic>
+        <p:nvPicPr>
+          <p:cNvPr id="13" name="Immagine 12" descr="Immagine che contiene testo, Carattere, simbolo, bianco&#10;&#10;Descrizione generata automaticamente">
+            <a:extLst>
+              <a:ext uri="{FF2B5EF4-FFF2-40B4-BE49-F238E27FC236}">
+                <a16:creationId xmlns:a16="http://schemas.microsoft.com/office/drawing/2014/main" id="{E248E21D-43FD-01D6-5FD2-889D5950F1B0}"/>
+              </a:ext>
+            </a:extLst>
+          </p:cNvPr>
+          <p:cNvPicPr>
+            <a:picLocks noChangeAspect="1"/>
+          </p:cNvPicPr>
+          <p:nvPr/>
+        </p:nvPicPr>
+        <p:blipFill>
+          <a:blip r:embed="rId6"/>
+          <a:stretch>
+            <a:fillRect/>
+          </a:stretch>
+        </p:blipFill>
+        <p:spPr>
+          <a:xfrm>
+            <a:off x="1264557" y="5636568"/>
+            <a:ext cx="431800" cy="393700"/>
+          </a:xfrm>
+          <a:prstGeom prst="rect">
+            <a:avLst/>
+          </a:prstGeom>
+        </p:spPr>
+      </p:pic>
+      <p:pic>
+        <p:nvPicPr>
+          <p:cNvPr id="15" name="Immagine 14" descr="Immagine che contiene Carattere, bianco, tipografia, calligrafia&#10;&#10;Descrizione generata automaticamente">
+            <a:extLst>
+              <a:ext uri="{FF2B5EF4-FFF2-40B4-BE49-F238E27FC236}">
+                <a16:creationId xmlns:a16="http://schemas.microsoft.com/office/drawing/2014/main" id="{C503B8E2-4700-5128-11D1-376FCEEF42B6}"/>
+              </a:ext>
+            </a:extLst>
+          </p:cNvPr>
+          <p:cNvPicPr>
+            <a:picLocks noChangeAspect="1"/>
+          </p:cNvPicPr>
+          <p:nvPr/>
+        </p:nvPicPr>
+        <p:blipFill>
+          <a:blip r:embed="rId7"/>
+          <a:stretch>
+            <a:fillRect/>
+          </a:stretch>
+        </p:blipFill>
+        <p:spPr>
+          <a:xfrm>
+            <a:off x="1250043" y="6085702"/>
+            <a:ext cx="1270000" cy="368300"/>
           </a:xfrm>
           <a:prstGeom prst="rect">
             <a:avLst/>
@@ -16763,8 +16844,8 @@
         </p:nvSpPr>
         <p:spPr>
           <a:xfrm>
-            <a:off x="311700" y="1043732"/>
-            <a:ext cx="8711984" cy="5610475"/>
+            <a:off x="311700" y="923987"/>
+            <a:ext cx="8711984" cy="5640096"/>
           </a:xfrm>
           <a:prstGeom prst="rect">
             <a:avLst/>
@@ -16779,7 +16860,7 @@
             <a:pPr lvl="0"/>
             <a:r>
               <a:rPr lang="en-GB" sz="1800" dirty="0"/>
-              <a:t>With TD( 𝜆 ) we must </a:t>
+              <a:t>With TD(𝜆) we must </a:t>
             </a:r>
             <a:r>
               <a:rPr lang="en-GB" sz="1800" b="1" dirty="0"/>
@@ -16806,12 +16887,16 @@
             <a:pPr lvl="1"/>
             <a:r>
               <a:rPr lang="en-GB" sz="1600" dirty="0"/>
-              <a:t>we track states that are eligible for an update on every step by how much</a:t>
-            </a:r>
-          </a:p>
-          <a:p>
-            <a:pPr lvl="1"/>
-            <a:endParaRPr lang="en-GB" sz="1600" dirty="0"/>
+              <a:t>we track states that are </a:t>
+            </a:r>
+            <a:r>
+              <a:rPr lang="en-GB" sz="1600" b="1" dirty="0"/>
+              <a:t>eligible</a:t>
+            </a:r>
+            <a:r>
+              <a:rPr lang="en-GB" sz="1600" dirty="0"/>
+              <a:t> for an update on every step and by how much</a:t>
+            </a:r>
           </a:p>
           <a:p>
             <a:r>
@@ -16828,22 +16913,14 @@
             <a:pPr lvl="1"/>
             <a:r>
               <a:rPr lang="en-GB" sz="1600" dirty="0"/>
-              <a:t>at the begging of every new episode, we set the eligibility vector to zero E</a:t>
-            </a:r>
-            <a:r>
-              <a:rPr lang="en-GB" sz="1600" baseline="-25000" dirty="0"/>
-              <a:t>0</a:t>
-            </a:r>
+              <a:t>at the begging of every new episode, we set the eligibility vector to zero E=0</a:t>
+            </a:r>
+          </a:p>
+          <a:p>
+            <a:pPr lvl="1"/>
             <a:r>
               <a:rPr lang="en-GB" sz="1600" dirty="0"/>
-              <a:t>=0</a:t>
-            </a:r>
-          </a:p>
-          <a:p>
-            <a:pPr lvl="1"/>
-            <a:r>
-              <a:rPr lang="en-GB" sz="1600" dirty="0"/>
-              <a:t>we interact with the environment one cycle S</a:t>
+              <a:t>we interact with the environment one cycle (S</a:t>
             </a:r>
             <a:r>
               <a:rPr lang="en-GB" sz="1600" baseline="-25000" dirty="0"/>
@@ -16873,12 +16950,16 @@
               <a:rPr lang="en-GB" sz="1600" baseline="-25000" dirty="0"/>
               <a:t>t+1</a:t>
             </a:r>
+            <a:r>
+              <a:rPr lang="en-GB" sz="1600" dirty="0"/>
+              <a:t>)</a:t>
+            </a:r>
           </a:p>
           <a:p>
             <a:pPr lvl="1"/>
             <a:r>
               <a:rPr lang="en-GB" sz="1600" dirty="0"/>
-              <a:t>when we encounter a state, we add a one to its trace E</a:t>
+              <a:t>when we encounter a state, we add a one to its trace E(S</a:t>
             </a:r>
             <a:r>
               <a:rPr lang="en-GB" sz="1600" baseline="-25000" dirty="0"/>
@@ -16886,7 +16967,7 @@
             </a:r>
             <a:r>
               <a:rPr lang="en-GB" sz="1600" dirty="0"/>
-              <a:t>(S</a:t>
+              <a:t>) = E(S</a:t>
             </a:r>
             <a:r>
               <a:rPr lang="en-GB" sz="1600" baseline="-25000" dirty="0"/>
@@ -16894,51 +16975,43 @@
             </a:r>
             <a:r>
               <a:rPr lang="en-GB" sz="1600" dirty="0"/>
-              <a:t>) = E</a:t>
-            </a:r>
-            <a:r>
-              <a:rPr lang="en-GB" sz="1600" baseline="-25000" dirty="0"/>
-              <a:t>t</a:t>
-            </a:r>
+              <a:t>) + 1</a:t>
+            </a:r>
+          </a:p>
+          <a:p>
+            <a:pPr lvl="2"/>
+            <a:r>
+              <a:rPr lang="en-GB" sz="1500" dirty="0"/>
+              <a:t>to make it eligible for an update</a:t>
+            </a:r>
+          </a:p>
+          <a:p>
+            <a:pPr lvl="1"/>
             <a:r>
               <a:rPr lang="en-GB" sz="1600" dirty="0"/>
-              <a:t>(S</a:t>
-            </a:r>
-            <a:r>
-              <a:rPr lang="en-GB" sz="1600" baseline="-25000" dirty="0"/>
-              <a:t>t</a:t>
-            </a:r>
+              <a:t>we calculate the TD error:</a:t>
+            </a:r>
+          </a:p>
+          <a:p>
+            <a:pPr lvl="1"/>
             <a:r>
               <a:rPr lang="en-GB" sz="1600" dirty="0"/>
-              <a:t>) + 1</a:t>
+              <a:t>we update the value function </a:t>
+            </a:r>
+            <a:r>
+              <a:rPr lang="en-GB" sz="1600" b="1" dirty="0"/>
+              <a:t>for all states</a:t>
+            </a:r>
+            <a:r>
+              <a:rPr lang="en-GB" sz="1600" dirty="0"/>
+              <a:t> using the eligibility trace vector</a:t>
             </a:r>
           </a:p>
           <a:p>
             <a:pPr lvl="2"/>
             <a:r>
               <a:rPr lang="en-GB" sz="1500" dirty="0"/>
-              <a:t>in order to make it eligible for an update</a:t>
-            </a:r>
-          </a:p>
-          <a:p>
-            <a:pPr lvl="1"/>
-            <a:r>
-              <a:rPr lang="en-GB" sz="1600" dirty="0"/>
-              <a:t>we calculate the TD error</a:t>
-            </a:r>
-          </a:p>
-          <a:p>
-            <a:pPr lvl="1"/>
-            <a:r>
-              <a:rPr lang="en-GB" sz="1600" dirty="0"/>
-              <a:t>we update the value function for all states using the eligibility trace vector</a:t>
-            </a:r>
-          </a:p>
-          <a:p>
-            <a:pPr lvl="2"/>
-            <a:r>
-              <a:rPr lang="en-GB" sz="1500" dirty="0"/>
-              <a:t>only eligible  will get updated</a:t>
+              <a:t>only eligible  will get updated:</a:t>
             </a:r>
           </a:p>
           <a:p>
@@ -16952,11 +17025,14 @@
             <a:pPr lvl="2"/>
             <a:r>
               <a:rPr lang="en-GB" sz="1500" dirty="0"/>
-              <a:t>so that future reinforcing events have less impact on earlier states</a:t>
-            </a:r>
-          </a:p>
-          <a:p>
-            <a:pPr lvl="2"/>
+              <a:t>so future reinforcing events have less impact on earlier states:</a:t>
+            </a:r>
+          </a:p>
+          <a:p>
+            <a:r>
+              <a:rPr lang="en-GB" sz="1900" dirty="0"/>
+              <a:t>Recent states get more significant credit for a reward encountered in a recent transition than those states visited earlier</a:t>
+            </a:r>
             <a:endParaRPr lang="en-GB" sz="1500" dirty="0"/>
           </a:p>
           <a:p>
@@ -16979,10 +17055,10 @@
       </p:sp>
       <p:pic>
         <p:nvPicPr>
-          <p:cNvPr id="5" name="Immagine 4">
+          <p:cNvPr id="3" name="Immagine 2">
             <a:extLst>
               <a:ext uri="{FF2B5EF4-FFF2-40B4-BE49-F238E27FC236}">
-                <a16:creationId xmlns:a16="http://schemas.microsoft.com/office/drawing/2014/main" id="{32FFBFA3-ECA1-D2F1-EE9D-3C8551F7748C}"/>
+                <a16:creationId xmlns:a16="http://schemas.microsoft.com/office/drawing/2014/main" id="{F6C2B225-7A66-DB93-8E05-E62AE59DA079}"/>
               </a:ext>
             </a:extLst>
           </p:cNvPr>
@@ -16999,8 +17075,8 @@
         </p:blipFill>
         <p:spPr>
           <a:xfrm>
-            <a:off x="3871485" y="4447432"/>
-            <a:ext cx="3441700" cy="419100"/>
+            <a:off x="3810633" y="3948474"/>
+            <a:ext cx="3657600" cy="381000"/>
           </a:xfrm>
           <a:prstGeom prst="rect">
             <a:avLst/>
@@ -17009,10 +17085,10 @@
       </p:pic>
       <p:pic>
         <p:nvPicPr>
-          <p:cNvPr id="8" name="Immagine 7">
+          <p:cNvPr id="6" name="Immagine 5" descr="Immagine che contiene Carattere, testo, bianco, tipografia&#10;&#10;Descrizione generata automaticamente">
             <a:extLst>
               <a:ext uri="{FF2B5EF4-FFF2-40B4-BE49-F238E27FC236}">
-                <a16:creationId xmlns:a16="http://schemas.microsoft.com/office/drawing/2014/main" id="{53040676-5816-1FFA-03D6-FB229693EF5D}"/>
+                <a16:creationId xmlns:a16="http://schemas.microsoft.com/office/drawing/2014/main" id="{82EF5B5E-EFD0-CA89-F8D1-6AE55A470C70}"/>
               </a:ext>
             </a:extLst>
           </p:cNvPr>
@@ -17029,8 +17105,8 @@
         </p:blipFill>
         <p:spPr>
           <a:xfrm>
-            <a:off x="4390297" y="4807122"/>
-            <a:ext cx="2476500" cy="444500"/>
+            <a:off x="4515483" y="4686592"/>
+            <a:ext cx="2247900" cy="444500"/>
           </a:xfrm>
           <a:prstGeom prst="rect">
             <a:avLst/>
@@ -17039,10 +17115,10 @@
       </p:pic>
       <p:pic>
         <p:nvPicPr>
-          <p:cNvPr id="10" name="Immagine 9">
+          <p:cNvPr id="9" name="Immagine 8" descr="Immagine che contiene Carattere, logo, tipografia, bianco&#10;&#10;Descrizione generata automaticamente">
             <a:extLst>
               <a:ext uri="{FF2B5EF4-FFF2-40B4-BE49-F238E27FC236}">
-                <a16:creationId xmlns:a16="http://schemas.microsoft.com/office/drawing/2014/main" id="{755F6B99-3AC5-DEAE-A794-BD0CAE209319}"/>
+                <a16:creationId xmlns:a16="http://schemas.microsoft.com/office/drawing/2014/main" id="{53B33AB8-32D7-14D7-8E1A-8042A487AE95}"/>
               </a:ext>
             </a:extLst>
           </p:cNvPr>
@@ -17059,8 +17135,8 @@
         </p:blipFill>
         <p:spPr>
           <a:xfrm>
-            <a:off x="6429542" y="5673514"/>
-            <a:ext cx="1193800" cy="279400"/>
+            <a:off x="7370260" y="5523071"/>
+            <a:ext cx="1016000" cy="342900"/>
           </a:xfrm>
           <a:prstGeom prst="rect">
             <a:avLst/>
@@ -17165,13 +17241,6 @@
           <a:lstStyle/>
           <a:p>
             <a:pPr lvl="0"/>
-            <a:r>
-              <a:rPr lang="en-GB" sz="1800" dirty="0"/>
-              <a:t>In this way, most recent states get more significant credit for a reward encountered in a recent transition than those states visited earlier in the episode</a:t>
-            </a:r>
-          </a:p>
-          <a:p>
-            <a:pPr lvl="0"/>
             <a:endParaRPr lang="en-GB" sz="1800" dirty="0"/>
           </a:p>
           <a:p>
@@ -17202,7 +17271,7 @@
         </p:blipFill>
         <p:spPr>
           <a:xfrm>
-            <a:off x="199115" y="2388060"/>
+            <a:off x="311700" y="1383632"/>
             <a:ext cx="8745770" cy="4239671"/>
           </a:xfrm>
           <a:prstGeom prst="rect">
@@ -17333,18 +17402,34 @@
           </a:p>
           <a:p>
             <a:r>
-              <a:rPr lang="it-IT" sz="1800" dirty="0"/>
+              <a:rPr lang="it-IT" sz="1800" b="1" dirty="0">
+                <a:highlight>
+                  <a:srgbClr val="FFFF00"/>
+                </a:highlight>
+              </a:rPr>
               <a:t>See ”</a:t>
             </a:r>
             <a:r>
-              <a:rPr lang="it-IT" sz="1800" dirty="0" err="1"/>
+              <a:rPr lang="it-IT" sz="1800" b="1" dirty="0" err="1">
+                <a:highlight>
+                  <a:srgbClr val="FFFF00"/>
+                </a:highlight>
+              </a:rPr>
               <a:t>td-lambda.ipynb</a:t>
             </a:r>
             <a:r>
-              <a:rPr lang="it-IT" sz="1800" dirty="0"/>
-              <a:t>”</a:t>
-            </a:r>
-            <a:endParaRPr lang="en-GB" sz="1800" dirty="0"/>
+              <a:rPr lang="it-IT" sz="1800" b="1" dirty="0">
+                <a:highlight>
+                  <a:srgbClr val="FFFF00"/>
+                </a:highlight>
+              </a:rPr>
+              <a:t>” notebook</a:t>
+            </a:r>
+            <a:endParaRPr lang="en-GB" sz="1800" b="1" dirty="0">
+              <a:highlight>
+                <a:srgbClr val="FFFF00"/>
+              </a:highlight>
+            </a:endParaRPr>
           </a:p>
           <a:p>
             <a:endParaRPr lang="en-GB" sz="1800" dirty="0"/>
@@ -17503,18 +17588,34 @@
           </a:p>
           <a:p>
             <a:r>
-              <a:rPr lang="it-IT" sz="1800" dirty="0"/>
+              <a:rPr lang="it-IT" sz="1800" b="1" dirty="0">
+                <a:highlight>
+                  <a:srgbClr val="FFFF00"/>
+                </a:highlight>
+              </a:rPr>
               <a:t>See ”</a:t>
             </a:r>
             <a:r>
-              <a:rPr lang="it-IT" sz="1800" dirty="0" err="1"/>
+              <a:rPr lang="it-IT" sz="1800" b="1" dirty="0" err="1">
+                <a:highlight>
+                  <a:srgbClr val="FFFF00"/>
+                </a:highlight>
+              </a:rPr>
               <a:t>comparison.ipynb</a:t>
             </a:r>
             <a:r>
-              <a:rPr lang="it-IT" sz="1800" dirty="0"/>
-              <a:t>”</a:t>
-            </a:r>
-            <a:endParaRPr lang="en-GB" sz="1800" dirty="0"/>
+              <a:rPr lang="it-IT" sz="1800" b="1" dirty="0">
+                <a:highlight>
+                  <a:srgbClr val="FFFF00"/>
+                </a:highlight>
+              </a:rPr>
+              <a:t>” notebook</a:t>
+            </a:r>
+            <a:endParaRPr lang="en-GB" sz="1800" b="1" dirty="0">
+              <a:highlight>
+                <a:srgbClr val="FFFF00"/>
+              </a:highlight>
+            </a:endParaRPr>
           </a:p>
           <a:p>
             <a:pPr lvl="0"/>
@@ -17560,270 +17661,6 @@
     <p:extLst>
       <p:ext uri="{BB962C8B-B14F-4D97-AF65-F5344CB8AC3E}">
         <p14:creationId xmlns:p14="http://schemas.microsoft.com/office/powerpoint/2010/main" val="2178928758"/>
-      </p:ext>
-    </p:extLst>
-  </p:cSld>
-  <p:clrMapOvr>
-    <a:masterClrMapping/>
-  </p:clrMapOvr>
-</p:sld>
-</file>
-
-<file path=ppt/slides/slide27.xml><?xml version="1.0" encoding="utf-8"?>
-<p:sld xmlns:a="http://schemas.openxmlformats.org/drawingml/2006/main" xmlns:r="http://schemas.openxmlformats.org/officeDocument/2006/relationships" xmlns:p="http://schemas.openxmlformats.org/presentationml/2006/main">
-  <p:cSld>
-    <p:spTree>
-      <p:nvGrpSpPr>
-        <p:cNvPr id="1" name="Shape 82"/>
-        <p:cNvGrpSpPr/>
-        <p:nvPr/>
-      </p:nvGrpSpPr>
-      <p:grpSpPr>
-        <a:xfrm>
-          <a:off x="0" y="0"/>
-          <a:ext cx="0" cy="0"/>
-          <a:chOff x="0" y="0"/>
-          <a:chExt cx="0" cy="0"/>
-        </a:xfrm>
-      </p:grpSpPr>
-      <p:sp>
-        <p:nvSpPr>
-          <p:cNvPr id="83" name="Google Shape;83;p14"/>
-          <p:cNvSpPr txBox="1">
-            <a:spLocks noGrp="1"/>
-          </p:cNvSpPr>
-          <p:nvPr>
-            <p:ph type="title" idx="4294967295"/>
-          </p:nvPr>
-        </p:nvSpPr>
-        <p:spPr>
-          <a:xfrm>
-            <a:off x="311700" y="421233"/>
-            <a:ext cx="8520600" cy="622500"/>
-          </a:xfrm>
-          <a:prstGeom prst="rect">
-            <a:avLst/>
-          </a:prstGeom>
-        </p:spPr>
-        <p:txBody>
-          <a:bodyPr spcFirstLastPara="1" wrap="square" lIns="91425" tIns="91425" rIns="91425" bIns="91425" anchor="b" anchorCtr="0">
-            <a:noAutofit/>
-          </a:bodyPr>
-          <a:lstStyle/>
-          <a:p>
-            <a:pPr marL="0" lvl="0" indent="0" algn="l" rtl="0">
-              <a:spcBef>
-                <a:spcPts val="0"/>
-              </a:spcBef>
-              <a:spcAft>
-                <a:spcPts val="0"/>
-              </a:spcAft>
-              <a:buNone/>
-            </a:pPr>
-            <a:r>
-              <a:rPr lang="en-GB"/>
-              <a:t>Exercise</a:t>
-            </a:r>
-            <a:endParaRPr dirty="0"/>
-          </a:p>
-        </p:txBody>
-      </p:sp>
-      <p:sp>
-        <p:nvSpPr>
-          <p:cNvPr id="84" name="Google Shape;84;p14"/>
-          <p:cNvSpPr txBox="1">
-            <a:spLocks noGrp="1"/>
-          </p:cNvSpPr>
-          <p:nvPr>
-            <p:ph type="body" idx="1"/>
-          </p:nvPr>
-        </p:nvSpPr>
-        <p:spPr>
-          <a:xfrm>
-            <a:off x="311700" y="1006092"/>
-            <a:ext cx="8520600" cy="5635339"/>
-          </a:xfrm>
-          <a:prstGeom prst="rect">
-            <a:avLst/>
-          </a:prstGeom>
-        </p:spPr>
-        <p:txBody>
-          <a:bodyPr spcFirstLastPara="1" wrap="square" lIns="91425" tIns="91425" rIns="91425" bIns="91425" anchor="t" anchorCtr="0">
-            <a:noAutofit/>
-          </a:bodyPr>
-          <a:lstStyle/>
-          <a:p>
-            <a:pPr lvl="0"/>
-            <a:r>
-              <a:rPr lang="en-GB" sz="1800" dirty="0"/>
-              <a:t>1 - Create the following </a:t>
-            </a:r>
-            <a:r>
-              <a:rPr lang="en-GB" sz="1800" dirty="0" err="1"/>
-              <a:t>Gridworld</a:t>
-            </a:r>
-            <a:endParaRPr lang="en-GB" sz="1800" dirty="0"/>
-          </a:p>
-          <a:p>
-            <a:pPr lvl="0"/>
-            <a:endParaRPr lang="en-GB" sz="1800" dirty="0"/>
-          </a:p>
-          <a:p>
-            <a:pPr lvl="0"/>
-            <a:endParaRPr lang="en-GB" sz="1800" dirty="0"/>
-          </a:p>
-          <a:p>
-            <a:pPr lvl="0"/>
-            <a:endParaRPr lang="en-GB" sz="1800" dirty="0"/>
-          </a:p>
-          <a:p>
-            <a:pPr lvl="0"/>
-            <a:endParaRPr lang="en-GB" sz="1800" dirty="0"/>
-          </a:p>
-          <a:p>
-            <a:pPr lvl="0"/>
-            <a:endParaRPr lang="en-GB" sz="1800" dirty="0"/>
-          </a:p>
-          <a:p>
-            <a:pPr marL="120650" lvl="0" indent="0">
-              <a:buNone/>
-            </a:pPr>
-            <a:endParaRPr lang="en-GB" sz="1800" dirty="0"/>
-          </a:p>
-          <a:p>
-            <a:pPr lvl="0"/>
-            <a:r>
-              <a:rPr lang="en-GB" sz="1800" dirty="0"/>
-              <a:t>2 - Write the optimal policy for this environment</a:t>
-            </a:r>
-          </a:p>
-          <a:p>
-            <a:pPr marL="120650" lvl="0" indent="0">
-              <a:buNone/>
-            </a:pPr>
-            <a:endParaRPr lang="en-GB" sz="1800" dirty="0"/>
-          </a:p>
-          <a:p>
-            <a:pPr lvl="0"/>
-            <a:endParaRPr lang="en-GB" sz="1800" dirty="0"/>
-          </a:p>
-          <a:p>
-            <a:pPr lvl="0"/>
-            <a:endParaRPr lang="en-GB" sz="1800" dirty="0"/>
-          </a:p>
-          <a:p>
-            <a:pPr lvl="0"/>
-            <a:endParaRPr lang="en-GB" sz="1800" dirty="0"/>
-          </a:p>
-          <a:p>
-            <a:pPr marL="120650" lvl="0" indent="0">
-              <a:buNone/>
-            </a:pPr>
-            <a:endParaRPr lang="en-GB" sz="1100" dirty="0"/>
-          </a:p>
-          <a:p>
-            <a:r>
-              <a:rPr lang="en-GB" sz="1800" dirty="0"/>
-              <a:t>3 - Evaluate this policy using TD(𝜆) and plot the state-value function estimates over episodes</a:t>
-            </a:r>
-          </a:p>
-          <a:p>
-            <a:endParaRPr lang="en-GB" sz="1800" dirty="0"/>
-          </a:p>
-          <a:p>
-            <a:r>
-              <a:rPr lang="en-GB" sz="1800" dirty="0"/>
-              <a:t>See “notebook – exercise-</a:t>
-            </a:r>
-            <a:r>
-              <a:rPr lang="en-GB" sz="1800" dirty="0" err="1"/>
-              <a:t>solution.ipynb</a:t>
-            </a:r>
-            <a:r>
-              <a:rPr lang="en-GB" sz="1800" dirty="0"/>
-              <a:t>”</a:t>
-            </a:r>
-          </a:p>
-          <a:p>
-            <a:pPr marL="120650" indent="0">
-              <a:buNone/>
-            </a:pPr>
-            <a:endParaRPr lang="en-GB" sz="1800" dirty="0"/>
-          </a:p>
-          <a:p>
-            <a:pPr lvl="0"/>
-            <a:endParaRPr lang="en-GB" sz="1800" dirty="0"/>
-          </a:p>
-          <a:p>
-            <a:pPr lvl="0"/>
-            <a:endParaRPr lang="en-GB" dirty="0"/>
-          </a:p>
-        </p:txBody>
-      </p:sp>
-      <p:pic>
-        <p:nvPicPr>
-          <p:cNvPr id="3" name="Immagine 2">
-            <a:extLst>
-              <a:ext uri="{FF2B5EF4-FFF2-40B4-BE49-F238E27FC236}">
-                <a16:creationId xmlns:a16="http://schemas.microsoft.com/office/drawing/2014/main" id="{FA939A29-95AA-C12B-A415-81D0BA373123}"/>
-              </a:ext>
-            </a:extLst>
-          </p:cNvPr>
-          <p:cNvPicPr>
-            <a:picLocks noChangeAspect="1"/>
-          </p:cNvPicPr>
-          <p:nvPr/>
-        </p:nvPicPr>
-        <p:blipFill>
-          <a:blip r:embed="rId3"/>
-          <a:stretch>
-            <a:fillRect/>
-          </a:stretch>
-        </p:blipFill>
-        <p:spPr>
-          <a:xfrm>
-            <a:off x="844550" y="1436275"/>
-            <a:ext cx="5371898" cy="1823880"/>
-          </a:xfrm>
-          <a:prstGeom prst="rect">
-            <a:avLst/>
-          </a:prstGeom>
-        </p:spPr>
-      </p:pic>
-      <p:pic>
-        <p:nvPicPr>
-          <p:cNvPr id="5" name="Immagine 4">
-            <a:extLst>
-              <a:ext uri="{FF2B5EF4-FFF2-40B4-BE49-F238E27FC236}">
-                <a16:creationId xmlns:a16="http://schemas.microsoft.com/office/drawing/2014/main" id="{05C16011-9F8D-F647-EAC6-509C6AA49CC3}"/>
-              </a:ext>
-            </a:extLst>
-          </p:cNvPr>
-          <p:cNvPicPr>
-            <a:picLocks noChangeAspect="1"/>
-          </p:cNvPicPr>
-          <p:nvPr/>
-        </p:nvPicPr>
-        <p:blipFill>
-          <a:blip r:embed="rId4"/>
-          <a:stretch>
-            <a:fillRect/>
-          </a:stretch>
-        </p:blipFill>
-        <p:spPr>
-          <a:xfrm>
-            <a:off x="844550" y="3652697"/>
-            <a:ext cx="3746783" cy="1359565"/>
-          </a:xfrm>
-          <a:prstGeom prst="rect">
-            <a:avLst/>
-          </a:prstGeom>
-        </p:spPr>
-      </p:pic>
-    </p:spTree>
-    <p:extLst>
-      <p:ext uri="{BB962C8B-B14F-4D97-AF65-F5344CB8AC3E}">
-        <p14:creationId xmlns:p14="http://schemas.microsoft.com/office/powerpoint/2010/main" val="1073505695"/>
       </p:ext>
     </p:extLst>
   </p:cSld>
@@ -17878,7 +17715,7 @@
             <a:pPr lvl="0"/>
             <a:r>
               <a:rPr lang="en-GB" sz="4000" dirty="0"/>
-              <a:t>Immediate and long term goals</a:t>
+              <a:t>Immediate and long-term goals</a:t>
             </a:r>
             <a:endParaRPr sz="4000" dirty="0"/>
           </a:p>
@@ -17896,7 +17733,7 @@
         </p:nvSpPr>
         <p:spPr>
           <a:xfrm>
-            <a:off x="162750" y="1212537"/>
+            <a:off x="162750" y="1150990"/>
             <a:ext cx="8818500" cy="5224230"/>
           </a:xfrm>
           <a:prstGeom prst="rect">
@@ -18005,7 +17842,19 @@
             <a:pPr lvl="1"/>
             <a:r>
               <a:rPr lang="en-GB" dirty="0"/>
-              <a:t>taking into account long-term effect and not only the current situation </a:t>
+              <a:t>considering </a:t>
+            </a:r>
+            <a:r>
+              <a:rPr lang="en-GB" b="1" dirty="0"/>
+              <a:t>long-term effect </a:t>
+            </a:r>
+            <a:r>
+              <a:rPr lang="en-GB" dirty="0"/>
+              <a:t>and </a:t>
+            </a:r>
+            <a:r>
+              <a:rPr lang="en-GB" b="1" dirty="0"/>
+              <a:t>not only the current situation </a:t>
             </a:r>
           </a:p>
           <a:p>
@@ -18014,14 +17863,18 @@
           <a:p>
             <a:r>
               <a:rPr lang="en-GB" dirty="0"/>
-              <a:t>We need agents that can learn to estimate the value of policies</a:t>
+              <a:t>We need agents that can learn to </a:t>
+            </a:r>
+            <a:r>
+              <a:rPr lang="en-GB" b="1" dirty="0"/>
+              <a:t>estimate the value of policies</a:t>
             </a:r>
           </a:p>
           <a:p>
             <a:pPr lvl="1"/>
             <a:r>
               <a:rPr lang="en-GB" dirty="0"/>
-              <a:t>similar to the policy-evaluation method of Dynamic Programming</a:t>
+              <a:t>like the policy-evaluation method of Dynamic Programming</a:t>
             </a:r>
           </a:p>
           <a:p>
@@ -18162,7 +18015,7 @@
             <a:pPr lvl="1"/>
             <a:r>
               <a:rPr lang="en-GB" sz="1600" dirty="0"/>
-              <a:t>but it is not what the agent is trying to maximize! </a:t>
+              <a:t>not what the agent is trying to maximize</a:t>
             </a:r>
           </a:p>
           <a:p>
@@ -18186,7 +18039,7 @@
             <a:pPr lvl="1"/>
             <a:r>
               <a:rPr lang="en-GB" sz="1600" dirty="0"/>
-              <a:t>how much reward the agent obtained in an episode</a:t>
+              <a:t>how much reward the agent obtains in an episode</a:t>
             </a:r>
           </a:p>
           <a:p>
@@ -18200,14 +18053,14 @@
             <a:pPr lvl="1"/>
             <a:r>
               <a:rPr lang="en-GB" sz="1600" dirty="0"/>
-              <a:t>but isn’t what an agent tries to maximize, either! </a:t>
+              <a:t>isn’t what an agent tries to maximize </a:t>
             </a:r>
           </a:p>
           <a:p>
             <a:pPr lvl="1"/>
             <a:r>
               <a:rPr lang="en-GB" sz="1600" dirty="0"/>
-              <a:t>if agent attempts to obtain the highest possible return, it may find a policy that takes it through a noisy path: sometimes this path will provide a high return, but perhaps most of the time a low one</a:t>
+              <a:t>if agent maximizes return, it may find a policy that takes it through a noisy path: sometimes this path will provide a high return, but perhaps most of the time a low one</a:t>
             </a:r>
           </a:p>
           <a:p>
@@ -18217,7 +18070,15 @@
             </a:r>
             <a:r>
               <a:rPr lang="en-GB" sz="1800" dirty="0"/>
-              <a:t>: the expectation of returns </a:t>
+              <a:t>: the </a:t>
+            </a:r>
+            <a:r>
+              <a:rPr lang="en-GB" sz="1800" b="1" dirty="0"/>
+              <a:t>expectation</a:t>
+            </a:r>
+            <a:r>
+              <a:rPr lang="en-GB" sz="1800" dirty="0"/>
+              <a:t> of returns </a:t>
             </a:r>
           </a:p>
           <a:p>
@@ -18231,7 +18092,7 @@
             <a:pPr lvl="1"/>
             <a:r>
               <a:rPr lang="en-GB" sz="1600" dirty="0"/>
-              <a:t>Agent has to maximize the expected total discounted reward</a:t>
+              <a:t>agent has to maximize the expected total discounted reward</a:t>
             </a:r>
           </a:p>
           <a:p>
@@ -18328,8 +18189,8 @@
         </p:nvSpPr>
         <p:spPr>
           <a:xfrm>
-            <a:off x="311700" y="1043733"/>
-            <a:ext cx="8520600" cy="5489414"/>
+            <a:off x="311700" y="1114071"/>
+            <a:ext cx="8520600" cy="5322696"/>
           </a:xfrm>
           <a:prstGeom prst="rect">
             <a:avLst/>
@@ -18423,12 +18284,8 @@
               <a:t>Useful when focusing on the </a:t>
             </a:r>
             <a:r>
-              <a:rPr lang="en-GB" sz="1800" b="1" dirty="0" err="1"/>
-              <a:t>eveluation</a:t>
-            </a:r>
-            <a:r>
               <a:rPr lang="en-GB" sz="1800" b="1" dirty="0"/>
-              <a:t> problem</a:t>
+              <a:t>evaluation problem</a:t>
             </a:r>
           </a:p>
           <a:p>
@@ -18437,10 +18294,6 @@
               <a:rPr lang="en-GB" sz="1600" dirty="0"/>
               <a:t>the dynamics of the environment make policy being evaluated irrelevant</a:t>
             </a:r>
-            <a:endParaRPr lang="en-GB" sz="1800" dirty="0"/>
-          </a:p>
-          <a:p>
-            <a:pPr lvl="0"/>
             <a:endParaRPr lang="en-GB" sz="1800" dirty="0"/>
           </a:p>
           <a:p>
@@ -18471,7 +18324,7 @@
         </p:blipFill>
         <p:spPr>
           <a:xfrm>
-            <a:off x="962526" y="1534879"/>
+            <a:off x="1015280" y="1605217"/>
             <a:ext cx="4764506" cy="1894121"/>
           </a:xfrm>
           <a:prstGeom prst="rect">
@@ -18606,7 +18459,7 @@
             <a:pPr lvl="0"/>
             <a:r>
               <a:rPr lang="en-GB" dirty="0"/>
-              <a:t>We can run several episodes with this policy, collect hundreds of trajectories and then calculate averages for every state</a:t>
+              <a:t>We can run several episodes, collect hundreds of trajectories and then calculate averages for every state</a:t>
             </a:r>
           </a:p>
           <a:p>
@@ -18877,12 +18730,9 @@
             <a:pPr lvl="0"/>
             <a:r>
               <a:rPr lang="en-GB" sz="1800" dirty="0"/>
-              <a:t>Once we have a trajectory, we can calculate the returns 𝐺</a:t>
-            </a:r>
-            <a:r>
-              <a:rPr lang="en-GB" sz="1800" baseline="-25000" dirty="0"/>
-              <a:t>𝑡</a:t>
-            </a:r>
+              <a:t>Once we have a trajectory, we can calculate the return</a:t>
+            </a:r>
+            <a:endParaRPr lang="en-GB" sz="1800" baseline="-25000" dirty="0"/>
           </a:p>
           <a:p>
             <a:pPr lvl="0"/>
@@ -19003,10 +18853,10 @@
       </p:pic>
       <p:pic>
         <p:nvPicPr>
-          <p:cNvPr id="5" name="Immagine 4">
+          <p:cNvPr id="9" name="Immagine 8">
             <a:extLst>
               <a:ext uri="{FF2B5EF4-FFF2-40B4-BE49-F238E27FC236}">
-                <a16:creationId xmlns:a16="http://schemas.microsoft.com/office/drawing/2014/main" id="{00B4518A-C0ED-BFA7-A6B5-D5BB276DD390}"/>
+                <a16:creationId xmlns:a16="http://schemas.microsoft.com/office/drawing/2014/main" id="{CA43B1AC-2C49-1A97-C1AA-E8D4AF444243}"/>
               </a:ext>
             </a:extLst>
           </p:cNvPr>
@@ -19023,8 +18873,8 @@
         </p:blipFill>
         <p:spPr>
           <a:xfrm>
-            <a:off x="793136" y="2887166"/>
-            <a:ext cx="2159000" cy="787400"/>
+            <a:off x="793136" y="5815071"/>
+            <a:ext cx="2832100" cy="368300"/>
           </a:xfrm>
           <a:prstGeom prst="rect">
             <a:avLst/>
@@ -19033,10 +18883,10 @@
       </p:pic>
       <p:pic>
         <p:nvPicPr>
-          <p:cNvPr id="7" name="Immagine 6">
+          <p:cNvPr id="8" name="Immagine 7">
             <a:extLst>
               <a:ext uri="{FF2B5EF4-FFF2-40B4-BE49-F238E27FC236}">
-                <a16:creationId xmlns:a16="http://schemas.microsoft.com/office/drawing/2014/main" id="{AF8544B5-4CC1-0762-9182-5FA2EC618119}"/>
+                <a16:creationId xmlns:a16="http://schemas.microsoft.com/office/drawing/2014/main" id="{91C3D34B-48C4-B8E9-FE66-54E3C89F23B2}"/>
               </a:ext>
             </a:extLst>
           </p:cNvPr>
@@ -19053,8 +18903,8 @@
         </p:blipFill>
         <p:spPr>
           <a:xfrm>
-            <a:off x="806418" y="4658232"/>
-            <a:ext cx="1651000" cy="635000"/>
+            <a:off x="716936" y="2854429"/>
+            <a:ext cx="2058921" cy="713603"/>
           </a:xfrm>
           <a:prstGeom prst="rect">
             <a:avLst/>
@@ -19063,10 +18913,10 @@
       </p:pic>
       <p:pic>
         <p:nvPicPr>
-          <p:cNvPr id="9" name="Immagine 8">
+          <p:cNvPr id="12" name="Immagine 11">
             <a:extLst>
               <a:ext uri="{FF2B5EF4-FFF2-40B4-BE49-F238E27FC236}">
-                <a16:creationId xmlns:a16="http://schemas.microsoft.com/office/drawing/2014/main" id="{CA43B1AC-2C49-1A97-C1AA-E8D4AF444243}"/>
+                <a16:creationId xmlns:a16="http://schemas.microsoft.com/office/drawing/2014/main" id="{9AE8F587-072C-1FE4-6797-282ED00DDF1C}"/>
               </a:ext>
             </a:extLst>
           </p:cNvPr>
@@ -19083,8 +18933,8 @@
         </p:blipFill>
         <p:spPr>
           <a:xfrm>
-            <a:off x="793136" y="5706214"/>
-            <a:ext cx="2832100" cy="368300"/>
+            <a:off x="793136" y="4621564"/>
+            <a:ext cx="1592862" cy="713602"/>
           </a:xfrm>
           <a:prstGeom prst="rect">
             <a:avLst/>
@@ -19093,10 +18943,10 @@
       </p:pic>
       <p:pic>
         <p:nvPicPr>
-          <p:cNvPr id="11" name="Immagine 10">
+          <p:cNvPr id="14" name="Immagine 13">
             <a:extLst>
               <a:ext uri="{FF2B5EF4-FFF2-40B4-BE49-F238E27FC236}">
-                <a16:creationId xmlns:a16="http://schemas.microsoft.com/office/drawing/2014/main" id="{B659856B-575C-F74A-8F33-D3533E8C1463}"/>
+                <a16:creationId xmlns:a16="http://schemas.microsoft.com/office/drawing/2014/main" id="{BA171834-5569-2DA0-7FD1-4544BC5A41A5}"/>
               </a:ext>
             </a:extLst>
           </p:cNvPr>
@@ -19113,8 +18963,8 @@
         </p:blipFill>
         <p:spPr>
           <a:xfrm>
-            <a:off x="2952136" y="4621564"/>
-            <a:ext cx="4381500" cy="736600"/>
+            <a:off x="3197468" y="4635852"/>
+            <a:ext cx="3560536" cy="663829"/>
           </a:xfrm>
           <a:prstGeom prst="rect">
             <a:avLst/>
@@ -19173,7 +19023,7 @@
         </p:blipFill>
         <p:spPr>
           <a:xfrm>
-            <a:off x="319343" y="2511394"/>
+            <a:off x="406430" y="2478736"/>
             <a:ext cx="7708900" cy="3060700"/>
           </a:xfrm>
           <a:prstGeom prst="rect">
@@ -19236,7 +19086,7 @@
         <p:spPr>
           <a:xfrm>
             <a:off x="311700" y="1072469"/>
-            <a:ext cx="8520600" cy="5505312"/>
+            <a:ext cx="8603700" cy="5505312"/>
           </a:xfrm>
           <a:prstGeom prst="rect">
             <a:avLst/>
@@ -19302,15 +19152,7 @@
             </a:r>
             <a:r>
               <a:rPr lang="en-GB" sz="1600" dirty="0"/>
-              <a:t>− 𝑉</a:t>
-            </a:r>
-            <a:r>
-              <a:rPr lang="en-GB" sz="1600" baseline="-25000" dirty="0"/>
-              <a:t>𝑇−1</a:t>
-            </a:r>
-            <a:r>
-              <a:rPr lang="en-GB" sz="1600" dirty="0"/>
-              <a:t>(𝑆</a:t>
+              <a:t>− 𝑉(𝑆</a:t>
             </a:r>
             <a:r>
               <a:rPr lang="en-GB" sz="1600" baseline="-25000" dirty="0"/>
@@ -19386,10 +19228,10 @@
       </p:sp>
       <p:pic>
         <p:nvPicPr>
-          <p:cNvPr id="3" name="Immagine 2">
+          <p:cNvPr id="4" name="Immagine 3">
             <a:extLst>
               <a:ext uri="{FF2B5EF4-FFF2-40B4-BE49-F238E27FC236}">
-                <a16:creationId xmlns:a16="http://schemas.microsoft.com/office/drawing/2014/main" id="{CFB009B4-DB43-CDCB-DE14-85119C1F582D}"/>
+                <a16:creationId xmlns:a16="http://schemas.microsoft.com/office/drawing/2014/main" id="{B25C01C4-4ADD-A245-63AE-029C0B22E72D}"/>
               </a:ext>
             </a:extLst>
           </p:cNvPr>
@@ -19406,8 +19248,8 @@
         </p:blipFill>
         <p:spPr>
           <a:xfrm>
-            <a:off x="787400" y="1592213"/>
-            <a:ext cx="3784600" cy="393700"/>
+            <a:off x="990600" y="1505707"/>
+            <a:ext cx="3390900" cy="469900"/>
           </a:xfrm>
           <a:prstGeom prst="rect">
             <a:avLst/>
@@ -19543,7 +19385,7 @@
             <a:pPr lvl="1"/>
             <a:r>
               <a:rPr lang="en-GB" sz="1600" dirty="0"/>
-              <a:t>we can decay alpha in order to show convergence</a:t>
+              <a:t>we can decay alpha to show convergence</a:t>
             </a:r>
           </a:p>
           <a:p>
@@ -19627,24 +19469,44 @@
           </a:p>
           <a:p>
             <a:r>
-              <a:rPr lang="en-GB" sz="1800" dirty="0"/>
+              <a:rPr lang="en-GB" sz="1800" b="1" dirty="0">
+                <a:highlight>
+                  <a:srgbClr val="FFFF00"/>
+                </a:highlight>
+              </a:rPr>
               <a:t>See “monte-</a:t>
             </a:r>
             <a:r>
-              <a:rPr lang="en-GB" sz="1800" dirty="0" err="1"/>
+              <a:rPr lang="en-GB" sz="1800" b="1" dirty="0" err="1">
+                <a:highlight>
+                  <a:srgbClr val="FFFF00"/>
+                </a:highlight>
+              </a:rPr>
               <a:t>carlo</a:t>
             </a:r>
             <a:r>
-              <a:rPr lang="en-GB" sz="1800" dirty="0"/>
+              <a:rPr lang="en-GB" sz="1800" b="1" dirty="0">
+                <a:highlight>
+                  <a:srgbClr val="FFFF00"/>
+                </a:highlight>
+              </a:rPr>
               <a:t>-</a:t>
             </a:r>
             <a:r>
-              <a:rPr lang="en-GB" sz="1800" dirty="0" err="1"/>
+              <a:rPr lang="en-GB" sz="1800" b="1" dirty="0" err="1">
+                <a:highlight>
+                  <a:srgbClr val="FFFF00"/>
+                </a:highlight>
+              </a:rPr>
               <a:t>prediction.ipynb</a:t>
             </a:r>
             <a:r>
-              <a:rPr lang="en-GB" sz="1800" dirty="0"/>
-              <a:t>”</a:t>
+              <a:rPr lang="en-GB" sz="1800" b="1" dirty="0">
+                <a:highlight>
+                  <a:srgbClr val="FFFF00"/>
+                </a:highlight>
+              </a:rPr>
+              <a:t>” notebook</a:t>
             </a:r>
           </a:p>
           <a:p>

--- a/04 - Policy Evaluation/slides.pptx
+++ b/04 - Policy Evaluation/slides.pptx
@@ -14510,13 +14510,14 @@
             </a:r>
           </a:p>
           <a:p>
+            <a:pPr lvl="0"/>
             <a:r>
               <a:rPr lang="en-GB" sz="1800" b="1" dirty="0">
                 <a:highlight>
                   <a:srgbClr val="FFFF00"/>
                 </a:highlight>
               </a:rPr>
-              <a:t>See “temporal-difference-</a:t>
+              <a:t>See “</a:t>
             </a:r>
             <a:r>
               <a:rPr lang="en-GB" sz="1800" b="1" dirty="0" err="1">
@@ -14524,7 +14525,7 @@
                   <a:srgbClr val="FFFF00"/>
                 </a:highlight>
               </a:rPr>
-              <a:t>estimation.ipynb</a:t>
+              <a:t>notebook.ipynb</a:t>
             </a:r>
             <a:r>
               <a:rPr lang="en-GB" sz="1800" b="1" dirty="0">
@@ -14532,7 +14533,7 @@
                   <a:srgbClr val="FFFF00"/>
                 </a:highlight>
               </a:rPr>
-              <a:t>” notebook</a:t>
+              <a:t>”</a:t>
             </a:r>
           </a:p>
           <a:p>
@@ -15604,67 +15605,31 @@
             <a:endParaRPr lang="en-GB" sz="1600" dirty="0"/>
           </a:p>
           <a:p>
-            <a:r>
-              <a:rPr lang="it-IT" sz="1800" b="1" dirty="0">
+            <a:pPr lvl="0"/>
+            <a:r>
+              <a:rPr lang="en-GB" sz="1800" b="1" dirty="0">
                 <a:highlight>
                   <a:srgbClr val="FFFF00"/>
                 </a:highlight>
               </a:rPr>
-              <a:t>See ”</a:t>
-            </a:r>
-            <a:r>
-              <a:rPr lang="it-IT" sz="1800" b="1" dirty="0" err="1">
+              <a:t>See “</a:t>
+            </a:r>
+            <a:r>
+              <a:rPr lang="en-GB" sz="1800" b="1" dirty="0" err="1">
                 <a:highlight>
                   <a:srgbClr val="FFFF00"/>
                 </a:highlight>
               </a:rPr>
-              <a:t>n</a:t>
-            </a:r>
-            <a:r>
-              <a:rPr lang="it-IT" sz="1800" b="1" dirty="0">
+              <a:t>notebook.ipynb</a:t>
+            </a:r>
+            <a:r>
+              <a:rPr lang="en-GB" sz="1800" b="1" dirty="0">
                 <a:highlight>
                   <a:srgbClr val="FFFF00"/>
                 </a:highlight>
               </a:rPr>
-              <a:t>-step-</a:t>
-            </a:r>
-            <a:r>
-              <a:rPr lang="it-IT" sz="1800" b="1" dirty="0" err="1">
-                <a:highlight>
-                  <a:srgbClr val="FFFF00"/>
-                </a:highlight>
-              </a:rPr>
-              <a:t>temporal</a:t>
-            </a:r>
-            <a:r>
-              <a:rPr lang="it-IT" sz="1800" b="1" dirty="0">
-                <a:highlight>
-                  <a:srgbClr val="FFFF00"/>
-                </a:highlight>
-              </a:rPr>
-              <a:t>-</a:t>
-            </a:r>
-            <a:r>
-              <a:rPr lang="it-IT" sz="1800" b="1" dirty="0" err="1">
-                <a:highlight>
-                  <a:srgbClr val="FFFF00"/>
-                </a:highlight>
-              </a:rPr>
-              <a:t>difference-estimation.ipynb</a:t>
-            </a:r>
-            <a:r>
-              <a:rPr lang="it-IT" sz="1800" b="1" dirty="0">
-                <a:highlight>
-                  <a:srgbClr val="FFFF00"/>
-                </a:highlight>
-              </a:rPr>
-              <a:t>” notebook</a:t>
-            </a:r>
-            <a:endParaRPr lang="en-GB" sz="1800" b="1" dirty="0">
-              <a:highlight>
-                <a:srgbClr val="FFFF00"/>
-              </a:highlight>
-            </a:endParaRPr>
+              <a:t>”</a:t>
+            </a:r>
           </a:p>
           <a:p>
             <a:endParaRPr lang="en-GB" sz="1800" dirty="0"/>
@@ -17401,35 +17366,31 @@
             </a:r>
           </a:p>
           <a:p>
-            <a:r>
-              <a:rPr lang="it-IT" sz="1800" b="1" dirty="0">
+            <a:pPr lvl="0"/>
+            <a:r>
+              <a:rPr lang="en-GB" sz="1800" b="1" dirty="0">
                 <a:highlight>
                   <a:srgbClr val="FFFF00"/>
                 </a:highlight>
               </a:rPr>
-              <a:t>See ”</a:t>
-            </a:r>
-            <a:r>
-              <a:rPr lang="it-IT" sz="1800" b="1" dirty="0" err="1">
+              <a:t>See “</a:t>
+            </a:r>
+            <a:r>
+              <a:rPr lang="en-GB" sz="1800" b="1" dirty="0" err="1">
                 <a:highlight>
                   <a:srgbClr val="FFFF00"/>
                 </a:highlight>
               </a:rPr>
-              <a:t>td-lambda.ipynb</a:t>
-            </a:r>
-            <a:r>
-              <a:rPr lang="it-IT" sz="1800" b="1" dirty="0">
+              <a:t>notebook.ipynb</a:t>
+            </a:r>
+            <a:r>
+              <a:rPr lang="en-GB" sz="1800" b="1" dirty="0">
                 <a:highlight>
                   <a:srgbClr val="FFFF00"/>
                 </a:highlight>
               </a:rPr>
-              <a:t>” notebook</a:t>
-            </a:r>
-            <a:endParaRPr lang="en-GB" sz="1800" b="1" dirty="0">
-              <a:highlight>
-                <a:srgbClr val="FFFF00"/>
-              </a:highlight>
-            </a:endParaRPr>
+              <a:t>”</a:t>
+            </a:r>
           </a:p>
           <a:p>
             <a:endParaRPr lang="en-GB" sz="1800" dirty="0"/>
@@ -17587,35 +17548,31 @@
             </a:r>
           </a:p>
           <a:p>
-            <a:r>
-              <a:rPr lang="it-IT" sz="1800" b="1" dirty="0">
+            <a:pPr lvl="0"/>
+            <a:r>
+              <a:rPr lang="en-GB" sz="1800" b="1" dirty="0">
                 <a:highlight>
                   <a:srgbClr val="FFFF00"/>
                 </a:highlight>
               </a:rPr>
-              <a:t>See ”</a:t>
-            </a:r>
-            <a:r>
-              <a:rPr lang="it-IT" sz="1800" b="1" dirty="0" err="1">
+              <a:t>See “</a:t>
+            </a:r>
+            <a:r>
+              <a:rPr lang="en-GB" sz="1800" b="1" dirty="0" err="1">
                 <a:highlight>
                   <a:srgbClr val="FFFF00"/>
                 </a:highlight>
               </a:rPr>
-              <a:t>comparison.ipynb</a:t>
-            </a:r>
-            <a:r>
-              <a:rPr lang="it-IT" sz="1800" b="1" dirty="0">
+              <a:t>notebook.ipynb</a:t>
+            </a:r>
+            <a:r>
+              <a:rPr lang="en-GB" sz="1800" b="1" dirty="0">
                 <a:highlight>
                   <a:srgbClr val="FFFF00"/>
                 </a:highlight>
               </a:rPr>
-              <a:t>” notebook</a:t>
-            </a:r>
-            <a:endParaRPr lang="en-GB" sz="1800" b="1" dirty="0">
-              <a:highlight>
-                <a:srgbClr val="FFFF00"/>
-              </a:highlight>
-            </a:endParaRPr>
+              <a:t>”</a:t>
+            </a:r>
           </a:p>
           <a:p>
             <a:pPr lvl="0"/>
@@ -19468,13 +19425,14 @@
             <a:endParaRPr lang="en-GB" sz="1000" dirty="0"/>
           </a:p>
           <a:p>
+            <a:pPr lvl="0"/>
             <a:r>
               <a:rPr lang="en-GB" sz="1800" b="1" dirty="0">
                 <a:highlight>
                   <a:srgbClr val="FFFF00"/>
                 </a:highlight>
               </a:rPr>
-              <a:t>See “monte-</a:t>
+              <a:t>See “</a:t>
             </a:r>
             <a:r>
               <a:rPr lang="en-GB" sz="1800" b="1" dirty="0" err="1">
@@ -19482,7 +19440,7 @@
                   <a:srgbClr val="FFFF00"/>
                 </a:highlight>
               </a:rPr>
-              <a:t>carlo</a:t>
+              <a:t>notebook.ipynb</a:t>
             </a:r>
             <a:r>
               <a:rPr lang="en-GB" sz="1800" b="1" dirty="0">
@@ -19490,23 +19448,7 @@
                   <a:srgbClr val="FFFF00"/>
                 </a:highlight>
               </a:rPr>
-              <a:t>-</a:t>
-            </a:r>
-            <a:r>
-              <a:rPr lang="en-GB" sz="1800" b="1" dirty="0" err="1">
-                <a:highlight>
-                  <a:srgbClr val="FFFF00"/>
-                </a:highlight>
-              </a:rPr>
-              <a:t>prediction.ipynb</a:t>
-            </a:r>
-            <a:r>
-              <a:rPr lang="en-GB" sz="1800" b="1" dirty="0">
-                <a:highlight>
-                  <a:srgbClr val="FFFF00"/>
-                </a:highlight>
-              </a:rPr>
-              <a:t>” notebook</a:t>
+              <a:t>”</a:t>
             </a:r>
           </a:p>
           <a:p>

--- a/04 - Policy Evaluation/slides.pptx
+++ b/04 - Policy Evaluation/slides.pptx
@@ -5,7 +5,7 @@
     <p:sldMasterId id="2147483659" r:id="rId1"/>
   </p:sldMasterIdLst>
   <p:notesMasterIdLst>
-    <p:notesMasterId r:id="rId28"/>
+    <p:notesMasterId r:id="rId31"/>
   </p:notesMasterIdLst>
   <p:sldIdLst>
     <p:sldId id="256" r:id="rId2"/>
@@ -18,39 +18,42 @@
     <p:sldId id="269" r:id="rId9"/>
     <p:sldId id="270" r:id="rId10"/>
     <p:sldId id="273" r:id="rId11"/>
-    <p:sldId id="274" r:id="rId12"/>
-    <p:sldId id="275" r:id="rId13"/>
-    <p:sldId id="276" r:id="rId14"/>
-    <p:sldId id="277" r:id="rId15"/>
-    <p:sldId id="271" r:id="rId16"/>
-    <p:sldId id="284" r:id="rId17"/>
-    <p:sldId id="285" r:id="rId18"/>
-    <p:sldId id="286" r:id="rId19"/>
-    <p:sldId id="293" r:id="rId20"/>
-    <p:sldId id="287" r:id="rId21"/>
-    <p:sldId id="288" r:id="rId22"/>
-    <p:sldId id="289" r:id="rId23"/>
-    <p:sldId id="290" r:id="rId24"/>
-    <p:sldId id="292" r:id="rId25"/>
-    <p:sldId id="279" r:id="rId26"/>
-    <p:sldId id="278" r:id="rId27"/>
+    <p:sldId id="297" r:id="rId12"/>
+    <p:sldId id="274" r:id="rId13"/>
+    <p:sldId id="275" r:id="rId14"/>
+    <p:sldId id="276" r:id="rId15"/>
+    <p:sldId id="277" r:id="rId16"/>
+    <p:sldId id="295" r:id="rId17"/>
+    <p:sldId id="271" r:id="rId18"/>
+    <p:sldId id="284" r:id="rId19"/>
+    <p:sldId id="285" r:id="rId20"/>
+    <p:sldId id="286" r:id="rId21"/>
+    <p:sldId id="293" r:id="rId22"/>
+    <p:sldId id="287" r:id="rId23"/>
+    <p:sldId id="296" r:id="rId24"/>
+    <p:sldId id="288" r:id="rId25"/>
+    <p:sldId id="289" r:id="rId26"/>
+    <p:sldId id="290" r:id="rId27"/>
+    <p:sldId id="292" r:id="rId28"/>
+    <p:sldId id="279" r:id="rId29"/>
+    <p:sldId id="278" r:id="rId30"/>
   </p:sldIdLst>
   <p:sldSz cx="9144000" cy="6858000" type="screen4x3"/>
   <p:notesSz cx="6858000" cy="9144000"/>
   <p:embeddedFontLst>
     <p:embeddedFont>
       <p:font typeface="Economica" panose="02000506040000020004" pitchFamily="2" charset="77"/>
-      <p:regular r:id="rId29"/>
-      <p:bold r:id="rId30"/>
-      <p:italic r:id="rId31"/>
-      <p:boldItalic r:id="rId32"/>
+      <p:regular r:id="rId32"/>
+      <p:bold r:id="rId33"/>
+      <p:italic r:id="rId34"/>
+      <p:boldItalic r:id="rId35"/>
     </p:embeddedFont>
     <p:embeddedFont>
       <p:font typeface="Open Sans" panose="020B0606030504020204" pitchFamily="34" charset="0"/>
-      <p:regular r:id="rId33"/>
-      <p:bold r:id="rId34"/>
-      <p:italic r:id="rId35"/>
-      <p:boldItalic r:id="rId36"/>
+      <p:regular r:id="rId36"/>
+      <p:bold r:id="rId37"/>
+      <p:italic r:id="rId38"/>
+      <p:boldItalic r:id="rId39"/>
     </p:embeddedFont>
   </p:embeddedFontLst>
   <p:defaultTextStyle>
@@ -5590,7 +5593,13 @@
   <p:cSld>
     <p:spTree>
       <p:nvGrpSpPr>
-        <p:cNvPr id="1" name="Shape 79"/>
+        <p:cNvPr id="1" name="Shape 79">
+          <a:extLst>
+            <a:ext uri="{FF2B5EF4-FFF2-40B4-BE49-F238E27FC236}">
+              <a16:creationId xmlns:a16="http://schemas.microsoft.com/office/drawing/2014/main" id="{D77AA843-3BEC-6BB3-EBF6-E61ACC7512D6}"/>
+            </a:ext>
+          </a:extLst>
+        </p:cNvPr>
         <p:cNvGrpSpPr/>
         <p:nvPr/>
       </p:nvGrpSpPr>
@@ -5604,7 +5613,13 @@
       </p:grpSpPr>
       <p:sp>
         <p:nvSpPr>
-          <p:cNvPr id="80" name="Google Shape;80;geed6aedbf_0_0:notes"/>
+          <p:cNvPr id="80" name="Google Shape;80;geed6aedbf_0_0:notes">
+            <a:extLst>
+              <a:ext uri="{FF2B5EF4-FFF2-40B4-BE49-F238E27FC236}">
+                <a16:creationId xmlns:a16="http://schemas.microsoft.com/office/drawing/2014/main" id="{5E792F70-2CE7-55E8-5B43-F10E027227EB}"/>
+              </a:ext>
+            </a:extLst>
+          </p:cNvPr>
           <p:cNvSpPr>
             <a:spLocks noGrp="1" noRot="1" noChangeAspect="1"/>
           </p:cNvSpPr>
@@ -5645,7 +5660,13 @@
       </p:sp>
       <p:sp>
         <p:nvSpPr>
-          <p:cNvPr id="81" name="Google Shape;81;geed6aedbf_0_0:notes"/>
+          <p:cNvPr id="81" name="Google Shape;81;geed6aedbf_0_0:notes">
+            <a:extLst>
+              <a:ext uri="{FF2B5EF4-FFF2-40B4-BE49-F238E27FC236}">
+                <a16:creationId xmlns:a16="http://schemas.microsoft.com/office/drawing/2014/main" id="{E5F31FD9-3F43-175D-BE7B-DE20751E8B60}"/>
+              </a:ext>
+            </a:extLst>
+          </p:cNvPr>
           <p:cNvSpPr txBox="1">
             <a:spLocks noGrp="1"/>
           </p:cNvSpPr>
@@ -5677,14 +5698,14 @@
               </a:spcAft>
               <a:buNone/>
             </a:pPr>
-            <a:endParaRPr/>
+            <a:endParaRPr dirty="0"/>
           </a:p>
         </p:txBody>
       </p:sp>
     </p:spTree>
     <p:extLst>
       <p:ext uri="{BB962C8B-B14F-4D97-AF65-F5344CB8AC3E}">
-        <p14:creationId xmlns:p14="http://schemas.microsoft.com/office/powerpoint/2010/main" val="3423115007"/>
+        <p14:creationId xmlns:p14="http://schemas.microsoft.com/office/powerpoint/2010/main" val="3801836510"/>
       </p:ext>
     </p:extLst>
   </p:cSld>
@@ -5786,14 +5807,14 @@
               </a:spcAft>
               <a:buNone/>
             </a:pPr>
-            <a:endParaRPr dirty="0"/>
+            <a:endParaRPr/>
           </a:p>
         </p:txBody>
       </p:sp>
     </p:spTree>
     <p:extLst>
       <p:ext uri="{BB962C8B-B14F-4D97-AF65-F5344CB8AC3E}">
-        <p14:creationId xmlns:p14="http://schemas.microsoft.com/office/powerpoint/2010/main" val="581230005"/>
+        <p14:creationId xmlns:p14="http://schemas.microsoft.com/office/powerpoint/2010/main" val="3423115007"/>
       </p:ext>
     </p:extLst>
   </p:cSld>
@@ -5895,14 +5916,14 @@
               </a:spcAft>
               <a:buNone/>
             </a:pPr>
-            <a:endParaRPr/>
+            <a:endParaRPr dirty="0"/>
           </a:p>
         </p:txBody>
       </p:sp>
     </p:spTree>
     <p:extLst>
       <p:ext uri="{BB962C8B-B14F-4D97-AF65-F5344CB8AC3E}">
-        <p14:creationId xmlns:p14="http://schemas.microsoft.com/office/powerpoint/2010/main" val="654640896"/>
+        <p14:creationId xmlns:p14="http://schemas.microsoft.com/office/powerpoint/2010/main" val="581230005"/>
       </p:ext>
     </p:extLst>
   </p:cSld>
@@ -6011,7 +6032,7 @@
     </p:spTree>
     <p:extLst>
       <p:ext uri="{BB962C8B-B14F-4D97-AF65-F5344CB8AC3E}">
-        <p14:creationId xmlns:p14="http://schemas.microsoft.com/office/powerpoint/2010/main" val="1234760418"/>
+        <p14:creationId xmlns:p14="http://schemas.microsoft.com/office/powerpoint/2010/main" val="654640896"/>
       </p:ext>
     </p:extLst>
   </p:cSld>
@@ -6120,7 +6141,7 @@
     </p:spTree>
     <p:extLst>
       <p:ext uri="{BB962C8B-B14F-4D97-AF65-F5344CB8AC3E}">
-        <p14:creationId xmlns:p14="http://schemas.microsoft.com/office/powerpoint/2010/main" val="1533020026"/>
+        <p14:creationId xmlns:p14="http://schemas.microsoft.com/office/powerpoint/2010/main" val="1234760418"/>
       </p:ext>
     </p:extLst>
   </p:cSld>
@@ -6135,7 +6156,13 @@
   <p:cSld>
     <p:spTree>
       <p:nvGrpSpPr>
-        <p:cNvPr id="1" name="Shape 79"/>
+        <p:cNvPr id="1" name="Shape 79">
+          <a:extLst>
+            <a:ext uri="{FF2B5EF4-FFF2-40B4-BE49-F238E27FC236}">
+              <a16:creationId xmlns:a16="http://schemas.microsoft.com/office/drawing/2014/main" id="{452E8ADB-BA6B-0697-8F38-58DFF94AC185}"/>
+            </a:ext>
+          </a:extLst>
+        </p:cNvPr>
         <p:cNvGrpSpPr/>
         <p:nvPr/>
       </p:nvGrpSpPr>
@@ -6149,7 +6176,13 @@
       </p:grpSpPr>
       <p:sp>
         <p:nvSpPr>
-          <p:cNvPr id="80" name="Google Shape;80;geed6aedbf_0_0:notes"/>
+          <p:cNvPr id="80" name="Google Shape;80;geed6aedbf_0_0:notes">
+            <a:extLst>
+              <a:ext uri="{FF2B5EF4-FFF2-40B4-BE49-F238E27FC236}">
+                <a16:creationId xmlns:a16="http://schemas.microsoft.com/office/drawing/2014/main" id="{B312F2F0-8C29-35D8-945C-226751DB0248}"/>
+              </a:ext>
+            </a:extLst>
+          </p:cNvPr>
           <p:cNvSpPr>
             <a:spLocks noGrp="1" noRot="1" noChangeAspect="1"/>
           </p:cNvSpPr>
@@ -6190,7 +6223,13 @@
       </p:sp>
       <p:sp>
         <p:nvSpPr>
-          <p:cNvPr id="81" name="Google Shape;81;geed6aedbf_0_0:notes"/>
+          <p:cNvPr id="81" name="Google Shape;81;geed6aedbf_0_0:notes">
+            <a:extLst>
+              <a:ext uri="{FF2B5EF4-FFF2-40B4-BE49-F238E27FC236}">
+                <a16:creationId xmlns:a16="http://schemas.microsoft.com/office/drawing/2014/main" id="{A6C2135B-EC68-02E6-C32D-7CA29CFFCEF9}"/>
+              </a:ext>
+            </a:extLst>
+          </p:cNvPr>
           <p:cNvSpPr txBox="1">
             <a:spLocks noGrp="1"/>
           </p:cNvSpPr>
@@ -6229,7 +6268,7 @@
     </p:spTree>
     <p:extLst>
       <p:ext uri="{BB962C8B-B14F-4D97-AF65-F5344CB8AC3E}">
-        <p14:creationId xmlns:p14="http://schemas.microsoft.com/office/powerpoint/2010/main" val="3317859179"/>
+        <p14:creationId xmlns:p14="http://schemas.microsoft.com/office/powerpoint/2010/main" val="2498929354"/>
       </p:ext>
     </p:extLst>
   </p:cSld>
@@ -6338,7 +6377,7 @@
     </p:spTree>
     <p:extLst>
       <p:ext uri="{BB962C8B-B14F-4D97-AF65-F5344CB8AC3E}">
-        <p14:creationId xmlns:p14="http://schemas.microsoft.com/office/powerpoint/2010/main" val="1169930158"/>
+        <p14:creationId xmlns:p14="http://schemas.microsoft.com/office/powerpoint/2010/main" val="1533020026"/>
       </p:ext>
     </p:extLst>
   </p:cSld>
@@ -6447,7 +6486,7 @@
     </p:spTree>
     <p:extLst>
       <p:ext uri="{BB962C8B-B14F-4D97-AF65-F5344CB8AC3E}">
-        <p14:creationId xmlns:p14="http://schemas.microsoft.com/office/powerpoint/2010/main" val="9141819"/>
+        <p14:creationId xmlns:p14="http://schemas.microsoft.com/office/powerpoint/2010/main" val="3317859179"/>
       </p:ext>
     </p:extLst>
   </p:cSld>
@@ -6556,7 +6595,7 @@
     </p:spTree>
     <p:extLst>
       <p:ext uri="{BB962C8B-B14F-4D97-AF65-F5344CB8AC3E}">
-        <p14:creationId xmlns:p14="http://schemas.microsoft.com/office/powerpoint/2010/main" val="429791893"/>
+        <p14:creationId xmlns:p14="http://schemas.microsoft.com/office/powerpoint/2010/main" val="1169930158"/>
       </p:ext>
     </p:extLst>
   </p:cSld>
@@ -6769,7 +6808,7 @@
     </p:spTree>
     <p:extLst>
       <p:ext uri="{BB962C8B-B14F-4D97-AF65-F5344CB8AC3E}">
-        <p14:creationId xmlns:p14="http://schemas.microsoft.com/office/powerpoint/2010/main" val="4135798909"/>
+        <p14:creationId xmlns:p14="http://schemas.microsoft.com/office/powerpoint/2010/main" val="9141819"/>
       </p:ext>
     </p:extLst>
   </p:cSld>
@@ -6878,7 +6917,7 @@
     </p:spTree>
     <p:extLst>
       <p:ext uri="{BB962C8B-B14F-4D97-AF65-F5344CB8AC3E}">
-        <p14:creationId xmlns:p14="http://schemas.microsoft.com/office/powerpoint/2010/main" val="2211793475"/>
+        <p14:creationId xmlns:p14="http://schemas.microsoft.com/office/powerpoint/2010/main" val="429791893"/>
       </p:ext>
     </p:extLst>
   </p:cSld>
@@ -6987,7 +7026,7 @@
     </p:spTree>
     <p:extLst>
       <p:ext uri="{BB962C8B-B14F-4D97-AF65-F5344CB8AC3E}">
-        <p14:creationId xmlns:p14="http://schemas.microsoft.com/office/powerpoint/2010/main" val="3899983136"/>
+        <p14:creationId xmlns:p14="http://schemas.microsoft.com/office/powerpoint/2010/main" val="4135798909"/>
       </p:ext>
     </p:extLst>
   </p:cSld>
@@ -7002,7 +7041,13 @@
   <p:cSld>
     <p:spTree>
       <p:nvGrpSpPr>
-        <p:cNvPr id="1" name="Shape 79"/>
+        <p:cNvPr id="1" name="Shape 79">
+          <a:extLst>
+            <a:ext uri="{FF2B5EF4-FFF2-40B4-BE49-F238E27FC236}">
+              <a16:creationId xmlns:a16="http://schemas.microsoft.com/office/drawing/2014/main" id="{3F0305A9-2B87-512A-EB8E-CC0369395911}"/>
+            </a:ext>
+          </a:extLst>
+        </p:cNvPr>
         <p:cNvGrpSpPr/>
         <p:nvPr/>
       </p:nvGrpSpPr>
@@ -7016,7 +7061,13 @@
       </p:grpSpPr>
       <p:sp>
         <p:nvSpPr>
-          <p:cNvPr id="80" name="Google Shape;80;geed6aedbf_0_0:notes"/>
+          <p:cNvPr id="80" name="Google Shape;80;geed6aedbf_0_0:notes">
+            <a:extLst>
+              <a:ext uri="{FF2B5EF4-FFF2-40B4-BE49-F238E27FC236}">
+                <a16:creationId xmlns:a16="http://schemas.microsoft.com/office/drawing/2014/main" id="{E9001400-672B-87D9-88E3-8A95E6D7C723}"/>
+              </a:ext>
+            </a:extLst>
+          </p:cNvPr>
           <p:cNvSpPr>
             <a:spLocks noGrp="1" noRot="1" noChangeAspect="1"/>
           </p:cNvSpPr>
@@ -7057,7 +7108,13 @@
       </p:sp>
       <p:sp>
         <p:nvSpPr>
-          <p:cNvPr id="81" name="Google Shape;81;geed6aedbf_0_0:notes"/>
+          <p:cNvPr id="81" name="Google Shape;81;geed6aedbf_0_0:notes">
+            <a:extLst>
+              <a:ext uri="{FF2B5EF4-FFF2-40B4-BE49-F238E27FC236}">
+                <a16:creationId xmlns:a16="http://schemas.microsoft.com/office/drawing/2014/main" id="{D0785A9C-320D-51B7-EA08-155355111EC0}"/>
+              </a:ext>
+            </a:extLst>
+          </p:cNvPr>
           <p:cNvSpPr txBox="1">
             <a:spLocks noGrp="1"/>
           </p:cNvSpPr>
@@ -7096,7 +7153,7 @@
     </p:spTree>
     <p:extLst>
       <p:ext uri="{BB962C8B-B14F-4D97-AF65-F5344CB8AC3E}">
-        <p14:creationId xmlns:p14="http://schemas.microsoft.com/office/powerpoint/2010/main" val="2183382206"/>
+        <p14:creationId xmlns:p14="http://schemas.microsoft.com/office/powerpoint/2010/main" val="2300551578"/>
       </p:ext>
     </p:extLst>
   </p:cSld>
@@ -7205,7 +7262,7 @@
     </p:spTree>
     <p:extLst>
       <p:ext uri="{BB962C8B-B14F-4D97-AF65-F5344CB8AC3E}">
-        <p14:creationId xmlns:p14="http://schemas.microsoft.com/office/powerpoint/2010/main" val="2425347048"/>
+        <p14:creationId xmlns:p14="http://schemas.microsoft.com/office/powerpoint/2010/main" val="2211793475"/>
       </p:ext>
     </p:extLst>
   </p:cSld>
@@ -7314,6 +7371,333 @@
     </p:spTree>
     <p:extLst>
       <p:ext uri="{BB962C8B-B14F-4D97-AF65-F5344CB8AC3E}">
+        <p14:creationId xmlns:p14="http://schemas.microsoft.com/office/powerpoint/2010/main" val="3899983136"/>
+      </p:ext>
+    </p:extLst>
+  </p:cSld>
+  <p:clrMapOvr>
+    <a:masterClrMapping/>
+  </p:clrMapOvr>
+</p:notes>
+</file>
+
+<file path=ppt/notesSlides/notesSlide26.xml><?xml version="1.0" encoding="utf-8"?>
+<p:notes xmlns:a="http://schemas.openxmlformats.org/drawingml/2006/main" xmlns:r="http://schemas.openxmlformats.org/officeDocument/2006/relationships" xmlns:p="http://schemas.openxmlformats.org/presentationml/2006/main" showMasterSp="0" showMasterPhAnim="0">
+  <p:cSld>
+    <p:spTree>
+      <p:nvGrpSpPr>
+        <p:cNvPr id="1" name="Shape 79"/>
+        <p:cNvGrpSpPr/>
+        <p:nvPr/>
+      </p:nvGrpSpPr>
+      <p:grpSpPr>
+        <a:xfrm>
+          <a:off x="0" y="0"/>
+          <a:ext cx="0" cy="0"/>
+          <a:chOff x="0" y="0"/>
+          <a:chExt cx="0" cy="0"/>
+        </a:xfrm>
+      </p:grpSpPr>
+      <p:sp>
+        <p:nvSpPr>
+          <p:cNvPr id="80" name="Google Shape;80;geed6aedbf_0_0:notes"/>
+          <p:cNvSpPr>
+            <a:spLocks noGrp="1" noRot="1" noChangeAspect="1"/>
+          </p:cNvSpPr>
+          <p:nvPr>
+            <p:ph type="sldImg" idx="2"/>
+          </p:nvPr>
+        </p:nvSpPr>
+        <p:spPr>
+          <a:xfrm>
+            <a:off x="1143000" y="685800"/>
+            <a:ext cx="4572000" cy="3429000"/>
+          </a:xfrm>
+          <a:custGeom>
+            <a:avLst/>
+            <a:gdLst/>
+            <a:ahLst/>
+            <a:cxnLst/>
+            <a:rect l="l" t="t" r="r" b="b"/>
+            <a:pathLst>
+              <a:path w="120000" h="120000" extrusionOk="0">
+                <a:moveTo>
+                  <a:pt x="0" y="0"/>
+                </a:moveTo>
+                <a:lnTo>
+                  <a:pt x="120000" y="0"/>
+                </a:lnTo>
+                <a:lnTo>
+                  <a:pt x="120000" y="120000"/>
+                </a:lnTo>
+                <a:lnTo>
+                  <a:pt x="0" y="120000"/>
+                </a:lnTo>
+                <a:close/>
+              </a:path>
+            </a:pathLst>
+          </a:custGeom>
+        </p:spPr>
+      </p:sp>
+      <p:sp>
+        <p:nvSpPr>
+          <p:cNvPr id="81" name="Google Shape;81;geed6aedbf_0_0:notes"/>
+          <p:cNvSpPr txBox="1">
+            <a:spLocks noGrp="1"/>
+          </p:cNvSpPr>
+          <p:nvPr>
+            <p:ph type="body" idx="1"/>
+          </p:nvPr>
+        </p:nvSpPr>
+        <p:spPr>
+          <a:xfrm>
+            <a:off x="685800" y="4343400"/>
+            <a:ext cx="5486400" cy="4114800"/>
+          </a:xfrm>
+          <a:prstGeom prst="rect">
+            <a:avLst/>
+          </a:prstGeom>
+        </p:spPr>
+        <p:txBody>
+          <a:bodyPr spcFirstLastPara="1" wrap="square" lIns="91425" tIns="91425" rIns="91425" bIns="91425" anchor="t" anchorCtr="0">
+            <a:noAutofit/>
+          </a:bodyPr>
+          <a:lstStyle/>
+          <a:p>
+            <a:pPr marL="0" lvl="0" indent="0" algn="l" rtl="0">
+              <a:spcBef>
+                <a:spcPts val="0"/>
+              </a:spcBef>
+              <a:spcAft>
+                <a:spcPts val="0"/>
+              </a:spcAft>
+              <a:buNone/>
+            </a:pPr>
+            <a:endParaRPr/>
+          </a:p>
+        </p:txBody>
+      </p:sp>
+    </p:spTree>
+    <p:extLst>
+      <p:ext uri="{BB962C8B-B14F-4D97-AF65-F5344CB8AC3E}">
+        <p14:creationId xmlns:p14="http://schemas.microsoft.com/office/powerpoint/2010/main" val="2183382206"/>
+      </p:ext>
+    </p:extLst>
+  </p:cSld>
+  <p:clrMapOvr>
+    <a:masterClrMapping/>
+  </p:clrMapOvr>
+</p:notes>
+</file>
+
+<file path=ppt/notesSlides/notesSlide27.xml><?xml version="1.0" encoding="utf-8"?>
+<p:notes xmlns:a="http://schemas.openxmlformats.org/drawingml/2006/main" xmlns:r="http://schemas.openxmlformats.org/officeDocument/2006/relationships" xmlns:p="http://schemas.openxmlformats.org/presentationml/2006/main" showMasterSp="0" showMasterPhAnim="0">
+  <p:cSld>
+    <p:spTree>
+      <p:nvGrpSpPr>
+        <p:cNvPr id="1" name="Shape 79"/>
+        <p:cNvGrpSpPr/>
+        <p:nvPr/>
+      </p:nvGrpSpPr>
+      <p:grpSpPr>
+        <a:xfrm>
+          <a:off x="0" y="0"/>
+          <a:ext cx="0" cy="0"/>
+          <a:chOff x="0" y="0"/>
+          <a:chExt cx="0" cy="0"/>
+        </a:xfrm>
+      </p:grpSpPr>
+      <p:sp>
+        <p:nvSpPr>
+          <p:cNvPr id="80" name="Google Shape;80;geed6aedbf_0_0:notes"/>
+          <p:cNvSpPr>
+            <a:spLocks noGrp="1" noRot="1" noChangeAspect="1"/>
+          </p:cNvSpPr>
+          <p:nvPr>
+            <p:ph type="sldImg" idx="2"/>
+          </p:nvPr>
+        </p:nvSpPr>
+        <p:spPr>
+          <a:xfrm>
+            <a:off x="1143000" y="685800"/>
+            <a:ext cx="4572000" cy="3429000"/>
+          </a:xfrm>
+          <a:custGeom>
+            <a:avLst/>
+            <a:gdLst/>
+            <a:ahLst/>
+            <a:cxnLst/>
+            <a:rect l="l" t="t" r="r" b="b"/>
+            <a:pathLst>
+              <a:path w="120000" h="120000" extrusionOk="0">
+                <a:moveTo>
+                  <a:pt x="0" y="0"/>
+                </a:moveTo>
+                <a:lnTo>
+                  <a:pt x="120000" y="0"/>
+                </a:lnTo>
+                <a:lnTo>
+                  <a:pt x="120000" y="120000"/>
+                </a:lnTo>
+                <a:lnTo>
+                  <a:pt x="0" y="120000"/>
+                </a:lnTo>
+                <a:close/>
+              </a:path>
+            </a:pathLst>
+          </a:custGeom>
+        </p:spPr>
+      </p:sp>
+      <p:sp>
+        <p:nvSpPr>
+          <p:cNvPr id="81" name="Google Shape;81;geed6aedbf_0_0:notes"/>
+          <p:cNvSpPr txBox="1">
+            <a:spLocks noGrp="1"/>
+          </p:cNvSpPr>
+          <p:nvPr>
+            <p:ph type="body" idx="1"/>
+          </p:nvPr>
+        </p:nvSpPr>
+        <p:spPr>
+          <a:xfrm>
+            <a:off x="685800" y="4343400"/>
+            <a:ext cx="5486400" cy="4114800"/>
+          </a:xfrm>
+          <a:prstGeom prst="rect">
+            <a:avLst/>
+          </a:prstGeom>
+        </p:spPr>
+        <p:txBody>
+          <a:bodyPr spcFirstLastPara="1" wrap="square" lIns="91425" tIns="91425" rIns="91425" bIns="91425" anchor="t" anchorCtr="0">
+            <a:noAutofit/>
+          </a:bodyPr>
+          <a:lstStyle/>
+          <a:p>
+            <a:pPr marL="0" lvl="0" indent="0" algn="l" rtl="0">
+              <a:spcBef>
+                <a:spcPts val="0"/>
+              </a:spcBef>
+              <a:spcAft>
+                <a:spcPts val="0"/>
+              </a:spcAft>
+              <a:buNone/>
+            </a:pPr>
+            <a:endParaRPr/>
+          </a:p>
+        </p:txBody>
+      </p:sp>
+    </p:spTree>
+    <p:extLst>
+      <p:ext uri="{BB962C8B-B14F-4D97-AF65-F5344CB8AC3E}">
+        <p14:creationId xmlns:p14="http://schemas.microsoft.com/office/powerpoint/2010/main" val="2425347048"/>
+      </p:ext>
+    </p:extLst>
+  </p:cSld>
+  <p:clrMapOvr>
+    <a:masterClrMapping/>
+  </p:clrMapOvr>
+</p:notes>
+</file>
+
+<file path=ppt/notesSlides/notesSlide28.xml><?xml version="1.0" encoding="utf-8"?>
+<p:notes xmlns:a="http://schemas.openxmlformats.org/drawingml/2006/main" xmlns:r="http://schemas.openxmlformats.org/officeDocument/2006/relationships" xmlns:p="http://schemas.openxmlformats.org/presentationml/2006/main" showMasterSp="0" showMasterPhAnim="0">
+  <p:cSld>
+    <p:spTree>
+      <p:nvGrpSpPr>
+        <p:cNvPr id="1" name="Shape 79"/>
+        <p:cNvGrpSpPr/>
+        <p:nvPr/>
+      </p:nvGrpSpPr>
+      <p:grpSpPr>
+        <a:xfrm>
+          <a:off x="0" y="0"/>
+          <a:ext cx="0" cy="0"/>
+          <a:chOff x="0" y="0"/>
+          <a:chExt cx="0" cy="0"/>
+        </a:xfrm>
+      </p:grpSpPr>
+      <p:sp>
+        <p:nvSpPr>
+          <p:cNvPr id="80" name="Google Shape;80;geed6aedbf_0_0:notes"/>
+          <p:cNvSpPr>
+            <a:spLocks noGrp="1" noRot="1" noChangeAspect="1"/>
+          </p:cNvSpPr>
+          <p:nvPr>
+            <p:ph type="sldImg" idx="2"/>
+          </p:nvPr>
+        </p:nvSpPr>
+        <p:spPr>
+          <a:xfrm>
+            <a:off x="1143000" y="685800"/>
+            <a:ext cx="4572000" cy="3429000"/>
+          </a:xfrm>
+          <a:custGeom>
+            <a:avLst/>
+            <a:gdLst/>
+            <a:ahLst/>
+            <a:cxnLst/>
+            <a:rect l="l" t="t" r="r" b="b"/>
+            <a:pathLst>
+              <a:path w="120000" h="120000" extrusionOk="0">
+                <a:moveTo>
+                  <a:pt x="0" y="0"/>
+                </a:moveTo>
+                <a:lnTo>
+                  <a:pt x="120000" y="0"/>
+                </a:lnTo>
+                <a:lnTo>
+                  <a:pt x="120000" y="120000"/>
+                </a:lnTo>
+                <a:lnTo>
+                  <a:pt x="0" y="120000"/>
+                </a:lnTo>
+                <a:close/>
+              </a:path>
+            </a:pathLst>
+          </a:custGeom>
+        </p:spPr>
+      </p:sp>
+      <p:sp>
+        <p:nvSpPr>
+          <p:cNvPr id="81" name="Google Shape;81;geed6aedbf_0_0:notes"/>
+          <p:cNvSpPr txBox="1">
+            <a:spLocks noGrp="1"/>
+          </p:cNvSpPr>
+          <p:nvPr>
+            <p:ph type="body" idx="1"/>
+          </p:nvPr>
+        </p:nvSpPr>
+        <p:spPr>
+          <a:xfrm>
+            <a:off x="685800" y="4343400"/>
+            <a:ext cx="5486400" cy="4114800"/>
+          </a:xfrm>
+          <a:prstGeom prst="rect">
+            <a:avLst/>
+          </a:prstGeom>
+        </p:spPr>
+        <p:txBody>
+          <a:bodyPr spcFirstLastPara="1" wrap="square" lIns="91425" tIns="91425" rIns="91425" bIns="91425" anchor="t" anchorCtr="0">
+            <a:noAutofit/>
+          </a:bodyPr>
+          <a:lstStyle/>
+          <a:p>
+            <a:pPr marL="0" lvl="0" indent="0" algn="l" rtl="0">
+              <a:spcBef>
+                <a:spcPts val="0"/>
+              </a:spcBef>
+              <a:spcAft>
+                <a:spcPts val="0"/>
+              </a:spcAft>
+              <a:buNone/>
+            </a:pPr>
+            <a:endParaRPr/>
+          </a:p>
+        </p:txBody>
+      </p:sp>
+    </p:spTree>
+    <p:extLst>
+      <p:ext uri="{BB962C8B-B14F-4D97-AF65-F5344CB8AC3E}">
         <p14:creationId xmlns:p14="http://schemas.microsoft.com/office/powerpoint/2010/main" val="2431764941"/>
       </p:ext>
     </p:extLst>
@@ -7324,7 +7708,7 @@
 </p:notes>
 </file>
 
-<file path=ppt/notesSlides/notesSlide26.xml><?xml version="1.0" encoding="utf-8"?>
+<file path=ppt/notesSlides/notesSlide29.xml><?xml version="1.0" encoding="utf-8"?>
 <p:notes xmlns:a="http://schemas.openxmlformats.org/drawingml/2006/main" xmlns:r="http://schemas.openxmlformats.org/officeDocument/2006/relationships" xmlns:p="http://schemas.openxmlformats.org/presentationml/2006/main" showMasterSp="0" showMasterPhAnim="0">
   <p:cSld>
     <p:spTree>
@@ -13579,6 +13963,36 @@
           </a:prstGeom>
         </p:spPr>
       </p:pic>
+      <p:pic>
+        <p:nvPicPr>
+          <p:cNvPr id="3" name="Immagine 2" descr="Immagine che contiene Carattere, Elementi grafici, logo, cerchio&#10;&#10;Descrizione generata automaticamente">
+            <a:extLst>
+              <a:ext uri="{FF2B5EF4-FFF2-40B4-BE49-F238E27FC236}">
+                <a16:creationId xmlns:a16="http://schemas.microsoft.com/office/drawing/2014/main" id="{D5EF1469-BADC-72EA-1A19-A2475A547692}"/>
+              </a:ext>
+            </a:extLst>
+          </p:cNvPr>
+          <p:cNvPicPr>
+            <a:picLocks noChangeAspect="1"/>
+          </p:cNvPicPr>
+          <p:nvPr/>
+        </p:nvPicPr>
+        <p:blipFill>
+          <a:blip r:embed="rId4"/>
+          <a:stretch>
+            <a:fillRect/>
+          </a:stretch>
+        </p:blipFill>
+        <p:spPr>
+          <a:xfrm>
+            <a:off x="8661328" y="65196"/>
+            <a:ext cx="407258" cy="495579"/>
+          </a:xfrm>
+          <a:prstGeom prst="rect">
+            <a:avLst/>
+          </a:prstGeom>
+        </p:spPr>
+      </p:pic>
     </p:spTree>
     <p:extLst>
       <p:ext uri="{BB962C8B-B14F-4D97-AF65-F5344CB8AC3E}">
@@ -13597,7 +14011,13 @@
   <p:cSld>
     <p:spTree>
       <p:nvGrpSpPr>
-        <p:cNvPr id="1" name="Shape 82"/>
+        <p:cNvPr id="1" name="Shape 82">
+          <a:extLst>
+            <a:ext uri="{FF2B5EF4-FFF2-40B4-BE49-F238E27FC236}">
+              <a16:creationId xmlns:a16="http://schemas.microsoft.com/office/drawing/2014/main" id="{4489431D-6A7C-1E3E-2FB2-C396C06D0B73}"/>
+            </a:ext>
+          </a:extLst>
+        </p:cNvPr>
         <p:cNvGrpSpPr/>
         <p:nvPr/>
       </p:nvGrpSpPr>
@@ -13611,7 +14031,13 @@
       </p:grpSpPr>
       <p:sp>
         <p:nvSpPr>
-          <p:cNvPr id="83" name="Google Shape;83;p14"/>
+          <p:cNvPr id="83" name="Google Shape;83;p14">
+            <a:extLst>
+              <a:ext uri="{FF2B5EF4-FFF2-40B4-BE49-F238E27FC236}">
+                <a16:creationId xmlns:a16="http://schemas.microsoft.com/office/drawing/2014/main" id="{B439FBAD-019C-44AE-B21C-6DD7BDCDFFF8}"/>
+              </a:ext>
+            </a:extLst>
+          </p:cNvPr>
           <p:cNvSpPr txBox="1">
             <a:spLocks noGrp="1"/>
           </p:cNvSpPr>
@@ -13645,7 +14071,7 @@
             </a:pPr>
             <a:r>
               <a:rPr lang="en-GB" dirty="0"/>
-              <a:t>Temporal-Difference Learning (1)</a:t>
+              <a:t>Monte-Carlo prediction (6)</a:t>
             </a:r>
             <a:endParaRPr dirty="0"/>
           </a:p>
@@ -13653,7 +14079,13 @@
       </p:sp>
       <p:sp>
         <p:nvSpPr>
-          <p:cNvPr id="84" name="Google Shape;84;p14"/>
+          <p:cNvPr id="84" name="Google Shape;84;p14">
+            <a:extLst>
+              <a:ext uri="{FF2B5EF4-FFF2-40B4-BE49-F238E27FC236}">
+                <a16:creationId xmlns:a16="http://schemas.microsoft.com/office/drawing/2014/main" id="{488FC6D0-5F36-8945-22BC-7DC97269FC53}"/>
+              </a:ext>
+            </a:extLst>
+          </p:cNvPr>
           <p:cNvSpPr txBox="1">
             <a:spLocks noGrp="1"/>
           </p:cNvSpPr>
@@ -13663,7 +14095,7 @@
         </p:nvSpPr>
         <p:spPr>
           <a:xfrm>
-            <a:off x="311700" y="1234697"/>
+            <a:off x="311700" y="1043733"/>
             <a:ext cx="8520600" cy="5202070"/>
           </a:xfrm>
           <a:prstGeom prst="rect">
@@ -13676,100 +14108,48 @@
           </a:bodyPr>
           <a:lstStyle/>
           <a:p>
+            <a:r>
+              <a:rPr lang="en-GB" sz="1800" dirty="0"/>
+              <a:t>Run an experiment over 100 runs</a:t>
+            </a:r>
+          </a:p>
+          <a:p>
+            <a:pPr lvl="1"/>
+            <a:r>
+              <a:rPr lang="en-GB" sz="1600" dirty="0"/>
+              <a:t>calculate the learning curves</a:t>
+            </a:r>
+          </a:p>
+          <a:p>
+            <a:pPr lvl="1"/>
+            <a:r>
+              <a:rPr lang="en-GB" sz="1600" dirty="0"/>
+              <a:t>measure the root mean-squared (RMS) error between the learned and the true values</a:t>
+            </a:r>
+            <a:endParaRPr lang="en-GB" sz="1800" dirty="0"/>
+          </a:p>
+          <a:p>
             <a:pPr lvl="0"/>
-            <a:r>
-              <a:rPr lang="en-GB" sz="1800" dirty="0"/>
-              <a:t>In MC the agent must </a:t>
-            </a:r>
-            <a:r>
-              <a:rPr lang="en-GB" sz="1800" b="1" dirty="0"/>
-              <a:t>wait until the end of an episode </a:t>
-            </a:r>
-            <a:r>
-              <a:rPr lang="en-GB" sz="1800" dirty="0"/>
-              <a:t>before it can update the estimate </a:t>
-            </a:r>
-          </a:p>
-          <a:p>
-            <a:pPr lvl="1"/>
-            <a:r>
-              <a:rPr lang="en-GB" sz="1600" dirty="0"/>
-              <a:t>solid convergence properties: it updates the estimate using the actual return, which is an </a:t>
-            </a:r>
-            <a:r>
-              <a:rPr lang="en-GB" sz="1600" b="1" dirty="0"/>
-              <a:t>unbiased</a:t>
-            </a:r>
-            <a:r>
-              <a:rPr lang="en-GB" sz="1600" dirty="0"/>
-              <a:t> estimate</a:t>
-            </a:r>
-          </a:p>
-          <a:p>
-            <a:pPr lvl="1"/>
-            <a:r>
-              <a:rPr lang="en-GB" sz="1600" dirty="0"/>
-              <a:t>however, it has </a:t>
-            </a:r>
-            <a:r>
-              <a:rPr lang="en-GB" sz="1600" b="1" dirty="0"/>
-              <a:t>high-variance</a:t>
-            </a:r>
-            <a:r>
-              <a:rPr lang="en-GB" sz="1600" dirty="0"/>
-              <a:t> since actual returns accumulate many random events in their trajectory</a:t>
-            </a:r>
             <a:endParaRPr lang="en-GB" sz="1800" dirty="0"/>
           </a:p>
           <a:p>
             <a:pPr lvl="0"/>
-            <a:r>
-              <a:rPr lang="en-GB" sz="1800" dirty="0"/>
-              <a:t>Instead, we can </a:t>
-            </a:r>
-            <a:r>
-              <a:rPr lang="en-GB" sz="1800" b="1" dirty="0"/>
-              <a:t>wait for a single step</a:t>
-            </a:r>
-          </a:p>
-          <a:p>
-            <a:pPr lvl="1"/>
-            <a:r>
-              <a:rPr lang="en-GB" sz="1600" dirty="0"/>
-              <a:t>get a single-step reward R</a:t>
-            </a:r>
-            <a:r>
-              <a:rPr lang="en-GB" sz="1600" baseline="-25000" dirty="0"/>
-              <a:t>t+1</a:t>
-            </a:r>
-          </a:p>
-          <a:p>
-            <a:pPr lvl="1"/>
-            <a:r>
-              <a:rPr lang="en-GB" sz="1600" dirty="0"/>
-              <a:t>observe the next state S</a:t>
-            </a:r>
-            <a:r>
-              <a:rPr lang="en-GB" sz="1600" baseline="-25000" dirty="0"/>
-              <a:t>t+1</a:t>
-            </a:r>
-          </a:p>
-          <a:p>
-            <a:pPr lvl="1"/>
-            <a:r>
-              <a:rPr lang="en-GB" sz="1600" dirty="0"/>
-              <a:t>use the current V to estimate the return at the next step</a:t>
-            </a:r>
-            <a:endParaRPr lang="en-GB" dirty="0"/>
+            <a:endParaRPr lang="en-GB" sz="1800" dirty="0"/>
+          </a:p>
+          <a:p>
+            <a:pPr marL="120650" lvl="0" indent="0">
+              <a:buNone/>
+            </a:pPr>
+            <a:endParaRPr lang="en-GB" sz="1800" dirty="0"/>
           </a:p>
         </p:txBody>
       </p:sp>
       <p:pic>
         <p:nvPicPr>
-          <p:cNvPr id="3" name="Immagine 2">
+          <p:cNvPr id="3" name="Immagine 2" descr="Immagine che contiene Carattere, Elementi grafici, logo, cerchio&#10;&#10;Descrizione generata automaticamente">
             <a:extLst>
               <a:ext uri="{FF2B5EF4-FFF2-40B4-BE49-F238E27FC236}">
-                <a16:creationId xmlns:a16="http://schemas.microsoft.com/office/drawing/2014/main" id="{30EC4DDD-F5AC-A253-9088-288CB536E14A}"/>
+                <a16:creationId xmlns:a16="http://schemas.microsoft.com/office/drawing/2014/main" id="{95F1CAE2-53C5-37AF-F36D-310FDA7808A4}"/>
               </a:ext>
             </a:extLst>
           </p:cNvPr>
@@ -13786,8 +14166,38 @@
         </p:blipFill>
         <p:spPr>
           <a:xfrm>
-            <a:off x="931732" y="4863781"/>
-            <a:ext cx="4076700" cy="1257300"/>
+            <a:off x="8661328" y="65196"/>
+            <a:ext cx="407258" cy="495579"/>
+          </a:xfrm>
+          <a:prstGeom prst="rect">
+            <a:avLst/>
+          </a:prstGeom>
+        </p:spPr>
+      </p:pic>
+      <p:pic>
+        <p:nvPicPr>
+          <p:cNvPr id="4" name="Immagine 3">
+            <a:extLst>
+              <a:ext uri="{FF2B5EF4-FFF2-40B4-BE49-F238E27FC236}">
+                <a16:creationId xmlns:a16="http://schemas.microsoft.com/office/drawing/2014/main" id="{112E6D5D-CF5B-3FFA-1E98-C92F0C1AC51D}"/>
+              </a:ext>
+            </a:extLst>
+          </p:cNvPr>
+          <p:cNvPicPr>
+            <a:picLocks noChangeAspect="1"/>
+          </p:cNvPicPr>
+          <p:nvPr/>
+        </p:nvPicPr>
+        <p:blipFill>
+          <a:blip r:embed="rId4"/>
+          <a:stretch>
+            <a:fillRect/>
+          </a:stretch>
+        </p:blipFill>
+        <p:spPr>
+          <a:xfrm>
+            <a:off x="1105497" y="2433591"/>
+            <a:ext cx="6562630" cy="4209988"/>
           </a:xfrm>
           <a:prstGeom prst="rect">
             <a:avLst/>
@@ -13797,7 +14207,7 @@
     </p:spTree>
     <p:extLst>
       <p:ext uri="{BB962C8B-B14F-4D97-AF65-F5344CB8AC3E}">
-        <p14:creationId xmlns:p14="http://schemas.microsoft.com/office/powerpoint/2010/main" val="411550242"/>
+        <p14:creationId xmlns:p14="http://schemas.microsoft.com/office/powerpoint/2010/main" val="1602273441"/>
       </p:ext>
     </p:extLst>
   </p:cSld>
@@ -13860,7 +14270,7 @@
             </a:pPr>
             <a:r>
               <a:rPr lang="en-GB" dirty="0"/>
-              <a:t>Temporal-Difference Learning (2)</a:t>
+              <a:t>Temporal-Difference Learning (1)</a:t>
             </a:r>
             <a:endParaRPr dirty="0"/>
           </a:p>
@@ -13894,98 +14304,97 @@
             <a:pPr lvl="0"/>
             <a:r>
               <a:rPr lang="en-GB" sz="1800" dirty="0"/>
-              <a:t>This means we could estimate the final return on every time step</a:t>
-            </a:r>
+              <a:t>In MC the agent must </a:t>
+            </a:r>
+            <a:r>
+              <a:rPr lang="en-GB" sz="1800" b="1" dirty="0"/>
+              <a:t>wait until the end of an episode </a:t>
+            </a:r>
+            <a:r>
+              <a:rPr lang="en-GB" sz="1800" dirty="0"/>
+              <a:t>before it can update the estimate </a:t>
+            </a:r>
+          </a:p>
+          <a:p>
+            <a:pPr lvl="1"/>
+            <a:r>
+              <a:rPr lang="en-GB" sz="1600" dirty="0"/>
+              <a:t>solid convergence properties: it updates the estimate using the actual return, which is an </a:t>
+            </a:r>
+            <a:r>
+              <a:rPr lang="en-GB" sz="1600" b="1" dirty="0"/>
+              <a:t>unbiased</a:t>
+            </a:r>
+            <a:r>
+              <a:rPr lang="en-GB" sz="1600" dirty="0"/>
+              <a:t> estimate</a:t>
+            </a:r>
+          </a:p>
+          <a:p>
+            <a:pPr lvl="1"/>
+            <a:r>
+              <a:rPr lang="en-GB" sz="1600" dirty="0"/>
+              <a:t>however, it has </a:t>
+            </a:r>
+            <a:r>
+              <a:rPr lang="en-GB" sz="1600" b="1" dirty="0"/>
+              <a:t>high-variance</a:t>
+            </a:r>
+            <a:r>
+              <a:rPr lang="en-GB" sz="1600" dirty="0"/>
+              <a:t> since actual returns accumulate many random events in their trajectory</a:t>
+            </a:r>
+            <a:endParaRPr lang="en-GB" sz="1800" dirty="0"/>
           </a:p>
           <a:p>
             <a:pPr lvl="0"/>
-            <a:endParaRPr lang="en-GB" sz="1800" dirty="0"/>
-          </a:p>
-          <a:p>
-            <a:pPr lvl="0"/>
-            <a:endParaRPr lang="en-GB" sz="1800" dirty="0"/>
+            <a:r>
+              <a:rPr lang="en-GB" sz="1800" dirty="0"/>
+              <a:t>Instead, we can </a:t>
+            </a:r>
+            <a:r>
+              <a:rPr lang="en-GB" sz="1800" b="1" dirty="0"/>
+              <a:t>wait for a single step</a:t>
+            </a:r>
           </a:p>
           <a:p>
             <a:pPr lvl="1"/>
             <a:r>
               <a:rPr lang="en-GB" sz="1600" dirty="0"/>
-              <a:t>we use the subscript to indicate how many </a:t>
-            </a:r>
-            <a:r>
-              <a:rPr lang="en-GB" sz="1600" b="1" dirty="0"/>
-              <a:t>real rewards</a:t>
-            </a:r>
+              <a:t>get a single-step reward R</a:t>
+            </a:r>
+            <a:r>
+              <a:rPr lang="en-GB" sz="1600" baseline="-25000" dirty="0"/>
+              <a:t>t+1</a:t>
+            </a:r>
+          </a:p>
+          <a:p>
+            <a:pPr lvl="1"/>
             <a:r>
               <a:rPr lang="en-GB" sz="1600" dirty="0"/>
-              <a:t> are used to calculate the return </a:t>
+              <a:t>observe the next state S</a:t>
+            </a:r>
+            <a:r>
+              <a:rPr lang="en-GB" sz="1600" baseline="-25000" dirty="0"/>
+              <a:t>t+1</a:t>
             </a:r>
           </a:p>
           <a:p>
             <a:pPr lvl="1"/>
             <a:r>
-              <a:rPr lang="en-GB" sz="1600" dirty="0" err="1"/>
-              <a:t>t:T</a:t>
-            </a:r>
-            <a:r>
               <a:rPr lang="en-GB" sz="1600" dirty="0"/>
-              <a:t> means all rewards from t until the end (MC)</a:t>
-            </a:r>
-          </a:p>
-          <a:p>
-            <a:pPr lvl="1"/>
-            <a:r>
-              <a:rPr lang="en-GB" sz="1600" dirty="0"/>
-              <a:t>t:t+1 means just the next reward (TD)</a:t>
-            </a:r>
-          </a:p>
-          <a:p>
-            <a:r>
-              <a:rPr lang="en-GB" sz="1800" dirty="0"/>
-              <a:t>Then we can substitute in the formula for the evaluation of the state-value function:</a:t>
-            </a:r>
-          </a:p>
-          <a:p>
-            <a:pPr lvl="0"/>
-            <a:endParaRPr lang="en-GB" sz="1800" dirty="0"/>
-          </a:p>
-          <a:p>
-            <a:pPr lvl="0"/>
-            <a:endParaRPr lang="en-GB" sz="1800" dirty="0"/>
-          </a:p>
-          <a:p>
-            <a:pPr lvl="1"/>
-            <a:r>
-              <a:rPr lang="en-GB" sz="1800" dirty="0"/>
-              <a:t>         is the </a:t>
-            </a:r>
-            <a:r>
-              <a:rPr lang="en-GB" sz="1800" b="1" dirty="0"/>
-              <a:t>TD target </a:t>
-            </a:r>
-          </a:p>
-          <a:p>
-            <a:pPr lvl="1"/>
-            <a:r>
-              <a:rPr lang="en-GB" sz="1800" dirty="0"/>
-              <a:t>                       is the </a:t>
-            </a:r>
-            <a:r>
-              <a:rPr lang="en-GB" sz="1800" b="1" dirty="0"/>
-              <a:t>TD error</a:t>
-            </a:r>
-          </a:p>
-          <a:p>
-            <a:pPr lvl="0"/>
+              <a:t>use the current V to estimate the return at the next step</a:t>
+            </a:r>
             <a:endParaRPr lang="en-GB" dirty="0"/>
           </a:p>
         </p:txBody>
       </p:sp>
       <p:pic>
         <p:nvPicPr>
-          <p:cNvPr id="6" name="Immagine 5" descr="Immagine che contiene Carattere, simbolo, testo, bianco&#10;&#10;Descrizione generata automaticamente">
+          <p:cNvPr id="3" name="Immagine 2">
             <a:extLst>
               <a:ext uri="{FF2B5EF4-FFF2-40B4-BE49-F238E27FC236}">
-                <a16:creationId xmlns:a16="http://schemas.microsoft.com/office/drawing/2014/main" id="{840F8EE7-FFE5-71FE-B64C-8B1EAD1D3933}"/>
+                <a16:creationId xmlns:a16="http://schemas.microsoft.com/office/drawing/2014/main" id="{30EC4DDD-F5AC-A253-9088-288CB536E14A}"/>
               </a:ext>
             </a:extLst>
           </p:cNvPr>
@@ -14002,98 +14411,8 @@
         </p:blipFill>
         <p:spPr>
           <a:xfrm>
-            <a:off x="1204266" y="4987016"/>
-            <a:ext cx="571500" cy="342900"/>
-          </a:xfrm>
-          <a:prstGeom prst="rect">
-            <a:avLst/>
-          </a:prstGeom>
-        </p:spPr>
-      </p:pic>
-      <p:pic>
-        <p:nvPicPr>
-          <p:cNvPr id="9" name="Immagine 8">
-            <a:extLst>
-              <a:ext uri="{FF2B5EF4-FFF2-40B4-BE49-F238E27FC236}">
-                <a16:creationId xmlns:a16="http://schemas.microsoft.com/office/drawing/2014/main" id="{D3D572E1-D55F-4F10-2E03-50597F93E1D0}"/>
-              </a:ext>
-            </a:extLst>
-          </p:cNvPr>
-          <p:cNvPicPr>
-            <a:picLocks noChangeAspect="1"/>
-          </p:cNvPicPr>
-          <p:nvPr/>
-        </p:nvPicPr>
-        <p:blipFill>
-          <a:blip r:embed="rId4"/>
-          <a:stretch>
-            <a:fillRect/>
-          </a:stretch>
-        </p:blipFill>
-        <p:spPr>
-          <a:xfrm>
-            <a:off x="1165501" y="5463469"/>
-            <a:ext cx="1435100" cy="304800"/>
-          </a:xfrm>
-          <a:prstGeom prst="rect">
-            <a:avLst/>
-          </a:prstGeom>
-        </p:spPr>
-      </p:pic>
-      <p:pic>
-        <p:nvPicPr>
-          <p:cNvPr id="8" name="Immagine 7" descr="Immagine che contiene Carattere, testo, tipografia, calligrafia&#10;&#10;Descrizione generata automaticamente">
-            <a:extLst>
-              <a:ext uri="{FF2B5EF4-FFF2-40B4-BE49-F238E27FC236}">
-                <a16:creationId xmlns:a16="http://schemas.microsoft.com/office/drawing/2014/main" id="{ADCC9895-B658-E969-62A4-48781E81126E}"/>
-              </a:ext>
-            </a:extLst>
-          </p:cNvPr>
-          <p:cNvPicPr>
-            <a:picLocks noChangeAspect="1"/>
-          </p:cNvPicPr>
-          <p:nvPr/>
-        </p:nvPicPr>
-        <p:blipFill>
-          <a:blip r:embed="rId5"/>
-          <a:stretch>
-            <a:fillRect/>
-          </a:stretch>
-        </p:blipFill>
-        <p:spPr>
-          <a:xfrm>
-            <a:off x="857250" y="1833446"/>
-            <a:ext cx="2552700" cy="381000"/>
-          </a:xfrm>
-          <a:prstGeom prst="rect">
-            <a:avLst/>
-          </a:prstGeom>
-        </p:spPr>
-      </p:pic>
-      <p:pic>
-        <p:nvPicPr>
-          <p:cNvPr id="11" name="Immagine 10">
-            <a:extLst>
-              <a:ext uri="{FF2B5EF4-FFF2-40B4-BE49-F238E27FC236}">
-                <a16:creationId xmlns:a16="http://schemas.microsoft.com/office/drawing/2014/main" id="{E2E4D612-EAC9-A9E9-300E-4B9CB83B4BDB}"/>
-              </a:ext>
-            </a:extLst>
-          </p:cNvPr>
-          <p:cNvPicPr>
-            <a:picLocks noChangeAspect="1"/>
-          </p:cNvPicPr>
-          <p:nvPr/>
-        </p:nvPicPr>
-        <p:blipFill>
-          <a:blip r:embed="rId6"/>
-          <a:stretch>
-            <a:fillRect/>
-          </a:stretch>
-        </p:blipFill>
-        <p:spPr>
-          <a:xfrm>
-            <a:off x="977900" y="4470657"/>
-            <a:ext cx="3594100" cy="444500"/>
+            <a:off x="931732" y="4863781"/>
+            <a:ext cx="4076700" cy="1257300"/>
           </a:xfrm>
           <a:prstGeom prst="rect">
             <a:avLst/>
@@ -14103,7 +14422,7 @@
     </p:spTree>
     <p:extLst>
       <p:ext uri="{BB962C8B-B14F-4D97-AF65-F5344CB8AC3E}">
-        <p14:creationId xmlns:p14="http://schemas.microsoft.com/office/powerpoint/2010/main" val="1497503087"/>
+        <p14:creationId xmlns:p14="http://schemas.microsoft.com/office/powerpoint/2010/main" val="411550242"/>
       </p:ext>
     </p:extLst>
   </p:cSld>
@@ -14166,7 +14485,7 @@
             </a:pPr>
             <a:r>
               <a:rPr lang="en-GB" dirty="0"/>
-              <a:t>Temporal-Difference Learning (3)</a:t>
+              <a:t>Temporal-Difference Learning (2)</a:t>
             </a:r>
             <a:endParaRPr dirty="0"/>
           </a:p>
@@ -14184,7 +14503,7 @@
         </p:nvSpPr>
         <p:spPr>
           <a:xfrm>
-            <a:off x="311700" y="1234697"/>
+            <a:off x="311700" y="1443243"/>
             <a:ext cx="8520600" cy="5202070"/>
           </a:xfrm>
           <a:prstGeom prst="rect">
@@ -14198,7 +14517,10 @@
           <a:lstStyle/>
           <a:p>
             <a:pPr lvl="0"/>
-            <a:endParaRPr lang="en-GB" sz="1800" dirty="0"/>
+            <a:r>
+              <a:rPr lang="en-GB" sz="1800" dirty="0"/>
+              <a:t>This means we could estimate the final return on every time step</a:t>
+            </a:r>
           </a:p>
           <a:p>
             <a:pPr lvl="0"/>
@@ -14209,6 +14531,45 @@
             <a:endParaRPr lang="en-GB" sz="1800" dirty="0"/>
           </a:p>
           <a:p>
+            <a:pPr lvl="1"/>
+            <a:r>
+              <a:rPr lang="en-GB" sz="1600" dirty="0"/>
+              <a:t>we use the subscript to indicate how many </a:t>
+            </a:r>
+            <a:r>
+              <a:rPr lang="en-GB" sz="1600" b="1" dirty="0"/>
+              <a:t>real rewards</a:t>
+            </a:r>
+            <a:r>
+              <a:rPr lang="en-GB" sz="1600" dirty="0"/>
+              <a:t> are used to calculate the return </a:t>
+            </a:r>
+          </a:p>
+          <a:p>
+            <a:pPr lvl="1"/>
+            <a:r>
+              <a:rPr lang="en-GB" sz="1600" dirty="0" err="1"/>
+              <a:t>t:T</a:t>
+            </a:r>
+            <a:r>
+              <a:rPr lang="en-GB" sz="1600" dirty="0"/>
+              <a:t> means all rewards from t until the end (MC)</a:t>
+            </a:r>
+          </a:p>
+          <a:p>
+            <a:pPr lvl="1"/>
+            <a:r>
+              <a:rPr lang="en-GB" sz="1600" dirty="0"/>
+              <a:t>t:t+1 means just the next reward (TD)</a:t>
+            </a:r>
+          </a:p>
+          <a:p>
+            <a:r>
+              <a:rPr lang="en-GB" sz="1800" dirty="0"/>
+              <a:t>Then we can substitute in the formula for the evaluation of the state-value function:</a:t>
+            </a:r>
+          </a:p>
+          <a:p>
             <a:pPr lvl="0"/>
             <a:endParaRPr lang="en-GB" sz="1800" dirty="0"/>
           </a:p>
@@ -14217,185 +14578,157 @@
             <a:endParaRPr lang="en-GB" sz="1800" dirty="0"/>
           </a:p>
           <a:p>
+            <a:pPr lvl="1"/>
+            <a:r>
+              <a:rPr lang="en-GB" sz="1800" dirty="0"/>
+              <a:t>         is the </a:t>
+            </a:r>
+            <a:r>
+              <a:rPr lang="en-GB" sz="1800" b="1" dirty="0"/>
+              <a:t>TD target </a:t>
+            </a:r>
+          </a:p>
+          <a:p>
+            <a:pPr lvl="1"/>
+            <a:r>
+              <a:rPr lang="en-GB" sz="1800" dirty="0"/>
+              <a:t>                       is the </a:t>
+            </a:r>
+            <a:r>
+              <a:rPr lang="en-GB" sz="1800" b="1" dirty="0"/>
+              <a:t>TD error</a:t>
+            </a:r>
+          </a:p>
+          <a:p>
             <a:pPr lvl="0"/>
-            <a:endParaRPr lang="en-GB" sz="1800" dirty="0"/>
-          </a:p>
-          <a:p>
-            <a:pPr lvl="0"/>
-            <a:endParaRPr lang="en-GB" sz="1800" dirty="0"/>
-          </a:p>
-          <a:p>
-            <a:pPr lvl="0"/>
-            <a:endParaRPr lang="en-GB" sz="1800" dirty="0"/>
-          </a:p>
-          <a:p>
-            <a:pPr lvl="0"/>
-            <a:endParaRPr lang="en-GB" sz="1800" dirty="0"/>
-          </a:p>
-          <a:p>
-            <a:pPr lvl="0"/>
-            <a:endParaRPr lang="en-GB" sz="1800" dirty="0"/>
-          </a:p>
-          <a:p>
-            <a:pPr lvl="0"/>
-            <a:endParaRPr lang="en-GB" sz="1800" dirty="0"/>
-          </a:p>
-          <a:p>
-            <a:pPr marL="120650" lvl="0" indent="0">
-              <a:buNone/>
-            </a:pPr>
-            <a:endParaRPr lang="en-GB" sz="1800" dirty="0"/>
-          </a:p>
-          <a:p>
-            <a:pPr marL="120650" lvl="0" indent="0">
-              <a:buNone/>
-            </a:pPr>
-            <a:endParaRPr lang="en-GB" sz="1800" dirty="0"/>
-          </a:p>
-          <a:p>
-            <a:pPr lvl="0"/>
-            <a:r>
-              <a:rPr lang="en-GB" dirty="0"/>
-              <a:t>TD estimates the value function using an estimate of the value function</a:t>
-            </a:r>
-          </a:p>
-          <a:p>
-            <a:pPr lvl="1"/>
-            <a:r>
-              <a:rPr lang="en-GB" dirty="0"/>
-              <a:t>reward signal progressively </a:t>
-            </a:r>
-            <a:r>
-              <a:rPr lang="en-GB" b="1" dirty="0"/>
-              <a:t>injects reality</a:t>
-            </a:r>
-            <a:r>
-              <a:rPr lang="en-GB" dirty="0"/>
-              <a:t> into the estimates </a:t>
-            </a:r>
-          </a:p>
-          <a:p>
-            <a:pPr lvl="1"/>
-            <a:r>
-              <a:rPr lang="en-GB" b="1" dirty="0"/>
-              <a:t>bootstrapping</a:t>
-            </a:r>
-            <a:r>
-              <a:rPr lang="en-GB" dirty="0"/>
-              <a:t> </a:t>
-            </a:r>
+            <a:endParaRPr lang="en-GB" dirty="0"/>
           </a:p>
         </p:txBody>
       </p:sp>
-      <p:grpSp>
-        <p:nvGrpSpPr>
-          <p:cNvPr id="6" name="Gruppo 5">
+      <p:pic>
+        <p:nvPicPr>
+          <p:cNvPr id="6" name="Immagine 5" descr="Immagine che contiene Carattere, simbolo, testo, bianco&#10;&#10;Descrizione generata automaticamente">
             <a:extLst>
               <a:ext uri="{FF2B5EF4-FFF2-40B4-BE49-F238E27FC236}">
-                <a16:creationId xmlns:a16="http://schemas.microsoft.com/office/drawing/2014/main" id="{AB8A274B-DA7A-BD97-B8F9-838C6028EDE9}"/>
+                <a16:creationId xmlns:a16="http://schemas.microsoft.com/office/drawing/2014/main" id="{840F8EE7-FFE5-71FE-B64C-8B1EAD1D3933}"/>
               </a:ext>
             </a:extLst>
           </p:cNvPr>
-          <p:cNvGrpSpPr/>
+          <p:cNvPicPr>
+            <a:picLocks noChangeAspect="1"/>
+          </p:cNvPicPr>
           <p:nvPr/>
-        </p:nvGrpSpPr>
-        <p:grpSpPr>
+        </p:nvPicPr>
+        <p:blipFill>
+          <a:blip r:embed="rId3"/>
+          <a:stretch>
+            <a:fillRect/>
+          </a:stretch>
+        </p:blipFill>
+        <p:spPr>
           <a:xfrm>
-            <a:off x="311700" y="1139687"/>
-            <a:ext cx="8489230" cy="3967834"/>
-            <a:chOff x="311700" y="1139687"/>
-            <a:chExt cx="8489230" cy="3967834"/>
+            <a:off x="1204266" y="5195562"/>
+            <a:ext cx="571500" cy="342900"/>
           </a:xfrm>
-        </p:grpSpPr>
-        <p:pic>
-          <p:nvPicPr>
-            <p:cNvPr id="4" name="Immagine 3">
-              <a:extLst>
-                <a:ext uri="{FF2B5EF4-FFF2-40B4-BE49-F238E27FC236}">
-                  <a16:creationId xmlns:a16="http://schemas.microsoft.com/office/drawing/2014/main" id="{C4B6E924-3FF8-516B-8E9D-05D1EE2973D9}"/>
-                </a:ext>
-              </a:extLst>
-            </p:cNvPr>
-            <p:cNvPicPr>
-              <a:picLocks noChangeAspect="1"/>
-            </p:cNvPicPr>
-            <p:nvPr/>
-          </p:nvPicPr>
-          <p:blipFill>
-            <a:blip r:embed="rId3"/>
-            <a:stretch>
-              <a:fillRect/>
-            </a:stretch>
-          </p:blipFill>
-          <p:spPr>
-            <a:xfrm>
-              <a:off x="311700" y="1234697"/>
-              <a:ext cx="8489230" cy="3872824"/>
-            </a:xfrm>
-            <a:prstGeom prst="rect">
-              <a:avLst/>
-            </a:prstGeom>
-          </p:spPr>
-        </p:pic>
-        <p:sp>
-          <p:nvSpPr>
-            <p:cNvPr id="5" name="Rettangolo 4">
-              <a:extLst>
-                <a:ext uri="{FF2B5EF4-FFF2-40B4-BE49-F238E27FC236}">
-                  <a16:creationId xmlns:a16="http://schemas.microsoft.com/office/drawing/2014/main" id="{6B54A3EF-17A4-EC75-DCD7-4C36AEB81CAB}"/>
-                </a:ext>
-              </a:extLst>
-            </p:cNvPr>
-            <p:cNvSpPr/>
-            <p:nvPr/>
-          </p:nvSpPr>
-          <p:spPr>
-            <a:xfrm>
-              <a:off x="3617843" y="1139687"/>
-              <a:ext cx="1789044" cy="344556"/>
-            </a:xfrm>
-            <a:prstGeom prst="rect">
-              <a:avLst/>
-            </a:prstGeom>
-            <a:solidFill>
-              <a:schemeClr val="bg1"/>
-            </a:solidFill>
-            <a:ln>
-              <a:solidFill>
-                <a:schemeClr val="bg1"/>
-              </a:solidFill>
-            </a:ln>
-          </p:spPr>
-          <p:style>
-            <a:lnRef idx="2">
-              <a:schemeClr val="accent1">
-                <a:shade val="50000"/>
-              </a:schemeClr>
-            </a:lnRef>
-            <a:fillRef idx="1">
-              <a:schemeClr val="accent1"/>
-            </a:fillRef>
-            <a:effectRef idx="0">
-              <a:schemeClr val="accent1"/>
-            </a:effectRef>
-            <a:fontRef idx="minor">
-              <a:schemeClr val="lt1"/>
-            </a:fontRef>
-          </p:style>
-          <p:txBody>
-            <a:bodyPr rtlCol="0" anchor="ctr"/>
-            <a:lstStyle/>
-            <a:p>
-              <a:pPr algn="ctr"/>
-              <a:endParaRPr lang="en-GB"/>
-            </a:p>
-          </p:txBody>
-        </p:sp>
-      </p:grpSp>
+          <a:prstGeom prst="rect">
+            <a:avLst/>
+          </a:prstGeom>
+        </p:spPr>
+      </p:pic>
+      <p:pic>
+        <p:nvPicPr>
+          <p:cNvPr id="9" name="Immagine 8">
+            <a:extLst>
+              <a:ext uri="{FF2B5EF4-FFF2-40B4-BE49-F238E27FC236}">
+                <a16:creationId xmlns:a16="http://schemas.microsoft.com/office/drawing/2014/main" id="{D3D572E1-D55F-4F10-2E03-50597F93E1D0}"/>
+              </a:ext>
+            </a:extLst>
+          </p:cNvPr>
+          <p:cNvPicPr>
+            <a:picLocks noChangeAspect="1"/>
+          </p:cNvPicPr>
+          <p:nvPr/>
+        </p:nvPicPr>
+        <p:blipFill>
+          <a:blip r:embed="rId4"/>
+          <a:stretch>
+            <a:fillRect/>
+          </a:stretch>
+        </p:blipFill>
+        <p:spPr>
+          <a:xfrm>
+            <a:off x="1165501" y="5672015"/>
+            <a:ext cx="1435100" cy="304800"/>
+          </a:xfrm>
+          <a:prstGeom prst="rect">
+            <a:avLst/>
+          </a:prstGeom>
+        </p:spPr>
+      </p:pic>
+      <p:pic>
+        <p:nvPicPr>
+          <p:cNvPr id="8" name="Immagine 7" descr="Immagine che contiene Carattere, testo, tipografia, calligrafia&#10;&#10;Descrizione generata automaticamente">
+            <a:extLst>
+              <a:ext uri="{FF2B5EF4-FFF2-40B4-BE49-F238E27FC236}">
+                <a16:creationId xmlns:a16="http://schemas.microsoft.com/office/drawing/2014/main" id="{ADCC9895-B658-E969-62A4-48781E81126E}"/>
+              </a:ext>
+            </a:extLst>
+          </p:cNvPr>
+          <p:cNvPicPr>
+            <a:picLocks noChangeAspect="1"/>
+          </p:cNvPicPr>
+          <p:nvPr/>
+        </p:nvPicPr>
+        <p:blipFill>
+          <a:blip r:embed="rId5"/>
+          <a:stretch>
+            <a:fillRect/>
+          </a:stretch>
+        </p:blipFill>
+        <p:spPr>
+          <a:xfrm>
+            <a:off x="857250" y="2041992"/>
+            <a:ext cx="2552700" cy="381000"/>
+          </a:xfrm>
+          <a:prstGeom prst="rect">
+            <a:avLst/>
+          </a:prstGeom>
+        </p:spPr>
+      </p:pic>
+      <p:pic>
+        <p:nvPicPr>
+          <p:cNvPr id="11" name="Immagine 10">
+            <a:extLst>
+              <a:ext uri="{FF2B5EF4-FFF2-40B4-BE49-F238E27FC236}">
+                <a16:creationId xmlns:a16="http://schemas.microsoft.com/office/drawing/2014/main" id="{E2E4D612-EAC9-A9E9-300E-4B9CB83B4BDB}"/>
+              </a:ext>
+            </a:extLst>
+          </p:cNvPr>
+          <p:cNvPicPr>
+            <a:picLocks noChangeAspect="1"/>
+          </p:cNvPicPr>
+          <p:nvPr/>
+        </p:nvPicPr>
+        <p:blipFill>
+          <a:blip r:embed="rId6"/>
+          <a:stretch>
+            <a:fillRect/>
+          </a:stretch>
+        </p:blipFill>
+        <p:spPr>
+          <a:xfrm>
+            <a:off x="977900" y="4679203"/>
+            <a:ext cx="3594100" cy="444500"/>
+          </a:xfrm>
+          <a:prstGeom prst="rect">
+            <a:avLst/>
+          </a:prstGeom>
+        </p:spPr>
+      </p:pic>
     </p:spTree>
     <p:extLst>
       <p:ext uri="{BB962C8B-B14F-4D97-AF65-F5344CB8AC3E}">
-        <p14:creationId xmlns:p14="http://schemas.microsoft.com/office/powerpoint/2010/main" val="189339524"/>
+        <p14:creationId xmlns:p14="http://schemas.microsoft.com/office/powerpoint/2010/main" val="1497503087"/>
       </p:ext>
     </p:extLst>
   </p:cSld>
@@ -14458,7 +14791,7 @@
             </a:pPr>
             <a:r>
               <a:rPr lang="en-GB" dirty="0"/>
-              <a:t>Temporal-Difference Learning (4)</a:t>
+              <a:t>Temporal-Difference Learning (3)</a:t>
             </a:r>
             <a:endParaRPr dirty="0"/>
           </a:p>
@@ -14476,7 +14809,7 @@
         </p:nvSpPr>
         <p:spPr>
           <a:xfrm>
-            <a:off x="311700" y="1043733"/>
+            <a:off x="311700" y="1234697"/>
             <a:ext cx="8520600" cy="5202070"/>
           </a:xfrm>
           <a:prstGeom prst="rect">
@@ -14490,57 +14823,92 @@
           <a:lstStyle/>
           <a:p>
             <a:pPr lvl="0"/>
-            <a:r>
-              <a:rPr lang="en-GB" sz="1800" dirty="0"/>
-              <a:t>It is a combination of MC and DP ideas </a:t>
+            <a:endParaRPr lang="en-GB" sz="1800" dirty="0"/>
+          </a:p>
+          <a:p>
+            <a:pPr lvl="0"/>
+            <a:endParaRPr lang="en-GB" sz="1800" dirty="0"/>
+          </a:p>
+          <a:p>
+            <a:pPr lvl="0"/>
+            <a:endParaRPr lang="en-GB" sz="1800" dirty="0"/>
+          </a:p>
+          <a:p>
+            <a:pPr lvl="0"/>
+            <a:endParaRPr lang="en-GB" sz="1800" dirty="0"/>
+          </a:p>
+          <a:p>
+            <a:pPr lvl="0"/>
+            <a:endParaRPr lang="en-GB" sz="1800" dirty="0"/>
+          </a:p>
+          <a:p>
+            <a:pPr lvl="0"/>
+            <a:endParaRPr lang="en-GB" sz="1800" dirty="0"/>
+          </a:p>
+          <a:p>
+            <a:pPr lvl="0"/>
+            <a:endParaRPr lang="en-GB" sz="1800" dirty="0"/>
+          </a:p>
+          <a:p>
+            <a:pPr lvl="0"/>
+            <a:endParaRPr lang="en-GB" sz="1800" dirty="0"/>
+          </a:p>
+          <a:p>
+            <a:pPr lvl="0"/>
+            <a:endParaRPr lang="en-GB" sz="1800" dirty="0"/>
+          </a:p>
+          <a:p>
+            <a:pPr lvl="0"/>
+            <a:endParaRPr lang="en-GB" sz="1800" dirty="0"/>
+          </a:p>
+          <a:p>
+            <a:pPr lvl="0"/>
+            <a:endParaRPr lang="en-GB" sz="1800" dirty="0"/>
+          </a:p>
+          <a:p>
+            <a:pPr marL="120650" lvl="0" indent="0">
+              <a:buNone/>
+            </a:pPr>
+            <a:endParaRPr lang="en-GB" sz="1800" dirty="0"/>
+          </a:p>
+          <a:p>
+            <a:pPr marL="120650" lvl="0" indent="0">
+              <a:buNone/>
+            </a:pPr>
+            <a:endParaRPr lang="en-GB" sz="1800" dirty="0"/>
+          </a:p>
+          <a:p>
+            <a:pPr lvl="0"/>
+            <a:r>
+              <a:rPr lang="en-GB" dirty="0"/>
+              <a:t>TD estimates the value function using an estimate of the value function</a:t>
             </a:r>
           </a:p>
           <a:p>
             <a:pPr lvl="1"/>
             <a:r>
-              <a:rPr lang="en-GB" sz="1600" dirty="0"/>
-              <a:t>like Monte Carlo, it learn directly from raw experience (without a model)</a:t>
+              <a:rPr lang="en-GB" dirty="0"/>
+              <a:t>reward signal progressively </a:t>
+            </a:r>
+            <a:r>
+              <a:rPr lang="en-GB" b="1" dirty="0"/>
+              <a:t>injects reality</a:t>
+            </a:r>
+            <a:r>
+              <a:rPr lang="en-GB" dirty="0"/>
+              <a:t> into the estimates </a:t>
             </a:r>
           </a:p>
           <a:p>
             <a:pPr lvl="1"/>
             <a:r>
-              <a:rPr lang="en-GB" sz="1600" dirty="0"/>
-              <a:t>like dynamic programming, it update estimates based on other learned estimates (without waiting for a final outcome)</a:t>
-            </a:r>
-          </a:p>
-          <a:p>
-            <a:pPr lvl="0"/>
-            <a:r>
-              <a:rPr lang="en-GB" sz="1800" b="1" dirty="0">
-                <a:highlight>
-                  <a:srgbClr val="FFFF00"/>
-                </a:highlight>
-              </a:rPr>
-              <a:t>See “</a:t>
-            </a:r>
-            <a:r>
-              <a:rPr lang="en-GB" sz="1800" b="1" dirty="0" err="1">
-                <a:highlight>
-                  <a:srgbClr val="FFFF00"/>
-                </a:highlight>
-              </a:rPr>
-              <a:t>notebook.ipynb</a:t>
-            </a:r>
-            <a:r>
-              <a:rPr lang="en-GB" sz="1800" b="1" dirty="0">
-                <a:highlight>
-                  <a:srgbClr val="FFFF00"/>
-                </a:highlight>
-              </a:rPr>
-              <a:t>”</a:t>
-            </a:r>
-          </a:p>
-          <a:p>
-            <a:pPr marL="120650" lvl="0" indent="0">
-              <a:buNone/>
-            </a:pPr>
-            <a:endParaRPr lang="en-GB" dirty="0"/>
+              <a:rPr lang="en-GB" b="1" dirty="0"/>
+              <a:t>bootstrapping</a:t>
+            </a:r>
+            <a:r>
+              <a:rPr lang="en-GB" dirty="0"/>
+              <a:t> </a:t>
+            </a:r>
           </a:p>
         </p:txBody>
       </p:sp>
@@ -14549,7 +14917,7 @@
           <p:cNvPr id="3" name="Immagine 2">
             <a:extLst>
               <a:ext uri="{FF2B5EF4-FFF2-40B4-BE49-F238E27FC236}">
-                <a16:creationId xmlns:a16="http://schemas.microsoft.com/office/drawing/2014/main" id="{B24D9C62-9E1D-9F8D-F689-FC2C53DAD899}"/>
+                <a16:creationId xmlns:a16="http://schemas.microsoft.com/office/drawing/2014/main" id="{D628B746-6DA2-4D8A-944C-772F9FF7C1E0}"/>
               </a:ext>
             </a:extLst>
           </p:cNvPr>
@@ -14566,8 +14934,8 @@
         </p:blipFill>
         <p:spPr>
           <a:xfrm>
-            <a:off x="364454" y="2899601"/>
-            <a:ext cx="7772400" cy="3746640"/>
+            <a:off x="529390" y="1770646"/>
+            <a:ext cx="7775200" cy="3050557"/>
           </a:xfrm>
           <a:prstGeom prst="rect">
             <a:avLst/>
@@ -14577,7 +14945,7 @@
     </p:spTree>
     <p:extLst>
       <p:ext uri="{BB962C8B-B14F-4D97-AF65-F5344CB8AC3E}">
-        <p14:creationId xmlns:p14="http://schemas.microsoft.com/office/powerpoint/2010/main" val="3867073266"/>
+        <p14:creationId xmlns:p14="http://schemas.microsoft.com/office/powerpoint/2010/main" val="189339524"/>
       </p:ext>
     </p:extLst>
   </p:cSld>
@@ -14640,7 +15008,7 @@
             </a:pPr>
             <a:r>
               <a:rPr lang="en-GB" dirty="0"/>
-              <a:t>Batch updating (1)</a:t>
+              <a:t>Temporal-Difference Learning (4)</a:t>
             </a:r>
             <a:endParaRPr dirty="0"/>
           </a:p>
@@ -14658,8 +15026,8 @@
         </p:nvSpPr>
         <p:spPr>
           <a:xfrm>
-            <a:off x="311700" y="1131416"/>
-            <a:ext cx="8520600" cy="5410895"/>
+            <a:off x="311700" y="1043733"/>
+            <a:ext cx="8520600" cy="5202070"/>
           </a:xfrm>
           <a:prstGeom prst="rect">
             <a:avLst/>
@@ -14674,104 +15042,37 @@
             <a:pPr lvl="0"/>
             <a:r>
               <a:rPr lang="en-GB" sz="1800" dirty="0"/>
-              <a:t>Suppose there is available only a </a:t>
-            </a:r>
-            <a:r>
-              <a:rPr lang="en-GB" sz="1800" b="1" dirty="0"/>
-              <a:t>finite amount of experience</a:t>
-            </a:r>
-            <a:r>
-              <a:rPr lang="en-GB" sz="1800" dirty="0"/>
-              <a:t> </a:t>
+              <a:t>It is a combination of MC and DP ideas </a:t>
             </a:r>
           </a:p>
           <a:p>
             <a:pPr lvl="1"/>
             <a:r>
               <a:rPr lang="en-GB" sz="1600" dirty="0"/>
-              <a:t>a common approach is to present the experience repeatedly until the method converges upon an answer</a:t>
-            </a:r>
-            <a:endParaRPr lang="en-GB" sz="1800" dirty="0"/>
-          </a:p>
-          <a:p>
-            <a:r>
-              <a:rPr lang="en-GB" sz="1800" dirty="0"/>
-              <a:t>Suppose we observe the following episodes:</a:t>
+              <a:t>like Monte Carlo, it learn directly from raw experience (without a model)</a:t>
             </a:r>
           </a:p>
           <a:p>
             <a:pPr lvl="1"/>
-            <a:endParaRPr lang="en-GB" dirty="0"/>
-          </a:p>
-          <a:p>
-            <a:pPr lvl="1"/>
-            <a:endParaRPr lang="en-GB" dirty="0"/>
-          </a:p>
-          <a:p>
-            <a:pPr lvl="1"/>
-            <a:endParaRPr lang="en-GB" dirty="0"/>
-          </a:p>
-          <a:p>
-            <a:pPr lvl="1"/>
-            <a:endParaRPr lang="en-GB" dirty="0"/>
-          </a:p>
-          <a:p>
-            <a:pPr lvl="1"/>
-            <a:endParaRPr lang="en-GB" sz="900" dirty="0"/>
-          </a:p>
-          <a:p>
-            <a:pPr lvl="1"/>
-            <a:r>
-              <a:rPr lang="en-GB" dirty="0"/>
-              <a:t>first episode started in A, transitioned to B and terminates with a reward of 0 </a:t>
-            </a:r>
-          </a:p>
-          <a:p>
-            <a:pPr lvl="1"/>
             <a:r>
               <a:rPr lang="en-GB" sz="1600" dirty="0"/>
-              <a:t>other episodes were shorter, starting from B and terminating immediately</a:t>
-            </a:r>
-          </a:p>
-          <a:p>
-            <a:r>
-              <a:rPr lang="en-GB" sz="1800" dirty="0"/>
-              <a:t>What are the optimal estimates V(A) and V(B)?	</a:t>
-            </a:r>
-          </a:p>
-          <a:p>
-            <a:pPr lvl="1"/>
-            <a:r>
-              <a:rPr lang="en-GB" sz="1600" dirty="0"/>
-              <a:t>probably we agree that the optimal value for V(B) is 3/4 </a:t>
-            </a:r>
-          </a:p>
-          <a:p>
-            <a:pPr lvl="2"/>
-            <a:r>
-              <a:rPr lang="en-GB" sz="1500" dirty="0"/>
-              <a:t>six times process terminates with a return of 1; two times terminated with 0</a:t>
-            </a:r>
-          </a:p>
-          <a:p>
-            <a:pPr lvl="1"/>
-            <a:r>
-              <a:rPr lang="en-GB" sz="1600" dirty="0"/>
-              <a:t>but what is the optimal value for V(A)?</a:t>
-            </a:r>
-          </a:p>
-          <a:p>
-            <a:pPr lvl="0"/>
+              <a:t>like dynamic programming, it update estimates based on other learned estimates (without waiting for a final outcome)</a:t>
+            </a:r>
+          </a:p>
+          <a:p>
+            <a:pPr marL="120650" lvl="0" indent="0">
+              <a:buNone/>
+            </a:pPr>
             <a:endParaRPr lang="en-GB" dirty="0"/>
           </a:p>
         </p:txBody>
       </p:sp>
       <p:pic>
         <p:nvPicPr>
-          <p:cNvPr id="3" name="Immagine 2" descr="Immagine che contiene testo, Carattere, bianco, design&#10;&#10;Descrizione generata automaticamente">
+          <p:cNvPr id="3" name="Immagine 2">
             <a:extLst>
               <a:ext uri="{FF2B5EF4-FFF2-40B4-BE49-F238E27FC236}">
-                <a16:creationId xmlns:a16="http://schemas.microsoft.com/office/drawing/2014/main" id="{DCD1C262-9BE0-9086-0402-F99F9EEB48E1}"/>
+                <a16:creationId xmlns:a16="http://schemas.microsoft.com/office/drawing/2014/main" id="{B24D9C62-9E1D-9F8D-F689-FC2C53DAD899}"/>
               </a:ext>
             </a:extLst>
           </p:cNvPr>
@@ -14788,8 +15089,38 @@
         </p:blipFill>
         <p:spPr>
           <a:xfrm>
-            <a:off x="936171" y="2583541"/>
-            <a:ext cx="2133600" cy="1778000"/>
+            <a:off x="176462" y="2482456"/>
+            <a:ext cx="8727626" cy="4207101"/>
+          </a:xfrm>
+          <a:prstGeom prst="rect">
+            <a:avLst/>
+          </a:prstGeom>
+        </p:spPr>
+      </p:pic>
+      <p:pic>
+        <p:nvPicPr>
+          <p:cNvPr id="2" name="Immagine 1" descr="Immagine che contiene Carattere, Elementi grafici, logo, cerchio&#10;&#10;Descrizione generata automaticamente">
+            <a:extLst>
+              <a:ext uri="{FF2B5EF4-FFF2-40B4-BE49-F238E27FC236}">
+                <a16:creationId xmlns:a16="http://schemas.microsoft.com/office/drawing/2014/main" id="{8C9C34BB-49AF-2593-12FA-424F967FC34E}"/>
+              </a:ext>
+            </a:extLst>
+          </p:cNvPr>
+          <p:cNvPicPr>
+            <a:picLocks noChangeAspect="1"/>
+          </p:cNvPicPr>
+          <p:nvPr/>
+        </p:nvPicPr>
+        <p:blipFill>
+          <a:blip r:embed="rId4"/>
+          <a:stretch>
+            <a:fillRect/>
+          </a:stretch>
+        </p:blipFill>
+        <p:spPr>
+          <a:xfrm>
+            <a:off x="8661328" y="65196"/>
+            <a:ext cx="407258" cy="495579"/>
           </a:xfrm>
           <a:prstGeom prst="rect">
             <a:avLst/>
@@ -14799,7 +15130,7 @@
     </p:spTree>
     <p:extLst>
       <p:ext uri="{BB962C8B-B14F-4D97-AF65-F5344CB8AC3E}">
-        <p14:creationId xmlns:p14="http://schemas.microsoft.com/office/powerpoint/2010/main" val="3840907075"/>
+        <p14:creationId xmlns:p14="http://schemas.microsoft.com/office/powerpoint/2010/main" val="3867073266"/>
       </p:ext>
     </p:extLst>
   </p:cSld>
@@ -14814,7 +15145,13 @@
   <p:cSld>
     <p:spTree>
       <p:nvGrpSpPr>
-        <p:cNvPr id="1" name="Shape 82"/>
+        <p:cNvPr id="1" name="Shape 82">
+          <a:extLst>
+            <a:ext uri="{FF2B5EF4-FFF2-40B4-BE49-F238E27FC236}">
+              <a16:creationId xmlns:a16="http://schemas.microsoft.com/office/drawing/2014/main" id="{57BE2CFF-4405-69BF-2CC9-A77F4FB29D7D}"/>
+            </a:ext>
+          </a:extLst>
+        </p:cNvPr>
         <p:cNvGrpSpPr/>
         <p:nvPr/>
       </p:nvGrpSpPr>
@@ -14828,7 +15165,13 @@
       </p:grpSpPr>
       <p:sp>
         <p:nvSpPr>
-          <p:cNvPr id="83" name="Google Shape;83;p14"/>
+          <p:cNvPr id="83" name="Google Shape;83;p14">
+            <a:extLst>
+              <a:ext uri="{FF2B5EF4-FFF2-40B4-BE49-F238E27FC236}">
+                <a16:creationId xmlns:a16="http://schemas.microsoft.com/office/drawing/2014/main" id="{97A17793-53B5-B969-8703-DC4754ABAFC4}"/>
+              </a:ext>
+            </a:extLst>
+          </p:cNvPr>
           <p:cNvSpPr txBox="1">
             <a:spLocks noGrp="1"/>
           </p:cNvSpPr>
@@ -14862,145 +15205,76 @@
             </a:pPr>
             <a:r>
               <a:rPr lang="en-GB" dirty="0"/>
-              <a:t>Batch updating (2)</a:t>
+              <a:t>Temporal-Difference Learning (5)</a:t>
             </a:r>
             <a:endParaRPr dirty="0"/>
           </a:p>
         </p:txBody>
       </p:sp>
-      <p:sp>
-        <p:nvSpPr>
-          <p:cNvPr id="84" name="Google Shape;84;p14"/>
-          <p:cNvSpPr txBox="1">
-            <a:spLocks noGrp="1"/>
-          </p:cNvSpPr>
-          <p:nvPr>
-            <p:ph type="body" idx="1"/>
-          </p:nvPr>
-        </p:nvSpPr>
+      <p:pic>
+        <p:nvPicPr>
+          <p:cNvPr id="2" name="Immagine 1" descr="Immagine che contiene Carattere, Elementi grafici, logo, cerchio&#10;&#10;Descrizione generata automaticamente">
+            <a:extLst>
+              <a:ext uri="{FF2B5EF4-FFF2-40B4-BE49-F238E27FC236}">
+                <a16:creationId xmlns:a16="http://schemas.microsoft.com/office/drawing/2014/main" id="{650F7685-D035-FC85-C27D-8EF7C23D64A3}"/>
+              </a:ext>
+            </a:extLst>
+          </p:cNvPr>
+          <p:cNvPicPr>
+            <a:picLocks noChangeAspect="1"/>
+          </p:cNvPicPr>
+          <p:nvPr/>
+        </p:nvPicPr>
+        <p:blipFill>
+          <a:blip r:embed="rId3"/>
+          <a:stretch>
+            <a:fillRect/>
+          </a:stretch>
+        </p:blipFill>
         <p:spPr>
           <a:xfrm>
-            <a:off x="311700" y="1234697"/>
-            <a:ext cx="8520600" cy="5202070"/>
+            <a:off x="8661328" y="65196"/>
+            <a:ext cx="407258" cy="495579"/>
           </a:xfrm>
           <a:prstGeom prst="rect">
             <a:avLst/>
           </a:prstGeom>
         </p:spPr>
-        <p:txBody>
-          <a:bodyPr spcFirstLastPara="1" wrap="square" lIns="91425" tIns="91425" rIns="91425" bIns="91425" anchor="t" anchorCtr="0">
-            <a:noAutofit/>
-          </a:bodyPr>
-          <a:lstStyle/>
-          <a:p>
-            <a:r>
-              <a:rPr lang="en-GB" sz="1800" dirty="0"/>
-              <a:t>Two </a:t>
-            </a:r>
-            <a:r>
-              <a:rPr lang="en-GB" sz="1800" b="1" dirty="0"/>
-              <a:t>reasonable answers</a:t>
-            </a:r>
-          </a:p>
-          <a:p>
-            <a:pPr lvl="1"/>
-            <a:r>
-              <a:rPr lang="en-GB" sz="1600" dirty="0"/>
-              <a:t>all the times the process was in A, it travers to B and because we have decided that V(B) is 3/4 , therefore A have value 3/4 as well</a:t>
-            </a:r>
-          </a:p>
-          <a:p>
-            <a:pPr lvl="2"/>
-            <a:r>
-              <a:rPr lang="en-GB" sz="1500" dirty="0"/>
-              <a:t>this is the answer that TD gives</a:t>
-            </a:r>
-          </a:p>
-          <a:p>
-            <a:pPr lvl="1"/>
-            <a:r>
-              <a:rPr lang="en-GB" sz="1600" dirty="0"/>
-              <a:t>we have seen A once and the return that followed it was 0, we therefore estimate V(A) as 0</a:t>
-            </a:r>
-          </a:p>
-          <a:p>
-            <a:pPr lvl="2"/>
-            <a:r>
-              <a:rPr lang="en-GB" sz="1500" dirty="0"/>
-              <a:t>this is the answer that MC gives</a:t>
-            </a:r>
-          </a:p>
-          <a:p>
-            <a:pPr lvl="2"/>
-            <a:r>
-              <a:rPr lang="en-GB" sz="1500" dirty="0"/>
-              <a:t>it is also the answer that gives minimum squared error on the training data </a:t>
-            </a:r>
-          </a:p>
-          <a:p>
-            <a:pPr lvl="1"/>
-            <a:r>
-              <a:rPr lang="en-GB" sz="1600" dirty="0"/>
-              <a:t>However, we expect the first answer to be better: will produce lower error on future data</a:t>
-            </a:r>
-          </a:p>
-          <a:p>
-            <a:pPr marL="1054100" lvl="2" indent="0">
-              <a:buNone/>
-            </a:pPr>
-            <a:endParaRPr lang="en-GB" sz="800" dirty="0"/>
-          </a:p>
-          <a:p>
-            <a:pPr lvl="0"/>
-            <a:r>
-              <a:rPr lang="en-GB" sz="1800" dirty="0"/>
-              <a:t>A general difference between TD and MC methods</a:t>
-            </a:r>
-          </a:p>
-          <a:p>
-            <a:pPr lvl="1"/>
-            <a:r>
-              <a:rPr lang="en-GB" sz="1600" dirty="0"/>
-              <a:t>MC always find the estimates that </a:t>
-            </a:r>
-            <a:r>
-              <a:rPr lang="en-GB" sz="1600" b="1" dirty="0"/>
-              <a:t>minimize mean-squared error on the training set</a:t>
-            </a:r>
-          </a:p>
-          <a:p>
-            <a:pPr lvl="1"/>
-            <a:r>
-              <a:rPr lang="en-GB" sz="1600" dirty="0"/>
-              <a:t>TD always finds the estimates </a:t>
-            </a:r>
-            <a:r>
-              <a:rPr lang="en-GB" sz="1600" b="1" dirty="0"/>
-              <a:t>for a model of the Markov process</a:t>
-            </a:r>
-          </a:p>
-          <a:p>
-            <a:pPr lvl="0"/>
-            <a:endParaRPr lang="en-GB" sz="1800" dirty="0"/>
-          </a:p>
-          <a:p>
-            <a:pPr lvl="0"/>
-            <a:endParaRPr lang="en-GB" sz="1800" dirty="0"/>
-          </a:p>
-          <a:p>
-            <a:pPr lvl="0"/>
-            <a:endParaRPr lang="en-GB" sz="1800" dirty="0"/>
-          </a:p>
-          <a:p>
-            <a:pPr lvl="0"/>
-            <a:endParaRPr lang="en-GB" dirty="0"/>
-          </a:p>
-        </p:txBody>
-      </p:sp>
+      </p:pic>
+      <p:pic>
+        <p:nvPicPr>
+          <p:cNvPr id="7" name="Immagine 6">
+            <a:extLst>
+              <a:ext uri="{FF2B5EF4-FFF2-40B4-BE49-F238E27FC236}">
+                <a16:creationId xmlns:a16="http://schemas.microsoft.com/office/drawing/2014/main" id="{D14353BB-BD17-718A-8A7B-E818C63D1F5B}"/>
+              </a:ext>
+            </a:extLst>
+          </p:cNvPr>
+          <p:cNvPicPr>
+            <a:picLocks noChangeAspect="1"/>
+          </p:cNvPicPr>
+          <p:nvPr/>
+        </p:nvPicPr>
+        <p:blipFill>
+          <a:blip r:embed="rId4"/>
+          <a:stretch>
+            <a:fillRect/>
+          </a:stretch>
+        </p:blipFill>
+        <p:spPr>
+          <a:xfrm>
+            <a:off x="199406" y="1059774"/>
+            <a:ext cx="8581320" cy="5629783"/>
+          </a:xfrm>
+          <a:prstGeom prst="rect">
+            <a:avLst/>
+          </a:prstGeom>
+        </p:spPr>
+      </p:pic>
     </p:spTree>
     <p:extLst>
       <p:ext uri="{BB962C8B-B14F-4D97-AF65-F5344CB8AC3E}">
-        <p14:creationId xmlns:p14="http://schemas.microsoft.com/office/powerpoint/2010/main" val="3158693030"/>
+        <p14:creationId xmlns:p14="http://schemas.microsoft.com/office/powerpoint/2010/main" val="2639631110"/>
       </p:ext>
     </p:extLst>
   </p:cSld>
@@ -15063,7 +15337,7 @@
             </a:pPr>
             <a:r>
               <a:rPr lang="en-GB" dirty="0"/>
-              <a:t>Batch updating (3)</a:t>
+              <a:t>Batch updating (1)</a:t>
             </a:r>
             <a:endParaRPr dirty="0"/>
           </a:p>
@@ -15081,8 +15355,8 @@
         </p:nvSpPr>
         <p:spPr>
           <a:xfrm>
-            <a:off x="311700" y="1234697"/>
-            <a:ext cx="8520600" cy="5202070"/>
+            <a:off x="311700" y="1131416"/>
+            <a:ext cx="8520600" cy="5410895"/>
           </a:xfrm>
           <a:prstGeom prst="rect">
             <a:avLst/>
@@ -15097,70 +15371,91 @@
             <a:pPr lvl="0"/>
             <a:r>
               <a:rPr lang="en-GB" sz="1800" dirty="0"/>
-              <a:t>The TD model is formed from the observed episodes</a:t>
+              <a:t>Suppose there is available only a </a:t>
+            </a:r>
+            <a:r>
+              <a:rPr lang="en-GB" sz="1800" b="1" dirty="0"/>
+              <a:t>finite amount of experience</a:t>
+            </a:r>
+            <a:r>
+              <a:rPr lang="en-GB" sz="1800" dirty="0"/>
+              <a:t> </a:t>
             </a:r>
           </a:p>
           <a:p>
             <a:pPr lvl="1"/>
             <a:r>
               <a:rPr lang="en-GB" sz="1600" dirty="0"/>
-              <a:t>estimated transition probability from </a:t>
-            </a:r>
-            <a:r>
-              <a:rPr lang="en-GB" sz="1600" dirty="0" err="1"/>
-              <a:t>i</a:t>
-            </a:r>
+              <a:t>a common approach is to present the experience repeatedly until the method converges upon an answer</a:t>
+            </a:r>
+            <a:endParaRPr lang="en-GB" sz="1800" dirty="0"/>
+          </a:p>
+          <a:p>
+            <a:r>
+              <a:rPr lang="en-GB" sz="1800" dirty="0"/>
+              <a:t>Suppose we observe the following episodes:</a:t>
+            </a:r>
+          </a:p>
+          <a:p>
+            <a:pPr lvl="1"/>
+            <a:endParaRPr lang="en-GB" dirty="0"/>
+          </a:p>
+          <a:p>
+            <a:pPr lvl="1"/>
+            <a:endParaRPr lang="en-GB" dirty="0"/>
+          </a:p>
+          <a:p>
+            <a:pPr lvl="1"/>
+            <a:endParaRPr lang="en-GB" dirty="0"/>
+          </a:p>
+          <a:p>
+            <a:pPr lvl="1"/>
+            <a:endParaRPr lang="en-GB" dirty="0"/>
+          </a:p>
+          <a:p>
+            <a:pPr lvl="1"/>
+            <a:endParaRPr lang="en-GB" sz="900" dirty="0"/>
+          </a:p>
+          <a:p>
+            <a:pPr lvl="1"/>
+            <a:r>
+              <a:rPr lang="en-GB" dirty="0"/>
+              <a:t>first episode started in A, transitioned to B and terminates with a reward of 0 </a:t>
+            </a:r>
+          </a:p>
+          <a:p>
+            <a:pPr lvl="1"/>
             <a:r>
               <a:rPr lang="en-GB" sz="1600" dirty="0"/>
-              <a:t> to j is the fraction of observed transitions from </a:t>
-            </a:r>
-            <a:r>
-              <a:rPr lang="en-GB" sz="1600" dirty="0" err="1"/>
-              <a:t>i</a:t>
-            </a:r>
+              <a:t>other episodes were shorter, starting from B and terminating immediately</a:t>
+            </a:r>
+          </a:p>
+          <a:p>
+            <a:r>
+              <a:rPr lang="en-GB" sz="1800" dirty="0"/>
+              <a:t>What are the optimal estimates V(A) and V(B)?	</a:t>
+            </a:r>
+          </a:p>
+          <a:p>
+            <a:pPr lvl="1"/>
             <a:r>
               <a:rPr lang="en-GB" sz="1600" dirty="0"/>
-              <a:t> that went to j</a:t>
+              <a:t>probably we agree that the optimal value for V(B) is 3/4 </a:t>
+            </a:r>
+          </a:p>
+          <a:p>
+            <a:pPr lvl="2"/>
+            <a:r>
+              <a:rPr lang="en-GB" sz="1500" dirty="0"/>
+              <a:t>six times process terminates with a return of 1; two times terminated with 0</a:t>
             </a:r>
           </a:p>
           <a:p>
             <a:pPr lvl="1"/>
             <a:r>
               <a:rPr lang="en-GB" sz="1600" dirty="0"/>
-              <a:t>the associated expected reward is the average of the rewards observed on those transitions</a:t>
-            </a:r>
-          </a:p>
-          <a:p>
-            <a:pPr lvl="0"/>
-            <a:endParaRPr lang="en-GB" sz="1800" dirty="0"/>
-          </a:p>
-          <a:p>
-            <a:pPr lvl="0"/>
-            <a:r>
-              <a:rPr lang="en-GB" sz="1800" dirty="0"/>
-              <a:t>Given the model, we can compute the estimate of the value function that would be correct if the model were correct</a:t>
-            </a:r>
-          </a:p>
-          <a:p>
-            <a:pPr marL="120650" lvl="0" indent="0">
-              <a:buNone/>
-            </a:pPr>
-            <a:endParaRPr lang="en-GB" sz="1800" dirty="0"/>
-          </a:p>
-          <a:p>
-            <a:pPr lvl="0"/>
-            <a:r>
-              <a:rPr lang="en-GB" sz="1800" dirty="0"/>
-              <a:t>This helps to explain intuitively why TD method converges more quickly than MC method</a:t>
-            </a:r>
-          </a:p>
-          <a:p>
-            <a:pPr lvl="0"/>
-            <a:endParaRPr lang="en-GB" sz="1800" dirty="0"/>
-          </a:p>
-          <a:p>
-            <a:pPr lvl="0"/>
-            <a:endParaRPr lang="en-GB" sz="1800" dirty="0"/>
+              <a:t>but what is the optimal value for V(A)?</a:t>
+            </a:r>
           </a:p>
           <a:p>
             <a:pPr lvl="0"/>
@@ -15168,10 +15463,40 @@
           </a:p>
         </p:txBody>
       </p:sp>
+      <p:pic>
+        <p:nvPicPr>
+          <p:cNvPr id="3" name="Immagine 2" descr="Immagine che contiene testo, Carattere, bianco, design&#10;&#10;Descrizione generata automaticamente">
+            <a:extLst>
+              <a:ext uri="{FF2B5EF4-FFF2-40B4-BE49-F238E27FC236}">
+                <a16:creationId xmlns:a16="http://schemas.microsoft.com/office/drawing/2014/main" id="{DCD1C262-9BE0-9086-0402-F99F9EEB48E1}"/>
+              </a:ext>
+            </a:extLst>
+          </p:cNvPr>
+          <p:cNvPicPr>
+            <a:picLocks noChangeAspect="1"/>
+          </p:cNvPicPr>
+          <p:nvPr/>
+        </p:nvPicPr>
+        <p:blipFill>
+          <a:blip r:embed="rId3"/>
+          <a:stretch>
+            <a:fillRect/>
+          </a:stretch>
+        </p:blipFill>
+        <p:spPr>
+          <a:xfrm>
+            <a:off x="936171" y="2583541"/>
+            <a:ext cx="2133600" cy="1778000"/>
+          </a:xfrm>
+          <a:prstGeom prst="rect">
+            <a:avLst/>
+          </a:prstGeom>
+        </p:spPr>
+      </p:pic>
     </p:spTree>
     <p:extLst>
       <p:ext uri="{BB962C8B-B14F-4D97-AF65-F5344CB8AC3E}">
-        <p14:creationId xmlns:p14="http://schemas.microsoft.com/office/powerpoint/2010/main" val="2315955737"/>
+        <p14:creationId xmlns:p14="http://schemas.microsoft.com/office/powerpoint/2010/main" val="3840907075"/>
       </p:ext>
     </p:extLst>
   </p:cSld>
@@ -15234,7 +15559,7 @@
             </a:pPr>
             <a:r>
               <a:rPr lang="en-GB" dirty="0"/>
-              <a:t>n-steps TD (1)</a:t>
+              <a:t>Batch updating (2)</a:t>
             </a:r>
             <a:endParaRPr dirty="0"/>
           </a:p>
@@ -15252,8 +15577,8 @@
         </p:nvSpPr>
         <p:spPr>
           <a:xfrm>
-            <a:off x="311700" y="1043733"/>
-            <a:ext cx="8520600" cy="5393034"/>
+            <a:off x="311700" y="1234697"/>
+            <a:ext cx="8520600" cy="5202070"/>
           </a:xfrm>
           <a:prstGeom prst="rect">
             <a:avLst/>
@@ -15267,21 +15592,88 @@
           <a:p>
             <a:r>
               <a:rPr lang="en-GB" sz="1800" dirty="0"/>
-              <a:t>There something in between? </a:t>
+              <a:t>Two </a:t>
+            </a:r>
+            <a:r>
+              <a:rPr lang="en-GB" sz="1800" b="1" dirty="0"/>
+              <a:t>reasonable answers</a:t>
             </a:r>
           </a:p>
           <a:p>
             <a:pPr lvl="1"/>
             <a:r>
               <a:rPr lang="en-GB" sz="1600" dirty="0"/>
-              <a:t>MC samples the environment all the way through the end of the episode before it estimates the value function</a:t>
+              <a:t>all the times the process was in A, it travers to B and because we have decided that V(B) is 3/4 , therefore A have value 3/4 as well</a:t>
+            </a:r>
+          </a:p>
+          <a:p>
+            <a:pPr lvl="2"/>
+            <a:r>
+              <a:rPr lang="en-GB" sz="1500" dirty="0"/>
+              <a:t>this is the answer that TD gives</a:t>
             </a:r>
           </a:p>
           <a:p>
             <a:pPr lvl="1"/>
             <a:r>
               <a:rPr lang="en-GB" sz="1600" dirty="0"/>
-              <a:t>TD interacts with the environment only once, and it estimates the value function</a:t>
+              <a:t>we have seen A once and the return that followed it was 0, we therefore estimate V(A) as 0</a:t>
+            </a:r>
+          </a:p>
+          <a:p>
+            <a:pPr lvl="2"/>
+            <a:r>
+              <a:rPr lang="en-GB" sz="1500" dirty="0"/>
+              <a:t>this is the answer that MC gives</a:t>
+            </a:r>
+          </a:p>
+          <a:p>
+            <a:pPr lvl="2"/>
+            <a:r>
+              <a:rPr lang="en-GB" sz="1500" dirty="0"/>
+              <a:t>it is also the answer that gives minimum squared error on the training data </a:t>
+            </a:r>
+          </a:p>
+          <a:p>
+            <a:pPr lvl="1"/>
+            <a:r>
+              <a:rPr lang="en-GB" sz="1600" dirty="0"/>
+              <a:t>However, we expect the first answer to be better: will produce lower error on future data</a:t>
+            </a:r>
+          </a:p>
+          <a:p>
+            <a:pPr marL="1054100" lvl="2" indent="0">
+              <a:buNone/>
+            </a:pPr>
+            <a:endParaRPr lang="en-GB" sz="800" dirty="0"/>
+          </a:p>
+          <a:p>
+            <a:pPr lvl="0"/>
+            <a:r>
+              <a:rPr lang="en-GB" sz="1800" dirty="0"/>
+              <a:t>A general difference between TD and MC methods</a:t>
+            </a:r>
+          </a:p>
+          <a:p>
+            <a:pPr lvl="1"/>
+            <a:r>
+              <a:rPr lang="en-GB" sz="1600" dirty="0"/>
+              <a:t>MC always find the estimates that </a:t>
+            </a:r>
+            <a:r>
+              <a:rPr lang="en-GB" sz="1600" b="1" dirty="0"/>
+              <a:t>minimize mean-squared error on the training set</a:t>
+            </a:r>
+          </a:p>
+          <a:p>
+            <a:pPr lvl="1"/>
+            <a:r>
+              <a:rPr lang="en-GB" sz="1600" dirty="0"/>
+              <a:t>TD always finds the estimates </a:t>
+            </a:r>
+            <a:r>
+              <a:rPr lang="en-GB" sz="1600" b="1" dirty="0"/>
+              <a:t>for a model of the Markov process</a:t>
             </a:r>
           </a:p>
           <a:p>
@@ -15298,117 +15690,14 @@
           </a:p>
           <a:p>
             <a:pPr lvl="0"/>
-            <a:endParaRPr lang="en-GB" sz="1800" dirty="0"/>
-          </a:p>
-          <a:p>
-            <a:pPr lvl="0"/>
-            <a:endParaRPr lang="en-GB" sz="1800" dirty="0"/>
-          </a:p>
-          <a:p>
-            <a:pPr lvl="0"/>
-            <a:endParaRPr lang="en-GB" sz="1800" dirty="0"/>
-          </a:p>
-          <a:p>
-            <a:pPr lvl="0"/>
-            <a:endParaRPr lang="en-GB" sz="1800" dirty="0"/>
-          </a:p>
-          <a:p>
-            <a:pPr lvl="0"/>
-            <a:endParaRPr lang="en-GB" sz="1800" dirty="0"/>
-          </a:p>
-          <a:p>
-            <a:pPr lvl="0"/>
-            <a:r>
-              <a:rPr lang="en-GB" sz="1800" dirty="0"/>
-              <a:t>How about </a:t>
-            </a:r>
-            <a:r>
-              <a:rPr lang="en-GB" sz="1800" b="1" dirty="0"/>
-              <a:t>bootstrapping after two steps? Three? Four? </a:t>
-            </a:r>
-          </a:p>
-          <a:p>
-            <a:pPr lvl="1"/>
-            <a:r>
-              <a:rPr lang="en-GB" sz="1600" dirty="0"/>
-              <a:t>there’s a </a:t>
-            </a:r>
-            <a:r>
-              <a:rPr lang="en-GB" sz="1600" b="1" dirty="0"/>
-              <a:t>spectrum of algorithms </a:t>
-            </a:r>
-            <a:r>
-              <a:rPr lang="en-GB" sz="1600" dirty="0"/>
-              <a:t>lying in between MC and TD</a:t>
-            </a:r>
-          </a:p>
-          <a:p>
-            <a:pPr lvl="1"/>
-            <a:r>
-              <a:rPr lang="en-GB" sz="1600" dirty="0"/>
-              <a:t>we can </a:t>
-            </a:r>
-            <a:r>
-              <a:rPr lang="en-GB" sz="1600" b="1" dirty="0"/>
-              <a:t>tune how much bootstrapping</a:t>
-            </a:r>
-            <a:r>
-              <a:rPr lang="en-GB" sz="1600" dirty="0"/>
-              <a:t>, letting us balance bias and variance</a:t>
-            </a:r>
-          </a:p>
-          <a:p>
-            <a:pPr lvl="0"/>
-            <a:endParaRPr lang="en-GB" sz="1800" dirty="0"/>
-          </a:p>
-          <a:p>
-            <a:pPr lvl="0"/>
-            <a:endParaRPr lang="en-GB" sz="1800" dirty="0"/>
-          </a:p>
-          <a:p>
-            <a:pPr lvl="0"/>
-            <a:endParaRPr lang="en-GB" sz="1800" dirty="0"/>
-          </a:p>
-          <a:p>
-            <a:pPr lvl="0"/>
             <a:endParaRPr lang="en-GB" dirty="0"/>
           </a:p>
         </p:txBody>
       </p:sp>
-      <p:pic>
-        <p:nvPicPr>
-          <p:cNvPr id="3" name="Immagine 2">
-            <a:extLst>
-              <a:ext uri="{FF2B5EF4-FFF2-40B4-BE49-F238E27FC236}">
-                <a16:creationId xmlns:a16="http://schemas.microsoft.com/office/drawing/2014/main" id="{9E29E584-3980-6C4A-D025-DBC1AC8DFD41}"/>
-              </a:ext>
-            </a:extLst>
-          </p:cNvPr>
-          <p:cNvPicPr>
-            <a:picLocks noChangeAspect="1"/>
-          </p:cNvPicPr>
-          <p:nvPr/>
-        </p:nvPicPr>
-        <p:blipFill>
-          <a:blip r:embed="rId3"/>
-          <a:stretch>
-            <a:fillRect/>
-          </a:stretch>
-        </p:blipFill>
-        <p:spPr>
-          <a:xfrm>
-            <a:off x="2490535" y="2774085"/>
-            <a:ext cx="3679323" cy="2314267"/>
-          </a:xfrm>
-          <a:prstGeom prst="rect">
-            <a:avLst/>
-          </a:prstGeom>
-        </p:spPr>
-      </p:pic>
     </p:spTree>
     <p:extLst>
       <p:ext uri="{BB962C8B-B14F-4D97-AF65-F5344CB8AC3E}">
-        <p14:creationId xmlns:p14="http://schemas.microsoft.com/office/powerpoint/2010/main" val="2279489737"/>
+        <p14:creationId xmlns:p14="http://schemas.microsoft.com/office/powerpoint/2010/main" val="3158693030"/>
       </p:ext>
     </p:extLst>
   </p:cSld>
@@ -15471,7 +15760,7 @@
             </a:pPr>
             <a:r>
               <a:rPr lang="en-GB" dirty="0"/>
-              <a:t>n-steps TD (2)</a:t>
+              <a:t>Batch updating (3)</a:t>
             </a:r>
             <a:endParaRPr dirty="0"/>
           </a:p>
@@ -15505,6 +15794,577 @@
             <a:pPr lvl="0"/>
             <a:r>
               <a:rPr lang="en-GB" sz="1800" dirty="0"/>
+              <a:t>The TD model is formed from the observed episodes</a:t>
+            </a:r>
+          </a:p>
+          <a:p>
+            <a:pPr lvl="1"/>
+            <a:r>
+              <a:rPr lang="en-GB" sz="1600" dirty="0"/>
+              <a:t>estimated transition probability from </a:t>
+            </a:r>
+            <a:r>
+              <a:rPr lang="en-GB" sz="1600" dirty="0" err="1"/>
+              <a:t>i</a:t>
+            </a:r>
+            <a:r>
+              <a:rPr lang="en-GB" sz="1600" dirty="0"/>
+              <a:t> to j is the fraction of observed transitions from </a:t>
+            </a:r>
+            <a:r>
+              <a:rPr lang="en-GB" sz="1600" dirty="0" err="1"/>
+              <a:t>i</a:t>
+            </a:r>
+            <a:r>
+              <a:rPr lang="en-GB" sz="1600" dirty="0"/>
+              <a:t> that went to j</a:t>
+            </a:r>
+          </a:p>
+          <a:p>
+            <a:pPr lvl="1"/>
+            <a:r>
+              <a:rPr lang="en-GB" sz="1600" dirty="0"/>
+              <a:t>the associated expected reward is the average of the rewards observed on those transitions</a:t>
+            </a:r>
+          </a:p>
+          <a:p>
+            <a:pPr lvl="0"/>
+            <a:endParaRPr lang="en-GB" sz="1800" dirty="0"/>
+          </a:p>
+          <a:p>
+            <a:pPr lvl="0"/>
+            <a:r>
+              <a:rPr lang="en-GB" sz="1800" dirty="0"/>
+              <a:t>Given the model, we can compute the estimate of the value function that would be correct if the model were correct</a:t>
+            </a:r>
+          </a:p>
+          <a:p>
+            <a:pPr marL="120650" lvl="0" indent="0">
+              <a:buNone/>
+            </a:pPr>
+            <a:endParaRPr lang="en-GB" sz="1800" dirty="0"/>
+          </a:p>
+          <a:p>
+            <a:pPr lvl="0"/>
+            <a:r>
+              <a:rPr lang="en-GB" sz="1800" dirty="0"/>
+              <a:t>This helps to explain intuitively why TD method converges more quickly than MC method</a:t>
+            </a:r>
+          </a:p>
+          <a:p>
+            <a:pPr lvl="0"/>
+            <a:endParaRPr lang="en-GB" sz="1800" dirty="0"/>
+          </a:p>
+          <a:p>
+            <a:pPr lvl="0"/>
+            <a:endParaRPr lang="en-GB" sz="1800" dirty="0"/>
+          </a:p>
+          <a:p>
+            <a:pPr lvl="0"/>
+            <a:endParaRPr lang="en-GB" dirty="0"/>
+          </a:p>
+        </p:txBody>
+      </p:sp>
+    </p:spTree>
+    <p:extLst>
+      <p:ext uri="{BB962C8B-B14F-4D97-AF65-F5344CB8AC3E}">
+        <p14:creationId xmlns:p14="http://schemas.microsoft.com/office/powerpoint/2010/main" val="2315955737"/>
+      </p:ext>
+    </p:extLst>
+  </p:cSld>
+  <p:clrMapOvr>
+    <a:masterClrMapping/>
+  </p:clrMapOvr>
+</p:sld>
+</file>
+
+<file path=ppt/slides/slide2.xml><?xml version="1.0" encoding="utf-8"?>
+<p:sld xmlns:a="http://schemas.openxmlformats.org/drawingml/2006/main" xmlns:r="http://schemas.openxmlformats.org/officeDocument/2006/relationships" xmlns:p="http://schemas.openxmlformats.org/presentationml/2006/main">
+  <p:cSld>
+    <p:spTree>
+      <p:nvGrpSpPr>
+        <p:cNvPr id="1" name="Shape 82"/>
+        <p:cNvGrpSpPr/>
+        <p:nvPr/>
+      </p:nvGrpSpPr>
+      <p:grpSpPr>
+        <a:xfrm>
+          <a:off x="0" y="0"/>
+          <a:ext cx="0" cy="0"/>
+          <a:chOff x="0" y="0"/>
+          <a:chExt cx="0" cy="0"/>
+        </a:xfrm>
+      </p:grpSpPr>
+      <p:sp>
+        <p:nvSpPr>
+          <p:cNvPr id="83" name="Google Shape;83;p14"/>
+          <p:cNvSpPr txBox="1">
+            <a:spLocks noGrp="1"/>
+          </p:cNvSpPr>
+          <p:nvPr>
+            <p:ph type="title" idx="4294967295"/>
+          </p:nvPr>
+        </p:nvSpPr>
+        <p:spPr>
+          <a:xfrm>
+            <a:off x="311700" y="421233"/>
+            <a:ext cx="8520600" cy="622500"/>
+          </a:xfrm>
+          <a:prstGeom prst="rect">
+            <a:avLst/>
+          </a:prstGeom>
+        </p:spPr>
+        <p:txBody>
+          <a:bodyPr spcFirstLastPara="1" wrap="square" lIns="91425" tIns="91425" rIns="91425" bIns="91425" anchor="b" anchorCtr="0">
+            <a:noAutofit/>
+          </a:bodyPr>
+          <a:lstStyle/>
+          <a:p>
+            <a:pPr marL="0" lvl="0" indent="0" algn="l" rtl="0">
+              <a:spcBef>
+                <a:spcPts val="0"/>
+              </a:spcBef>
+              <a:spcAft>
+                <a:spcPts val="0"/>
+              </a:spcAft>
+              <a:buNone/>
+            </a:pPr>
+            <a:r>
+              <a:rPr lang="en-GB" dirty="0"/>
+              <a:t>Objectives</a:t>
+            </a:r>
+            <a:endParaRPr dirty="0"/>
+          </a:p>
+        </p:txBody>
+      </p:sp>
+      <p:sp>
+        <p:nvSpPr>
+          <p:cNvPr id="84" name="Google Shape;84;p14"/>
+          <p:cNvSpPr txBox="1">
+            <a:spLocks noGrp="1"/>
+          </p:cNvSpPr>
+          <p:nvPr>
+            <p:ph type="body" idx="1"/>
+          </p:nvPr>
+        </p:nvSpPr>
+        <p:spPr>
+          <a:xfrm>
+            <a:off x="311700" y="1533636"/>
+            <a:ext cx="8520600" cy="4585810"/>
+          </a:xfrm>
+          <a:prstGeom prst="rect">
+            <a:avLst/>
+          </a:prstGeom>
+        </p:spPr>
+        <p:txBody>
+          <a:bodyPr spcFirstLastPara="1" wrap="square" lIns="91425" tIns="91425" rIns="91425" bIns="91425" anchor="t" anchorCtr="0">
+            <a:noAutofit/>
+          </a:bodyPr>
+          <a:lstStyle/>
+          <a:p>
+            <a:pPr lvl="0"/>
+            <a:r>
+              <a:rPr lang="en-GB" sz="1800" dirty="0"/>
+              <a:t>Immediate and long-term goals</a:t>
+            </a:r>
+          </a:p>
+          <a:p>
+            <a:pPr lvl="0"/>
+            <a:r>
+              <a:rPr lang="en-GB" sz="1800" dirty="0"/>
+              <a:t>Reward, Return and Value functions</a:t>
+            </a:r>
+          </a:p>
+          <a:p>
+            <a:r>
+              <a:rPr lang="en-GB" sz="1800" dirty="0"/>
+              <a:t>Random Walk Environment</a:t>
+            </a:r>
+          </a:p>
+          <a:p>
+            <a:pPr lvl="0"/>
+            <a:r>
+              <a:rPr lang="en-GB" sz="1800" dirty="0"/>
+              <a:t>Monte Carlo prediction (MC)</a:t>
+            </a:r>
+          </a:p>
+          <a:p>
+            <a:pPr lvl="0"/>
+            <a:r>
+              <a:rPr lang="en-GB" sz="1800" dirty="0"/>
+              <a:t>Temporal-Difference Learning (TD)</a:t>
+            </a:r>
+          </a:p>
+          <a:p>
+            <a:pPr lvl="0"/>
+            <a:r>
+              <a:rPr lang="en-GB" sz="1800" dirty="0"/>
+              <a:t>n-steps TD </a:t>
+            </a:r>
+          </a:p>
+          <a:p>
+            <a:pPr lvl="0"/>
+            <a:r>
+              <a:rPr lang="en-GB" sz="1800" dirty="0"/>
+              <a:t>TD(𝜆)</a:t>
+            </a:r>
+          </a:p>
+          <a:p>
+            <a:pPr lvl="0"/>
+            <a:r>
+              <a:rPr lang="en-GB" sz="1800" dirty="0"/>
+              <a:t>Backward-view TD(𝜆)</a:t>
+            </a:r>
+          </a:p>
+          <a:p>
+            <a:pPr lvl="0"/>
+            <a:r>
+              <a:rPr lang="en-GB" sz="1800" dirty="0"/>
+              <a:t>Comparison</a:t>
+            </a:r>
+          </a:p>
+          <a:p>
+            <a:pPr lvl="0"/>
+            <a:endParaRPr lang="en-GB" sz="1800" dirty="0"/>
+          </a:p>
+          <a:p>
+            <a:pPr lvl="0"/>
+            <a:endParaRPr lang="en-GB" dirty="0"/>
+          </a:p>
+        </p:txBody>
+      </p:sp>
+    </p:spTree>
+  </p:cSld>
+  <p:clrMapOvr>
+    <a:masterClrMapping/>
+  </p:clrMapOvr>
+</p:sld>
+</file>
+
+<file path=ppt/slides/slide20.xml><?xml version="1.0" encoding="utf-8"?>
+<p:sld xmlns:a="http://schemas.openxmlformats.org/drawingml/2006/main" xmlns:r="http://schemas.openxmlformats.org/officeDocument/2006/relationships" xmlns:p="http://schemas.openxmlformats.org/presentationml/2006/main">
+  <p:cSld>
+    <p:spTree>
+      <p:nvGrpSpPr>
+        <p:cNvPr id="1" name="Shape 82"/>
+        <p:cNvGrpSpPr/>
+        <p:nvPr/>
+      </p:nvGrpSpPr>
+      <p:grpSpPr>
+        <a:xfrm>
+          <a:off x="0" y="0"/>
+          <a:ext cx="0" cy="0"/>
+          <a:chOff x="0" y="0"/>
+          <a:chExt cx="0" cy="0"/>
+        </a:xfrm>
+      </p:grpSpPr>
+      <p:pic>
+        <p:nvPicPr>
+          <p:cNvPr id="4" name="Immagine 3">
+            <a:extLst>
+              <a:ext uri="{FF2B5EF4-FFF2-40B4-BE49-F238E27FC236}">
+                <a16:creationId xmlns:a16="http://schemas.microsoft.com/office/drawing/2014/main" id="{96E9D74E-B7DA-3CCB-F9BD-58F3B4AEDF56}"/>
+              </a:ext>
+            </a:extLst>
+          </p:cNvPr>
+          <p:cNvPicPr>
+            <a:picLocks noChangeAspect="1"/>
+          </p:cNvPicPr>
+          <p:nvPr/>
+        </p:nvPicPr>
+        <p:blipFill>
+          <a:blip r:embed="rId3"/>
+          <a:stretch>
+            <a:fillRect/>
+          </a:stretch>
+        </p:blipFill>
+        <p:spPr>
+          <a:xfrm>
+            <a:off x="2073609" y="2468132"/>
+            <a:ext cx="4996782" cy="2768814"/>
+          </a:xfrm>
+          <a:prstGeom prst="rect">
+            <a:avLst/>
+          </a:prstGeom>
+        </p:spPr>
+      </p:pic>
+      <p:sp>
+        <p:nvSpPr>
+          <p:cNvPr id="83" name="Google Shape;83;p14"/>
+          <p:cNvSpPr txBox="1">
+            <a:spLocks noGrp="1"/>
+          </p:cNvSpPr>
+          <p:nvPr>
+            <p:ph type="title" idx="4294967295"/>
+          </p:nvPr>
+        </p:nvSpPr>
+        <p:spPr>
+          <a:xfrm>
+            <a:off x="311700" y="421233"/>
+            <a:ext cx="8520600" cy="622500"/>
+          </a:xfrm>
+          <a:prstGeom prst="rect">
+            <a:avLst/>
+          </a:prstGeom>
+        </p:spPr>
+        <p:txBody>
+          <a:bodyPr spcFirstLastPara="1" wrap="square" lIns="91425" tIns="91425" rIns="91425" bIns="91425" anchor="b" anchorCtr="0">
+            <a:noAutofit/>
+          </a:bodyPr>
+          <a:lstStyle/>
+          <a:p>
+            <a:pPr marL="0" lvl="0" indent="0" algn="l" rtl="0">
+              <a:spcBef>
+                <a:spcPts val="0"/>
+              </a:spcBef>
+              <a:spcAft>
+                <a:spcPts val="0"/>
+              </a:spcAft>
+              <a:buNone/>
+            </a:pPr>
+            <a:r>
+              <a:rPr lang="en-GB" dirty="0"/>
+              <a:t>n-steps TD (1)</a:t>
+            </a:r>
+            <a:endParaRPr dirty="0"/>
+          </a:p>
+        </p:txBody>
+      </p:sp>
+      <p:sp>
+        <p:nvSpPr>
+          <p:cNvPr id="84" name="Google Shape;84;p14"/>
+          <p:cNvSpPr txBox="1">
+            <a:spLocks noGrp="1"/>
+          </p:cNvSpPr>
+          <p:nvPr>
+            <p:ph type="body" idx="1"/>
+          </p:nvPr>
+        </p:nvSpPr>
+        <p:spPr>
+          <a:xfrm>
+            <a:off x="311700" y="995607"/>
+            <a:ext cx="8520600" cy="5393034"/>
+          </a:xfrm>
+          <a:prstGeom prst="rect">
+            <a:avLst/>
+          </a:prstGeom>
+        </p:spPr>
+        <p:txBody>
+          <a:bodyPr spcFirstLastPara="1" wrap="square" lIns="91425" tIns="91425" rIns="91425" bIns="91425" anchor="t" anchorCtr="0">
+            <a:noAutofit/>
+          </a:bodyPr>
+          <a:lstStyle/>
+          <a:p>
+            <a:r>
+              <a:rPr lang="en-GB" sz="1800" dirty="0"/>
+              <a:t>There something in between? </a:t>
+            </a:r>
+          </a:p>
+          <a:p>
+            <a:pPr lvl="1"/>
+            <a:r>
+              <a:rPr lang="en-GB" sz="1600" dirty="0"/>
+              <a:t>MC samples the environment all the way through the end of the episode before it estimates the value function</a:t>
+            </a:r>
+          </a:p>
+          <a:p>
+            <a:pPr lvl="1"/>
+            <a:r>
+              <a:rPr lang="en-GB" sz="1600" dirty="0"/>
+              <a:t>TD interacts with the environment only once, and it estimates the value function</a:t>
+            </a:r>
+          </a:p>
+          <a:p>
+            <a:pPr lvl="0"/>
+            <a:endParaRPr lang="en-GB" sz="1800" dirty="0"/>
+          </a:p>
+          <a:p>
+            <a:pPr lvl="0"/>
+            <a:endParaRPr lang="en-GB" sz="1800" dirty="0"/>
+          </a:p>
+          <a:p>
+            <a:pPr lvl="0"/>
+            <a:endParaRPr lang="en-GB" sz="1800" dirty="0"/>
+          </a:p>
+          <a:p>
+            <a:pPr lvl="0"/>
+            <a:endParaRPr lang="en-GB" sz="1800" dirty="0"/>
+          </a:p>
+          <a:p>
+            <a:pPr lvl="0"/>
+            <a:endParaRPr lang="en-GB" sz="1800" dirty="0"/>
+          </a:p>
+          <a:p>
+            <a:pPr lvl="0"/>
+            <a:endParaRPr lang="en-GB" sz="1800" dirty="0"/>
+          </a:p>
+          <a:p>
+            <a:pPr lvl="0"/>
+            <a:endParaRPr lang="en-GB" sz="1800" dirty="0"/>
+          </a:p>
+          <a:p>
+            <a:pPr lvl="0"/>
+            <a:endParaRPr lang="en-GB" sz="1800" dirty="0"/>
+          </a:p>
+          <a:p>
+            <a:pPr lvl="0"/>
+            <a:r>
+              <a:rPr lang="en-GB" sz="1800" dirty="0"/>
+              <a:t>How about </a:t>
+            </a:r>
+            <a:r>
+              <a:rPr lang="en-GB" sz="1800" b="1" dirty="0"/>
+              <a:t>bootstrapping after two steps? Three? Four? </a:t>
+            </a:r>
+          </a:p>
+          <a:p>
+            <a:pPr lvl="1"/>
+            <a:r>
+              <a:rPr lang="en-GB" sz="1600" dirty="0"/>
+              <a:t>there’s a </a:t>
+            </a:r>
+            <a:r>
+              <a:rPr lang="en-GB" sz="1600" b="1" dirty="0"/>
+              <a:t>spectrum of algorithms </a:t>
+            </a:r>
+            <a:r>
+              <a:rPr lang="en-GB" sz="1600" dirty="0"/>
+              <a:t>lying in between MC and TD</a:t>
+            </a:r>
+          </a:p>
+          <a:p>
+            <a:pPr lvl="1"/>
+            <a:r>
+              <a:rPr lang="en-GB" sz="1600" dirty="0"/>
+              <a:t>we can </a:t>
+            </a:r>
+            <a:r>
+              <a:rPr lang="en-GB" sz="1600" b="1" dirty="0"/>
+              <a:t>tune how much bootstrapping</a:t>
+            </a:r>
+            <a:r>
+              <a:rPr lang="en-GB" sz="1600" dirty="0"/>
+              <a:t>, letting us balance bias and variance</a:t>
+            </a:r>
+          </a:p>
+          <a:p>
+            <a:pPr lvl="0"/>
+            <a:endParaRPr lang="en-GB" sz="1800" dirty="0"/>
+          </a:p>
+          <a:p>
+            <a:pPr lvl="0"/>
+            <a:endParaRPr lang="en-GB" sz="1800" dirty="0"/>
+          </a:p>
+          <a:p>
+            <a:pPr lvl="0"/>
+            <a:endParaRPr lang="en-GB" sz="1800" dirty="0"/>
+          </a:p>
+          <a:p>
+            <a:pPr lvl="0"/>
+            <a:endParaRPr lang="en-GB" dirty="0"/>
+          </a:p>
+        </p:txBody>
+      </p:sp>
+    </p:spTree>
+    <p:extLst>
+      <p:ext uri="{BB962C8B-B14F-4D97-AF65-F5344CB8AC3E}">
+        <p14:creationId xmlns:p14="http://schemas.microsoft.com/office/powerpoint/2010/main" val="2279489737"/>
+      </p:ext>
+    </p:extLst>
+  </p:cSld>
+  <p:clrMapOvr>
+    <a:masterClrMapping/>
+  </p:clrMapOvr>
+</p:sld>
+</file>
+
+<file path=ppt/slides/slide21.xml><?xml version="1.0" encoding="utf-8"?>
+<p:sld xmlns:a="http://schemas.openxmlformats.org/drawingml/2006/main" xmlns:r="http://schemas.openxmlformats.org/officeDocument/2006/relationships" xmlns:p="http://schemas.openxmlformats.org/presentationml/2006/main">
+  <p:cSld>
+    <p:spTree>
+      <p:nvGrpSpPr>
+        <p:cNvPr id="1" name="Shape 82"/>
+        <p:cNvGrpSpPr/>
+        <p:nvPr/>
+      </p:nvGrpSpPr>
+      <p:grpSpPr>
+        <a:xfrm>
+          <a:off x="0" y="0"/>
+          <a:ext cx="0" cy="0"/>
+          <a:chOff x="0" y="0"/>
+          <a:chExt cx="0" cy="0"/>
+        </a:xfrm>
+      </p:grpSpPr>
+      <p:sp>
+        <p:nvSpPr>
+          <p:cNvPr id="83" name="Google Shape;83;p14"/>
+          <p:cNvSpPr txBox="1">
+            <a:spLocks noGrp="1"/>
+          </p:cNvSpPr>
+          <p:nvPr>
+            <p:ph type="title" idx="4294967295"/>
+          </p:nvPr>
+        </p:nvSpPr>
+        <p:spPr>
+          <a:xfrm>
+            <a:off x="311700" y="421233"/>
+            <a:ext cx="8520600" cy="622500"/>
+          </a:xfrm>
+          <a:prstGeom prst="rect">
+            <a:avLst/>
+          </a:prstGeom>
+        </p:spPr>
+        <p:txBody>
+          <a:bodyPr spcFirstLastPara="1" wrap="square" lIns="91425" tIns="91425" rIns="91425" bIns="91425" anchor="b" anchorCtr="0">
+            <a:noAutofit/>
+          </a:bodyPr>
+          <a:lstStyle/>
+          <a:p>
+            <a:pPr marL="0" lvl="0" indent="0" algn="l" rtl="0">
+              <a:spcBef>
+                <a:spcPts val="0"/>
+              </a:spcBef>
+              <a:spcAft>
+                <a:spcPts val="0"/>
+              </a:spcAft>
+              <a:buNone/>
+            </a:pPr>
+            <a:r>
+              <a:rPr lang="en-GB" dirty="0"/>
+              <a:t>n-steps TD (2)</a:t>
+            </a:r>
+            <a:endParaRPr dirty="0"/>
+          </a:p>
+        </p:txBody>
+      </p:sp>
+      <p:sp>
+        <p:nvSpPr>
+          <p:cNvPr id="84" name="Google Shape;84;p14"/>
+          <p:cNvSpPr txBox="1">
+            <a:spLocks noGrp="1"/>
+          </p:cNvSpPr>
+          <p:nvPr>
+            <p:ph type="body" idx="1"/>
+          </p:nvPr>
+        </p:nvSpPr>
+        <p:spPr>
+          <a:xfrm>
+            <a:off x="311700" y="1234697"/>
+            <a:ext cx="8520600" cy="4636714"/>
+          </a:xfrm>
+          <a:prstGeom prst="rect">
+            <a:avLst/>
+          </a:prstGeom>
+        </p:spPr>
+        <p:txBody>
+          <a:bodyPr spcFirstLastPara="1" wrap="square" lIns="91425" tIns="91425" rIns="91425" bIns="91425" anchor="t" anchorCtr="0">
+            <a:noAutofit/>
+          </a:bodyPr>
+          <a:lstStyle/>
+          <a:p>
+            <a:pPr lvl="0"/>
+            <a:r>
+              <a:rPr lang="en-GB" sz="1800" dirty="0"/>
               <a:t>Two extremes: </a:t>
             </a:r>
           </a:p>
@@ -15605,33 +16465,9 @@
             <a:endParaRPr lang="en-GB" sz="1600" dirty="0"/>
           </a:p>
           <a:p>
-            <a:pPr lvl="0"/>
-            <a:r>
-              <a:rPr lang="en-GB" sz="1800" b="1" dirty="0">
-                <a:highlight>
-                  <a:srgbClr val="FFFF00"/>
-                </a:highlight>
-              </a:rPr>
-              <a:t>See “</a:t>
-            </a:r>
-            <a:r>
-              <a:rPr lang="en-GB" sz="1800" b="1" dirty="0" err="1">
-                <a:highlight>
-                  <a:srgbClr val="FFFF00"/>
-                </a:highlight>
-              </a:rPr>
-              <a:t>notebook.ipynb</a:t>
-            </a:r>
-            <a:r>
-              <a:rPr lang="en-GB" sz="1800" b="1" dirty="0">
-                <a:highlight>
-                  <a:srgbClr val="FFFF00"/>
-                </a:highlight>
-              </a:rPr>
-              <a:t>”</a:t>
-            </a:r>
-          </a:p>
-          <a:p>
+            <a:pPr marL="120650" indent="0">
+              <a:buNone/>
+            </a:pPr>
             <a:endParaRPr lang="en-GB" sz="1800" dirty="0"/>
           </a:p>
           <a:p>
@@ -15696,7 +16532,7 @@
         </p:nvGrpSpPr>
         <p:grpSpPr>
           <a:xfrm>
-            <a:off x="6659858" y="3649375"/>
+            <a:off x="6595690" y="3922089"/>
             <a:ext cx="2305406" cy="736002"/>
             <a:chOff x="6659858" y="3649375"/>
             <a:chExt cx="2305406" cy="736002"/>
@@ -15790,7 +16626,7 @@
         </p:nvGrpSpPr>
         <p:grpSpPr>
           <a:xfrm>
-            <a:off x="6700532" y="4571796"/>
+            <a:off x="6636364" y="4844510"/>
             <a:ext cx="2345497" cy="792064"/>
             <a:chOff x="6700532" y="4571796"/>
             <a:chExt cx="2345497" cy="792064"/>
@@ -15973,7 +16809,7 @@
 </p:sld>
 </file>
 
-<file path=ppt/slides/slide2.xml><?xml version="1.0" encoding="utf-8"?>
+<file path=ppt/slides/slide22.xml><?xml version="1.0" encoding="utf-8"?>
 <p:sld xmlns:a="http://schemas.openxmlformats.org/drawingml/2006/main" xmlns:r="http://schemas.openxmlformats.org/officeDocument/2006/relationships" xmlns:p="http://schemas.openxmlformats.org/presentationml/2006/main">
   <p:cSld>
     <p:spTree>
@@ -16026,109 +16862,78 @@
             </a:pPr>
             <a:r>
               <a:rPr lang="en-GB" dirty="0"/>
-              <a:t>Objectives</a:t>
+              <a:t>n-steps TD (3)</a:t>
             </a:r>
             <a:endParaRPr dirty="0"/>
           </a:p>
         </p:txBody>
       </p:sp>
-      <p:sp>
-        <p:nvSpPr>
-          <p:cNvPr id="84" name="Google Shape;84;p14"/>
-          <p:cNvSpPr txBox="1">
-            <a:spLocks noGrp="1"/>
-          </p:cNvSpPr>
-          <p:nvPr>
-            <p:ph type="body" idx="1"/>
-          </p:nvPr>
-        </p:nvSpPr>
+      <p:pic>
+        <p:nvPicPr>
+          <p:cNvPr id="3" name="Immagine 2">
+            <a:extLst>
+              <a:ext uri="{FF2B5EF4-FFF2-40B4-BE49-F238E27FC236}">
+                <a16:creationId xmlns:a16="http://schemas.microsoft.com/office/drawing/2014/main" id="{CEBEE24E-7A8A-DAB3-53B8-DED06882E63A}"/>
+              </a:ext>
+            </a:extLst>
+          </p:cNvPr>
+          <p:cNvPicPr>
+            <a:picLocks noChangeAspect="1"/>
+          </p:cNvPicPr>
+          <p:nvPr/>
+        </p:nvPicPr>
+        <p:blipFill>
+          <a:blip r:embed="rId3"/>
+          <a:stretch>
+            <a:fillRect/>
+          </a:stretch>
+        </p:blipFill>
         <p:spPr>
           <a:xfrm>
-            <a:off x="311700" y="1533636"/>
-            <a:ext cx="8520600" cy="4585810"/>
+            <a:off x="121466" y="1680137"/>
+            <a:ext cx="8901068" cy="4255442"/>
           </a:xfrm>
           <a:prstGeom prst="rect">
             <a:avLst/>
           </a:prstGeom>
         </p:spPr>
-        <p:txBody>
-          <a:bodyPr spcFirstLastPara="1" wrap="square" lIns="91425" tIns="91425" rIns="91425" bIns="91425" anchor="t" anchorCtr="0">
-            <a:noAutofit/>
-          </a:bodyPr>
-          <a:lstStyle/>
-          <a:p>
-            <a:pPr lvl="0"/>
-            <a:r>
-              <a:rPr lang="en-GB" sz="1800" dirty="0"/>
-              <a:t>Immediate and long-term goals</a:t>
-            </a:r>
-          </a:p>
-          <a:p>
-            <a:pPr lvl="0"/>
-            <a:r>
-              <a:rPr lang="en-GB" sz="1800" dirty="0"/>
-              <a:t>Reward, Return and Value functions</a:t>
-            </a:r>
-          </a:p>
-          <a:p>
-            <a:r>
-              <a:rPr lang="en-GB" sz="1800" dirty="0"/>
-              <a:t>Random Walk Environment</a:t>
-            </a:r>
-          </a:p>
-          <a:p>
-            <a:pPr lvl="0"/>
-            <a:r>
-              <a:rPr lang="en-GB" sz="1800" dirty="0"/>
-              <a:t>Monte Carlo prediction (MC)</a:t>
-            </a:r>
-          </a:p>
-          <a:p>
-            <a:pPr lvl="0"/>
-            <a:r>
-              <a:rPr lang="en-GB" sz="1800" dirty="0"/>
-              <a:t>Temporal-Difference Learning (TD)</a:t>
-            </a:r>
-          </a:p>
-          <a:p>
-            <a:pPr lvl="0"/>
-            <a:r>
-              <a:rPr lang="en-GB" sz="1800" dirty="0"/>
-              <a:t>n-steps TD </a:t>
-            </a:r>
-          </a:p>
-          <a:p>
-            <a:pPr lvl="0"/>
-            <a:r>
-              <a:rPr lang="en-GB" sz="1800" dirty="0"/>
-              <a:t>TD(𝜆)</a:t>
-            </a:r>
-          </a:p>
-          <a:p>
-            <a:pPr lvl="0"/>
-            <a:r>
-              <a:rPr lang="en-GB" sz="1800" dirty="0"/>
-              <a:t>Backward-view TD(𝜆)</a:t>
-            </a:r>
-          </a:p>
-          <a:p>
-            <a:pPr lvl="0"/>
-            <a:r>
-              <a:rPr lang="en-GB" sz="1800" dirty="0"/>
-              <a:t>Comparison</a:t>
-            </a:r>
-          </a:p>
-          <a:p>
-            <a:pPr lvl="0"/>
-            <a:endParaRPr lang="en-GB" sz="1800" dirty="0"/>
-          </a:p>
-          <a:p>
-            <a:pPr lvl="0"/>
-            <a:endParaRPr lang="en-GB" dirty="0"/>
-          </a:p>
-        </p:txBody>
-      </p:sp>
+      </p:pic>
+      <p:pic>
+        <p:nvPicPr>
+          <p:cNvPr id="2" name="Immagine 1" descr="Immagine che contiene Carattere, Elementi grafici, logo, cerchio&#10;&#10;Descrizione generata automaticamente">
+            <a:extLst>
+              <a:ext uri="{FF2B5EF4-FFF2-40B4-BE49-F238E27FC236}">
+                <a16:creationId xmlns:a16="http://schemas.microsoft.com/office/drawing/2014/main" id="{D80EAC2F-E2C1-D9D0-EA79-3BF831BCDF89}"/>
+              </a:ext>
+            </a:extLst>
+          </p:cNvPr>
+          <p:cNvPicPr>
+            <a:picLocks noChangeAspect="1"/>
+          </p:cNvPicPr>
+          <p:nvPr/>
+        </p:nvPicPr>
+        <p:blipFill>
+          <a:blip r:embed="rId4"/>
+          <a:stretch>
+            <a:fillRect/>
+          </a:stretch>
+        </p:blipFill>
+        <p:spPr>
+          <a:xfrm>
+            <a:off x="8661328" y="65196"/>
+            <a:ext cx="407258" cy="495579"/>
+          </a:xfrm>
+          <a:prstGeom prst="rect">
+            <a:avLst/>
+          </a:prstGeom>
+        </p:spPr>
+      </p:pic>
     </p:spTree>
+    <p:extLst>
+      <p:ext uri="{BB962C8B-B14F-4D97-AF65-F5344CB8AC3E}">
+        <p14:creationId xmlns:p14="http://schemas.microsoft.com/office/powerpoint/2010/main" val="4193766810"/>
+      </p:ext>
+    </p:extLst>
   </p:cSld>
   <p:clrMapOvr>
     <a:masterClrMapping/>
@@ -16136,7 +16941,151 @@
 </p:sld>
 </file>
 
-<file path=ppt/slides/slide20.xml><?xml version="1.0" encoding="utf-8"?>
+<file path=ppt/slides/slide23.xml><?xml version="1.0" encoding="utf-8"?>
+<p:sld xmlns:a="http://schemas.openxmlformats.org/drawingml/2006/main" xmlns:r="http://schemas.openxmlformats.org/officeDocument/2006/relationships" xmlns:p="http://schemas.openxmlformats.org/presentationml/2006/main">
+  <p:cSld>
+    <p:spTree>
+      <p:nvGrpSpPr>
+        <p:cNvPr id="1" name="Shape 82">
+          <a:extLst>
+            <a:ext uri="{FF2B5EF4-FFF2-40B4-BE49-F238E27FC236}">
+              <a16:creationId xmlns:a16="http://schemas.microsoft.com/office/drawing/2014/main" id="{3D158695-EECF-7921-2025-475104621C06}"/>
+            </a:ext>
+          </a:extLst>
+        </p:cNvPr>
+        <p:cNvGrpSpPr/>
+        <p:nvPr/>
+      </p:nvGrpSpPr>
+      <p:grpSpPr>
+        <a:xfrm>
+          <a:off x="0" y="0"/>
+          <a:ext cx="0" cy="0"/>
+          <a:chOff x="0" y="0"/>
+          <a:chExt cx="0" cy="0"/>
+        </a:xfrm>
+      </p:grpSpPr>
+      <p:sp>
+        <p:nvSpPr>
+          <p:cNvPr id="83" name="Google Shape;83;p14">
+            <a:extLst>
+              <a:ext uri="{FF2B5EF4-FFF2-40B4-BE49-F238E27FC236}">
+                <a16:creationId xmlns:a16="http://schemas.microsoft.com/office/drawing/2014/main" id="{AC2DF2FD-0F6A-6B00-0097-634DBDA7DCBE}"/>
+              </a:ext>
+            </a:extLst>
+          </p:cNvPr>
+          <p:cNvSpPr txBox="1">
+            <a:spLocks noGrp="1"/>
+          </p:cNvSpPr>
+          <p:nvPr>
+            <p:ph type="title" idx="4294967295"/>
+          </p:nvPr>
+        </p:nvSpPr>
+        <p:spPr>
+          <a:xfrm>
+            <a:off x="311700" y="421233"/>
+            <a:ext cx="8520600" cy="622500"/>
+          </a:xfrm>
+          <a:prstGeom prst="rect">
+            <a:avLst/>
+          </a:prstGeom>
+        </p:spPr>
+        <p:txBody>
+          <a:bodyPr spcFirstLastPara="1" wrap="square" lIns="91425" tIns="91425" rIns="91425" bIns="91425" anchor="b" anchorCtr="0">
+            <a:noAutofit/>
+          </a:bodyPr>
+          <a:lstStyle/>
+          <a:p>
+            <a:pPr marL="0" lvl="0" indent="0" algn="l" rtl="0">
+              <a:spcBef>
+                <a:spcPts val="0"/>
+              </a:spcBef>
+              <a:spcAft>
+                <a:spcPts val="0"/>
+              </a:spcAft>
+              <a:buNone/>
+            </a:pPr>
+            <a:r>
+              <a:rPr lang="en-GB" dirty="0"/>
+              <a:t>n-steps TD (4)</a:t>
+            </a:r>
+            <a:endParaRPr dirty="0"/>
+          </a:p>
+        </p:txBody>
+      </p:sp>
+      <p:pic>
+        <p:nvPicPr>
+          <p:cNvPr id="2" name="Immagine 1" descr="Immagine che contiene Carattere, Elementi grafici, logo, cerchio&#10;&#10;Descrizione generata automaticamente">
+            <a:extLst>
+              <a:ext uri="{FF2B5EF4-FFF2-40B4-BE49-F238E27FC236}">
+                <a16:creationId xmlns:a16="http://schemas.microsoft.com/office/drawing/2014/main" id="{E5182C9B-DA52-A977-10CB-0FBD5CA9A3B8}"/>
+              </a:ext>
+            </a:extLst>
+          </p:cNvPr>
+          <p:cNvPicPr>
+            <a:picLocks noChangeAspect="1"/>
+          </p:cNvPicPr>
+          <p:nvPr/>
+        </p:nvPicPr>
+        <p:blipFill>
+          <a:blip r:embed="rId3"/>
+          <a:stretch>
+            <a:fillRect/>
+          </a:stretch>
+        </p:blipFill>
+        <p:spPr>
+          <a:xfrm>
+            <a:off x="8661328" y="65196"/>
+            <a:ext cx="407258" cy="495579"/>
+          </a:xfrm>
+          <a:prstGeom prst="rect">
+            <a:avLst/>
+          </a:prstGeom>
+        </p:spPr>
+      </p:pic>
+      <p:pic>
+        <p:nvPicPr>
+          <p:cNvPr id="6" name="Immagine 5">
+            <a:extLst>
+              <a:ext uri="{FF2B5EF4-FFF2-40B4-BE49-F238E27FC236}">
+                <a16:creationId xmlns:a16="http://schemas.microsoft.com/office/drawing/2014/main" id="{F5A8DCCB-006F-0FF1-9F6D-2917231928B0}"/>
+              </a:ext>
+            </a:extLst>
+          </p:cNvPr>
+          <p:cNvPicPr>
+            <a:picLocks noChangeAspect="1"/>
+          </p:cNvPicPr>
+          <p:nvPr/>
+        </p:nvPicPr>
+        <p:blipFill>
+          <a:blip r:embed="rId4"/>
+          <a:stretch>
+            <a:fillRect/>
+          </a:stretch>
+        </p:blipFill>
+        <p:spPr>
+          <a:xfrm>
+            <a:off x="219792" y="917209"/>
+            <a:ext cx="8627590" cy="5756305"/>
+          </a:xfrm>
+          <a:prstGeom prst="rect">
+            <a:avLst/>
+          </a:prstGeom>
+        </p:spPr>
+      </p:pic>
+    </p:spTree>
+    <p:extLst>
+      <p:ext uri="{BB962C8B-B14F-4D97-AF65-F5344CB8AC3E}">
+        <p14:creationId xmlns:p14="http://schemas.microsoft.com/office/powerpoint/2010/main" val="3030717184"/>
+      </p:ext>
+    </p:extLst>
+  </p:cSld>
+  <p:clrMapOvr>
+    <a:masterClrMapping/>
+  </p:clrMapOvr>
+</p:sld>
+</file>
+
+<file path=ppt/slides/slide24.xml><?xml version="1.0" encoding="utf-8"?>
 <p:sld xmlns:a="http://schemas.openxmlformats.org/drawingml/2006/main" xmlns:r="http://schemas.openxmlformats.org/officeDocument/2006/relationships" xmlns:p="http://schemas.openxmlformats.org/presentationml/2006/main">
   <p:cSld>
     <p:spTree>
@@ -16189,108 +17138,6 @@
             </a:pPr>
             <a:r>
               <a:rPr lang="en-GB" dirty="0"/>
-              <a:t>n-steps TD (3)</a:t>
-            </a:r>
-            <a:endParaRPr dirty="0"/>
-          </a:p>
-        </p:txBody>
-      </p:sp>
-      <p:pic>
-        <p:nvPicPr>
-          <p:cNvPr id="3" name="Immagine 2">
-            <a:extLst>
-              <a:ext uri="{FF2B5EF4-FFF2-40B4-BE49-F238E27FC236}">
-                <a16:creationId xmlns:a16="http://schemas.microsoft.com/office/drawing/2014/main" id="{CEBEE24E-7A8A-DAB3-53B8-DED06882E63A}"/>
-              </a:ext>
-            </a:extLst>
-          </p:cNvPr>
-          <p:cNvPicPr>
-            <a:picLocks noChangeAspect="1"/>
-          </p:cNvPicPr>
-          <p:nvPr/>
-        </p:nvPicPr>
-        <p:blipFill>
-          <a:blip r:embed="rId3"/>
-          <a:stretch>
-            <a:fillRect/>
-          </a:stretch>
-        </p:blipFill>
-        <p:spPr>
-          <a:xfrm>
-            <a:off x="168857" y="1643769"/>
-            <a:ext cx="8591253" cy="4107325"/>
-          </a:xfrm>
-          <a:prstGeom prst="rect">
-            <a:avLst/>
-          </a:prstGeom>
-        </p:spPr>
-      </p:pic>
-    </p:spTree>
-    <p:extLst>
-      <p:ext uri="{BB962C8B-B14F-4D97-AF65-F5344CB8AC3E}">
-        <p14:creationId xmlns:p14="http://schemas.microsoft.com/office/powerpoint/2010/main" val="4193766810"/>
-      </p:ext>
-    </p:extLst>
-  </p:cSld>
-  <p:clrMapOvr>
-    <a:masterClrMapping/>
-  </p:clrMapOvr>
-</p:sld>
-</file>
-
-<file path=ppt/slides/slide21.xml><?xml version="1.0" encoding="utf-8"?>
-<p:sld xmlns:a="http://schemas.openxmlformats.org/drawingml/2006/main" xmlns:r="http://schemas.openxmlformats.org/officeDocument/2006/relationships" xmlns:p="http://schemas.openxmlformats.org/presentationml/2006/main">
-  <p:cSld>
-    <p:spTree>
-      <p:nvGrpSpPr>
-        <p:cNvPr id="1" name="Shape 82"/>
-        <p:cNvGrpSpPr/>
-        <p:nvPr/>
-      </p:nvGrpSpPr>
-      <p:grpSpPr>
-        <a:xfrm>
-          <a:off x="0" y="0"/>
-          <a:ext cx="0" cy="0"/>
-          <a:chOff x="0" y="0"/>
-          <a:chExt cx="0" cy="0"/>
-        </a:xfrm>
-      </p:grpSpPr>
-      <p:sp>
-        <p:nvSpPr>
-          <p:cNvPr id="83" name="Google Shape;83;p14"/>
-          <p:cNvSpPr txBox="1">
-            <a:spLocks noGrp="1"/>
-          </p:cNvSpPr>
-          <p:nvPr>
-            <p:ph type="title" idx="4294967295"/>
-          </p:nvPr>
-        </p:nvSpPr>
-        <p:spPr>
-          <a:xfrm>
-            <a:off x="311700" y="421233"/>
-            <a:ext cx="8520600" cy="622500"/>
-          </a:xfrm>
-          <a:prstGeom prst="rect">
-            <a:avLst/>
-          </a:prstGeom>
-        </p:spPr>
-        <p:txBody>
-          <a:bodyPr spcFirstLastPara="1" wrap="square" lIns="91425" tIns="91425" rIns="91425" bIns="91425" anchor="b" anchorCtr="0">
-            <a:noAutofit/>
-          </a:bodyPr>
-          <a:lstStyle/>
-          <a:p>
-            <a:pPr marL="0" lvl="0" indent="0" algn="l" rtl="0">
-              <a:spcBef>
-                <a:spcPts val="0"/>
-              </a:spcBef>
-              <a:spcAft>
-                <a:spcPts val="0"/>
-              </a:spcAft>
-              <a:buNone/>
-            </a:pPr>
-            <a:r>
-              <a:rPr lang="en-GB" dirty="0"/>
               <a:t>TD(𝜆) (1)</a:t>
             </a:r>
             <a:endParaRPr dirty="0"/>
@@ -16360,10 +17207,10 @@
       </p:sp>
       <p:pic>
         <p:nvPicPr>
-          <p:cNvPr id="2" name="Immagine 1">
+          <p:cNvPr id="4" name="Immagine 3">
             <a:extLst>
               <a:ext uri="{FF2B5EF4-FFF2-40B4-BE49-F238E27FC236}">
-                <a16:creationId xmlns:a16="http://schemas.microsoft.com/office/drawing/2014/main" id="{94C76C5E-6BB3-D747-946C-99B02BA0CDC7}"/>
+                <a16:creationId xmlns:a16="http://schemas.microsoft.com/office/drawing/2014/main" id="{49EE3FFC-BDE5-6EBF-6373-3778A84B5A3B}"/>
               </a:ext>
             </a:extLst>
           </p:cNvPr>
@@ -16380,8 +17227,8 @@
         </p:blipFill>
         <p:spPr>
           <a:xfrm>
-            <a:off x="1384725" y="2351120"/>
-            <a:ext cx="6002667" cy="4319226"/>
+            <a:off x="693436" y="2294021"/>
+            <a:ext cx="7313580" cy="4335251"/>
           </a:xfrm>
           <a:prstGeom prst="rect">
             <a:avLst/>
@@ -16401,7 +17248,7 @@
 </p:sld>
 </file>
 
-<file path=ppt/slides/slide22.xml><?xml version="1.0" encoding="utf-8"?>
+<file path=ppt/slides/slide25.xml><?xml version="1.0" encoding="utf-8"?>
 <p:sld xmlns:a="http://schemas.openxmlformats.org/drawingml/2006/main" xmlns:r="http://schemas.openxmlformats.org/officeDocument/2006/relationships" xmlns:p="http://schemas.openxmlformats.org/presentationml/2006/main">
   <p:cSld>
     <p:spTree>
@@ -16738,7 +17585,7 @@
 </p:sld>
 </file>
 
-<file path=ppt/slides/slide23.xml><?xml version="1.0" encoding="utf-8"?>
+<file path=ppt/slides/slide26.xml><?xml version="1.0" encoding="utf-8"?>
 <p:sld xmlns:a="http://schemas.openxmlformats.org/drawingml/2006/main" xmlns:r="http://schemas.openxmlformats.org/officeDocument/2006/relationships" xmlns:p="http://schemas.openxmlformats.org/presentationml/2006/main">
   <p:cSld>
     <p:spTree>
@@ -17121,7 +17968,7 @@
 </p:sld>
 </file>
 
-<file path=ppt/slides/slide24.xml><?xml version="1.0" encoding="utf-8"?>
+<file path=ppt/slides/slide27.xml><?xml version="1.0" encoding="utf-8"?>
 <p:sld xmlns:a="http://schemas.openxmlformats.org/drawingml/2006/main" xmlns:r="http://schemas.openxmlformats.org/officeDocument/2006/relationships" xmlns:p="http://schemas.openxmlformats.org/presentationml/2006/main">
   <p:cSld>
     <p:spTree>
@@ -17216,10 +18063,10 @@
       </p:sp>
       <p:pic>
         <p:nvPicPr>
-          <p:cNvPr id="2" name="Immagine 1">
+          <p:cNvPr id="5" name="Immagine 4">
             <a:extLst>
               <a:ext uri="{FF2B5EF4-FFF2-40B4-BE49-F238E27FC236}">
-                <a16:creationId xmlns:a16="http://schemas.microsoft.com/office/drawing/2014/main" id="{DF895359-B510-302F-2B09-4F569AA35837}"/>
+                <a16:creationId xmlns:a16="http://schemas.microsoft.com/office/drawing/2014/main" id="{A0E99CF9-ADE5-CBCE-41F6-440F9C7F7407}"/>
               </a:ext>
             </a:extLst>
           </p:cNvPr>
@@ -17230,14 +18077,13 @@
         </p:nvPicPr>
         <p:blipFill>
           <a:blip r:embed="rId3"/>
-          <a:stretch>
-            <a:fillRect/>
-          </a:stretch>
+          <a:srcRect l="1369"/>
+          <a:stretch/>
         </p:blipFill>
         <p:spPr>
           <a:xfrm>
-            <a:off x="311700" y="1383632"/>
-            <a:ext cx="8745770" cy="4239671"/>
+            <a:off x="128336" y="1491916"/>
+            <a:ext cx="8947369" cy="4427622"/>
           </a:xfrm>
           <a:prstGeom prst="rect">
             <a:avLst/>
@@ -17257,7 +18103,7 @@
 </p:sld>
 </file>
 
-<file path=ppt/slides/slide25.xml><?xml version="1.0" encoding="utf-8"?>
+<file path=ppt/slides/slide28.xml><?xml version="1.0" encoding="utf-8"?>
 <p:sld xmlns:a="http://schemas.openxmlformats.org/drawingml/2006/main" xmlns:r="http://schemas.openxmlformats.org/officeDocument/2006/relationships" xmlns:p="http://schemas.openxmlformats.org/presentationml/2006/main">
   <p:cSld>
     <p:spTree>
@@ -17366,31 +18212,14 @@
             </a:r>
           </a:p>
           <a:p>
-            <a:pPr lvl="0"/>
-            <a:r>
-              <a:rPr lang="en-GB" sz="1800" b="1" dirty="0">
-                <a:highlight>
-                  <a:srgbClr val="FFFF00"/>
-                </a:highlight>
-              </a:rPr>
-              <a:t>See “</a:t>
-            </a:r>
-            <a:r>
-              <a:rPr lang="en-GB" sz="1800" b="1" dirty="0" err="1">
-                <a:highlight>
-                  <a:srgbClr val="FFFF00"/>
-                </a:highlight>
-              </a:rPr>
-              <a:t>notebook.ipynb</a:t>
-            </a:r>
-            <a:r>
-              <a:rPr lang="en-GB" sz="1800" b="1" dirty="0">
-                <a:highlight>
-                  <a:srgbClr val="FFFF00"/>
-                </a:highlight>
-              </a:rPr>
-              <a:t>”</a:t>
-            </a:r>
+            <a:pPr marL="120650" lvl="0" indent="0">
+              <a:buNone/>
+            </a:pPr>
+            <a:endParaRPr lang="en-GB" sz="1800" b="1" dirty="0">
+              <a:highlight>
+                <a:srgbClr val="FFFF00"/>
+              </a:highlight>
+            </a:endParaRPr>
           </a:p>
           <a:p>
             <a:endParaRPr lang="en-GB" sz="1800" dirty="0"/>
@@ -17423,8 +18252,38 @@
         </p:blipFill>
         <p:spPr>
           <a:xfrm>
-            <a:off x="685800" y="2681196"/>
-            <a:ext cx="7772400" cy="3755571"/>
+            <a:off x="144378" y="2280143"/>
+            <a:ext cx="8720006" cy="4213448"/>
+          </a:xfrm>
+          <a:prstGeom prst="rect">
+            <a:avLst/>
+          </a:prstGeom>
+        </p:spPr>
+      </p:pic>
+      <p:pic>
+        <p:nvPicPr>
+          <p:cNvPr id="2" name="Immagine 1" descr="Immagine che contiene Carattere, Elementi grafici, logo, cerchio&#10;&#10;Descrizione generata automaticamente">
+            <a:extLst>
+              <a:ext uri="{FF2B5EF4-FFF2-40B4-BE49-F238E27FC236}">
+                <a16:creationId xmlns:a16="http://schemas.microsoft.com/office/drawing/2014/main" id="{720501B1-7C82-B1F3-C11D-204D16B9C4C2}"/>
+              </a:ext>
+            </a:extLst>
+          </p:cNvPr>
+          <p:cNvPicPr>
+            <a:picLocks noChangeAspect="1"/>
+          </p:cNvPicPr>
+          <p:nvPr/>
+        </p:nvPicPr>
+        <p:blipFill>
+          <a:blip r:embed="rId4"/>
+          <a:stretch>
+            <a:fillRect/>
+          </a:stretch>
+        </p:blipFill>
+        <p:spPr>
+          <a:xfrm>
+            <a:off x="8661328" y="65196"/>
+            <a:ext cx="407258" cy="495579"/>
           </a:xfrm>
           <a:prstGeom prst="rect">
             <a:avLst/>
@@ -17444,7 +18303,7 @@
 </p:sld>
 </file>
 
-<file path=ppt/slides/slide26.xml><?xml version="1.0" encoding="utf-8"?>
+<file path=ppt/slides/slide29.xml><?xml version="1.0" encoding="utf-8"?>
 <p:sld xmlns:a="http://schemas.openxmlformats.org/drawingml/2006/main" xmlns:r="http://schemas.openxmlformats.org/officeDocument/2006/relationships" xmlns:p="http://schemas.openxmlformats.org/presentationml/2006/main">
   <p:cSld>
     <p:spTree>
@@ -17497,99 +18356,18 @@
             </a:pPr>
             <a:r>
               <a:rPr lang="en-GB" dirty="0"/>
-              <a:t>Comparison</a:t>
+              <a:t>Backward-view TD( 𝜆 ) (3)</a:t>
             </a:r>
             <a:endParaRPr dirty="0"/>
-          </a:p>
-        </p:txBody>
-      </p:sp>
-      <p:sp>
-        <p:nvSpPr>
-          <p:cNvPr id="84" name="Google Shape;84;p14"/>
-          <p:cNvSpPr txBox="1">
-            <a:spLocks noGrp="1"/>
-          </p:cNvSpPr>
-          <p:nvPr>
-            <p:ph type="body" idx="1"/>
-          </p:nvPr>
-        </p:nvSpPr>
-        <p:spPr>
-          <a:xfrm>
-            <a:off x="311700" y="1043733"/>
-            <a:ext cx="8520600" cy="5202070"/>
-          </a:xfrm>
-          <a:prstGeom prst="rect">
-            <a:avLst/>
-          </a:prstGeom>
-        </p:spPr>
-        <p:txBody>
-          <a:bodyPr spcFirstLastPara="1" wrap="square" lIns="91425" tIns="91425" rIns="91425" bIns="91425" anchor="t" anchorCtr="0">
-            <a:noAutofit/>
-          </a:bodyPr>
-          <a:lstStyle/>
-          <a:p>
-            <a:r>
-              <a:rPr lang="en-GB" sz="1800" dirty="0"/>
-              <a:t>Run an experiment over 100 runs</a:t>
-            </a:r>
-          </a:p>
-          <a:p>
-            <a:pPr lvl="1"/>
-            <a:r>
-              <a:rPr lang="en-GB" sz="1600" dirty="0"/>
-              <a:t>calculate the learning curves</a:t>
-            </a:r>
-          </a:p>
-          <a:p>
-            <a:pPr lvl="1"/>
-            <a:r>
-              <a:rPr lang="en-GB" sz="1600" dirty="0"/>
-              <a:t>measure the root mean-squared (RMS) error between the learned and the true values</a:t>
-            </a:r>
-          </a:p>
-          <a:p>
-            <a:pPr lvl="0"/>
-            <a:r>
-              <a:rPr lang="en-GB" sz="1800" b="1" dirty="0">
-                <a:highlight>
-                  <a:srgbClr val="FFFF00"/>
-                </a:highlight>
-              </a:rPr>
-              <a:t>See “</a:t>
-            </a:r>
-            <a:r>
-              <a:rPr lang="en-GB" sz="1800" b="1" dirty="0" err="1">
-                <a:highlight>
-                  <a:srgbClr val="FFFF00"/>
-                </a:highlight>
-              </a:rPr>
-              <a:t>notebook.ipynb</a:t>
-            </a:r>
-            <a:r>
-              <a:rPr lang="en-GB" sz="1800" b="1" dirty="0">
-                <a:highlight>
-                  <a:srgbClr val="FFFF00"/>
-                </a:highlight>
-              </a:rPr>
-              <a:t>”</a:t>
-            </a:r>
-          </a:p>
-          <a:p>
-            <a:pPr lvl="0"/>
-            <a:endParaRPr lang="en-GB" sz="1800" dirty="0"/>
-          </a:p>
-          <a:p>
-            <a:pPr lvl="0"/>
-            <a:endParaRPr lang="en-GB" dirty="0"/>
           </a:p>
         </p:txBody>
       </p:sp>
       <p:pic>
         <p:nvPicPr>
-          <p:cNvPr id="5" name="Immagine 4">
+          <p:cNvPr id="6" name="Immagine 5">
             <a:extLst>
               <a:ext uri="{FF2B5EF4-FFF2-40B4-BE49-F238E27FC236}">
-                <a16:creationId xmlns:a16="http://schemas.microsoft.com/office/drawing/2014/main" id="{639CDC13-4388-7D37-CC26-05B942819027}"/>
+                <a16:creationId xmlns:a16="http://schemas.microsoft.com/office/drawing/2014/main" id="{D15C574D-1E33-37DC-58A7-490C2F43294E}"/>
               </a:ext>
             </a:extLst>
           </p:cNvPr>
@@ -17606,8 +18384,38 @@
         </p:blipFill>
         <p:spPr>
           <a:xfrm>
-            <a:off x="685800" y="2880626"/>
-            <a:ext cx="7772400" cy="3774251"/>
+            <a:off x="177130" y="1043733"/>
+            <a:ext cx="8687253" cy="5659046"/>
+          </a:xfrm>
+          <a:prstGeom prst="rect">
+            <a:avLst/>
+          </a:prstGeom>
+        </p:spPr>
+      </p:pic>
+      <p:pic>
+        <p:nvPicPr>
+          <p:cNvPr id="2" name="Immagine 1" descr="Immagine che contiene Carattere, Elementi grafici, logo, cerchio&#10;&#10;Descrizione generata automaticamente">
+            <a:extLst>
+              <a:ext uri="{FF2B5EF4-FFF2-40B4-BE49-F238E27FC236}">
+                <a16:creationId xmlns:a16="http://schemas.microsoft.com/office/drawing/2014/main" id="{CC007046-60E9-B05C-B07E-A79CFF6A9138}"/>
+              </a:ext>
+            </a:extLst>
+          </p:cNvPr>
+          <p:cNvPicPr>
+            <a:picLocks noChangeAspect="1"/>
+          </p:cNvPicPr>
+          <p:nvPr/>
+        </p:nvPicPr>
+        <p:blipFill>
+          <a:blip r:embed="rId4"/>
+          <a:stretch>
+            <a:fillRect/>
+          </a:stretch>
+        </p:blipFill>
+        <p:spPr>
+          <a:xfrm>
+            <a:off x="8661328" y="65196"/>
+            <a:ext cx="407258" cy="495579"/>
           </a:xfrm>
           <a:prstGeom prst="rect">
             <a:avLst/>
@@ -18261,10 +19069,10 @@
       </p:sp>
       <p:pic>
         <p:nvPicPr>
-          <p:cNvPr id="3" name="Immagine 2">
+          <p:cNvPr id="4" name="Immagine 3">
             <a:extLst>
               <a:ext uri="{FF2B5EF4-FFF2-40B4-BE49-F238E27FC236}">
-                <a16:creationId xmlns:a16="http://schemas.microsoft.com/office/drawing/2014/main" id="{466B1340-2784-EFA1-4625-73CB8D368F35}"/>
+                <a16:creationId xmlns:a16="http://schemas.microsoft.com/office/drawing/2014/main" id="{673649ED-4F0A-4E40-1FAA-18F755751462}"/>
               </a:ext>
             </a:extLst>
           </p:cNvPr>
@@ -18281,8 +19089,38 @@
         </p:blipFill>
         <p:spPr>
           <a:xfrm>
-            <a:off x="1015280" y="1605217"/>
-            <a:ext cx="4764506" cy="1894121"/>
+            <a:off x="1491915" y="1543719"/>
+            <a:ext cx="4325516" cy="2097840"/>
+          </a:xfrm>
+          <a:prstGeom prst="rect">
+            <a:avLst/>
+          </a:prstGeom>
+        </p:spPr>
+      </p:pic>
+      <p:pic>
+        <p:nvPicPr>
+          <p:cNvPr id="2" name="Immagine 1" descr="Immagine che contiene Carattere, Elementi grafici, logo, cerchio&#10;&#10;Descrizione generata automaticamente">
+            <a:extLst>
+              <a:ext uri="{FF2B5EF4-FFF2-40B4-BE49-F238E27FC236}">
+                <a16:creationId xmlns:a16="http://schemas.microsoft.com/office/drawing/2014/main" id="{79779214-B528-1A7E-37B9-F4C598B9B373}"/>
+              </a:ext>
+            </a:extLst>
+          </p:cNvPr>
+          <p:cNvPicPr>
+            <a:picLocks noChangeAspect="1"/>
+          </p:cNvPicPr>
+          <p:nvPr/>
+        </p:nvPicPr>
+        <p:blipFill>
+          <a:blip r:embed="rId4"/>
+          <a:stretch>
+            <a:fillRect/>
+          </a:stretch>
+        </p:blipFill>
+        <p:spPr>
+          <a:xfrm>
+            <a:off x="8661328" y="65196"/>
+            <a:ext cx="407258" cy="495579"/>
           </a:xfrm>
           <a:prstGeom prst="rect">
             <a:avLst/>
@@ -18900,10 +19738,10 @@
       </p:pic>
       <p:pic>
         <p:nvPicPr>
-          <p:cNvPr id="14" name="Immagine 13">
+          <p:cNvPr id="4" name="Immagine 3">
             <a:extLst>
               <a:ext uri="{FF2B5EF4-FFF2-40B4-BE49-F238E27FC236}">
-                <a16:creationId xmlns:a16="http://schemas.microsoft.com/office/drawing/2014/main" id="{BA171834-5569-2DA0-7FD1-4544BC5A41A5}"/>
+                <a16:creationId xmlns:a16="http://schemas.microsoft.com/office/drawing/2014/main" id="{49488C78-CF5E-2AF1-86CC-8E6052D16193}"/>
               </a:ext>
             </a:extLst>
           </p:cNvPr>
@@ -18920,8 +19758,8 @@
         </p:blipFill>
         <p:spPr>
           <a:xfrm>
-            <a:off x="3197468" y="4635852"/>
-            <a:ext cx="3560536" cy="663829"/>
+            <a:off x="2867434" y="4610399"/>
+            <a:ext cx="3052103" cy="665337"/>
           </a:xfrm>
           <a:prstGeom prst="rect">
             <a:avLst/>
@@ -18960,10 +19798,10 @@
       </p:grpSpPr>
       <p:pic>
         <p:nvPicPr>
-          <p:cNvPr id="5" name="Immagine 4">
+          <p:cNvPr id="3" name="Immagine 2">
             <a:extLst>
               <a:ext uri="{FF2B5EF4-FFF2-40B4-BE49-F238E27FC236}">
-                <a16:creationId xmlns:a16="http://schemas.microsoft.com/office/drawing/2014/main" id="{8A2DCE17-F591-C7FB-E0C5-6B3914281A25}"/>
+                <a16:creationId xmlns:a16="http://schemas.microsoft.com/office/drawing/2014/main" id="{7BA176D7-BD8B-6B97-FF15-955EA325DFDF}"/>
               </a:ext>
             </a:extLst>
           </p:cNvPr>
@@ -18980,14 +19818,167 @@
         </p:blipFill>
         <p:spPr>
           <a:xfrm>
-            <a:off x="406430" y="2478736"/>
-            <a:ext cx="7708900" cy="3060700"/>
+            <a:off x="685800" y="2626625"/>
+            <a:ext cx="7772400" cy="3138853"/>
           </a:xfrm>
           <a:prstGeom prst="rect">
             <a:avLst/>
           </a:prstGeom>
         </p:spPr>
       </p:pic>
+      <p:sp>
+        <p:nvSpPr>
+          <p:cNvPr id="84" name="Google Shape;84;p14"/>
+          <p:cNvSpPr txBox="1">
+            <a:spLocks noGrp="1"/>
+          </p:cNvSpPr>
+          <p:nvPr>
+            <p:ph type="body" idx="1"/>
+          </p:nvPr>
+        </p:nvSpPr>
+        <p:spPr>
+          <a:xfrm>
+            <a:off x="311700" y="1072469"/>
+            <a:ext cx="8603700" cy="5505312"/>
+          </a:xfrm>
+          <a:prstGeom prst="rect">
+            <a:avLst/>
+          </a:prstGeom>
+        </p:spPr>
+        <p:txBody>
+          <a:bodyPr spcFirstLastPara="1" wrap="square" lIns="91425" tIns="91425" rIns="91425" bIns="91425" anchor="t" anchorCtr="0">
+            <a:noAutofit/>
+          </a:bodyPr>
+          <a:lstStyle/>
+          <a:p>
+            <a:pPr lvl="0"/>
+            <a:r>
+              <a:rPr lang="en-GB" sz="1800" dirty="0"/>
+              <a:t>We can replace the mean for a </a:t>
+            </a:r>
+            <a:r>
+              <a:rPr lang="en-GB" sz="1800" b="1" dirty="0"/>
+              <a:t>learning rate</a:t>
+            </a:r>
+            <a:endParaRPr lang="en-GB" sz="1800" dirty="0"/>
+          </a:p>
+          <a:p>
+            <a:pPr marL="120650" lvl="0" indent="0">
+              <a:buNone/>
+            </a:pPr>
+            <a:endParaRPr lang="en-GB" sz="1100" dirty="0"/>
+          </a:p>
+          <a:p>
+            <a:pPr marL="120650" lvl="0" indent="0">
+              <a:buNone/>
+            </a:pPr>
+            <a:endParaRPr lang="en-GB" sz="1600" dirty="0"/>
+          </a:p>
+          <a:p>
+            <a:pPr lvl="1"/>
+            <a:r>
+              <a:rPr lang="en-GB" sz="1600" dirty="0"/>
+              <a:t>𝐺</a:t>
+            </a:r>
+            <a:r>
+              <a:rPr lang="en-GB" sz="1600" baseline="-25000" dirty="0"/>
+              <a:t>𝑡:𝑇</a:t>
+            </a:r>
+            <a:r>
+              <a:rPr lang="en-GB" sz="1600" dirty="0"/>
+              <a:t> is the </a:t>
+            </a:r>
+            <a:r>
+              <a:rPr lang="en-GB" sz="1600" b="1" dirty="0"/>
+              <a:t>MC target </a:t>
+            </a:r>
+          </a:p>
+          <a:p>
+            <a:pPr lvl="1"/>
+            <a:r>
+              <a:rPr lang="en-GB" sz="1600" dirty="0"/>
+              <a:t>𝐺</a:t>
+            </a:r>
+            <a:r>
+              <a:rPr lang="en-GB" sz="1600" baseline="-25000" dirty="0"/>
+              <a:t>𝑡:𝑇 </a:t>
+            </a:r>
+            <a:r>
+              <a:rPr lang="en-GB" sz="1600" dirty="0"/>
+              <a:t>− 𝑉(𝑆</a:t>
+            </a:r>
+            <a:r>
+              <a:rPr lang="en-GB" sz="1600" baseline="-25000" dirty="0"/>
+              <a:t>𝑡</a:t>
+            </a:r>
+            <a:r>
+              <a:rPr lang="en-GB" sz="1600" dirty="0"/>
+              <a:t>)  is the </a:t>
+            </a:r>
+            <a:r>
+              <a:rPr lang="en-GB" sz="1600" b="1" dirty="0"/>
+              <a:t>MC error</a:t>
+            </a:r>
+          </a:p>
+          <a:p>
+            <a:pPr lvl="1"/>
+            <a:endParaRPr lang="en-GB" sz="1600" b="1" dirty="0"/>
+          </a:p>
+          <a:p>
+            <a:pPr lvl="1"/>
+            <a:endParaRPr lang="en-GB" sz="1600" b="1" dirty="0"/>
+          </a:p>
+          <a:p>
+            <a:pPr lvl="1"/>
+            <a:endParaRPr lang="en-GB" sz="1600" b="1" dirty="0"/>
+          </a:p>
+          <a:p>
+            <a:pPr lvl="1"/>
+            <a:endParaRPr lang="en-GB" sz="1600" b="1" dirty="0"/>
+          </a:p>
+          <a:p>
+            <a:pPr lvl="1"/>
+            <a:endParaRPr lang="en-GB" sz="1600" b="1" dirty="0"/>
+          </a:p>
+          <a:p>
+            <a:pPr lvl="1"/>
+            <a:endParaRPr lang="en-GB" sz="1600" b="1" dirty="0"/>
+          </a:p>
+          <a:p>
+            <a:pPr lvl="1"/>
+            <a:endParaRPr lang="en-GB" sz="1600" b="1" dirty="0"/>
+          </a:p>
+          <a:p>
+            <a:pPr lvl="1"/>
+            <a:endParaRPr lang="en-GB" sz="700" b="1" dirty="0"/>
+          </a:p>
+          <a:p>
+            <a:r>
+              <a:rPr lang="en-GB" sz="1800" dirty="0"/>
+              <a:t>Notice that V is calculated </a:t>
+            </a:r>
+            <a:r>
+              <a:rPr lang="en-GB" sz="1800" b="1" dirty="0"/>
+              <a:t>only at the end of an episode</a:t>
+            </a:r>
+          </a:p>
+          <a:p>
+            <a:pPr lvl="1"/>
+            <a:r>
+              <a:rPr lang="en-GB" sz="1600" dirty="0"/>
+              <a:t>because the returns depends on it</a:t>
+            </a:r>
+          </a:p>
+          <a:p>
+            <a:pPr lvl="0"/>
+            <a:endParaRPr lang="en-GB" sz="1800" dirty="0"/>
+          </a:p>
+          <a:p>
+            <a:pPr lvl="0"/>
+            <a:endParaRPr lang="en-GB" dirty="0"/>
+          </a:p>
+        </p:txBody>
+      </p:sp>
       <p:sp>
         <p:nvSpPr>
           <p:cNvPr id="83" name="Google Shape;83;p14"/>
@@ -19027,159 +20018,6 @@
               <a:t>Monte Carlo prediction (3) </a:t>
             </a:r>
             <a:endParaRPr dirty="0"/>
-          </a:p>
-        </p:txBody>
-      </p:sp>
-      <p:sp>
-        <p:nvSpPr>
-          <p:cNvPr id="84" name="Google Shape;84;p14"/>
-          <p:cNvSpPr txBox="1">
-            <a:spLocks noGrp="1"/>
-          </p:cNvSpPr>
-          <p:nvPr>
-            <p:ph type="body" idx="1"/>
-          </p:nvPr>
-        </p:nvSpPr>
-        <p:spPr>
-          <a:xfrm>
-            <a:off x="311700" y="1072469"/>
-            <a:ext cx="8603700" cy="5505312"/>
-          </a:xfrm>
-          <a:prstGeom prst="rect">
-            <a:avLst/>
-          </a:prstGeom>
-        </p:spPr>
-        <p:txBody>
-          <a:bodyPr spcFirstLastPara="1" wrap="square" lIns="91425" tIns="91425" rIns="91425" bIns="91425" anchor="t" anchorCtr="0">
-            <a:noAutofit/>
-          </a:bodyPr>
-          <a:lstStyle/>
-          <a:p>
-            <a:pPr lvl="0"/>
-            <a:r>
-              <a:rPr lang="en-GB" sz="1800" dirty="0"/>
-              <a:t>We can replace the mean for a </a:t>
-            </a:r>
-            <a:r>
-              <a:rPr lang="en-GB" sz="1800" b="1" dirty="0"/>
-              <a:t>learning rate</a:t>
-            </a:r>
-            <a:endParaRPr lang="en-GB" sz="1800" dirty="0"/>
-          </a:p>
-          <a:p>
-            <a:pPr marL="120650" lvl="0" indent="0">
-              <a:buNone/>
-            </a:pPr>
-            <a:endParaRPr lang="en-GB" sz="1100" dirty="0"/>
-          </a:p>
-          <a:p>
-            <a:pPr marL="120650" lvl="0" indent="0">
-              <a:buNone/>
-            </a:pPr>
-            <a:endParaRPr lang="en-GB" sz="1600" dirty="0"/>
-          </a:p>
-          <a:p>
-            <a:pPr lvl="1"/>
-            <a:r>
-              <a:rPr lang="en-GB" sz="1600" dirty="0"/>
-              <a:t>𝐺</a:t>
-            </a:r>
-            <a:r>
-              <a:rPr lang="en-GB" sz="1600" baseline="-25000" dirty="0"/>
-              <a:t>𝑡:𝑇</a:t>
-            </a:r>
-            <a:r>
-              <a:rPr lang="en-GB" sz="1600" dirty="0"/>
-              <a:t> is the </a:t>
-            </a:r>
-            <a:r>
-              <a:rPr lang="en-GB" sz="1600" b="1" dirty="0"/>
-              <a:t>MC target </a:t>
-            </a:r>
-          </a:p>
-          <a:p>
-            <a:pPr lvl="1"/>
-            <a:r>
-              <a:rPr lang="en-GB" sz="1600" dirty="0"/>
-              <a:t>𝐺</a:t>
-            </a:r>
-            <a:r>
-              <a:rPr lang="en-GB" sz="1600" baseline="-25000" dirty="0"/>
-              <a:t>𝑡:𝑇 </a:t>
-            </a:r>
-            <a:r>
-              <a:rPr lang="en-GB" sz="1600" dirty="0"/>
-              <a:t>− 𝑉(𝑆</a:t>
-            </a:r>
-            <a:r>
-              <a:rPr lang="en-GB" sz="1600" baseline="-25000" dirty="0"/>
-              <a:t>𝑡</a:t>
-            </a:r>
-            <a:r>
-              <a:rPr lang="en-GB" sz="1600" dirty="0"/>
-              <a:t>)  is the </a:t>
-            </a:r>
-            <a:r>
-              <a:rPr lang="en-GB" sz="1600" b="1" dirty="0"/>
-              <a:t>MC error</a:t>
-            </a:r>
-          </a:p>
-          <a:p>
-            <a:pPr lvl="1"/>
-            <a:endParaRPr lang="en-GB" sz="1600" b="1" dirty="0"/>
-          </a:p>
-          <a:p>
-            <a:pPr lvl="1"/>
-            <a:endParaRPr lang="en-GB" sz="1600" b="1" dirty="0"/>
-          </a:p>
-          <a:p>
-            <a:pPr lvl="1"/>
-            <a:endParaRPr lang="en-GB" sz="1600" b="1" dirty="0"/>
-          </a:p>
-          <a:p>
-            <a:pPr lvl="1"/>
-            <a:endParaRPr lang="en-GB" sz="1600" b="1" dirty="0"/>
-          </a:p>
-          <a:p>
-            <a:pPr lvl="1"/>
-            <a:endParaRPr lang="en-GB" sz="1600" b="1" dirty="0"/>
-          </a:p>
-          <a:p>
-            <a:pPr lvl="1"/>
-            <a:endParaRPr lang="en-GB" sz="1600" b="1" dirty="0"/>
-          </a:p>
-          <a:p>
-            <a:pPr lvl="1"/>
-            <a:endParaRPr lang="en-GB" sz="1600" b="1" dirty="0"/>
-          </a:p>
-          <a:p>
-            <a:pPr lvl="1"/>
-            <a:endParaRPr lang="en-GB" sz="700" b="1" dirty="0"/>
-          </a:p>
-          <a:p>
-            <a:r>
-              <a:rPr lang="en-GB" sz="1800" dirty="0"/>
-              <a:t>Notice that V is calculated </a:t>
-            </a:r>
-            <a:r>
-              <a:rPr lang="en-GB" sz="1800" b="1" dirty="0"/>
-              <a:t>only at the end of an episode</a:t>
-            </a:r>
-          </a:p>
-          <a:p>
-            <a:pPr lvl="1"/>
-            <a:r>
-              <a:rPr lang="en-GB" sz="1600" dirty="0"/>
-              <a:t>because the returns depends on it</a:t>
-            </a:r>
-          </a:p>
-          <a:p>
-            <a:pPr lvl="0"/>
-            <a:endParaRPr lang="en-GB" sz="1800" dirty="0"/>
-          </a:p>
-          <a:p>
-            <a:pPr lvl="0"/>
-            <a:endParaRPr lang="en-GB" dirty="0"/>
           </a:p>
         </p:txBody>
       </p:sp>
@@ -19297,8 +20135,8 @@
         </p:nvSpPr>
         <p:spPr>
           <a:xfrm>
-            <a:off x="311700" y="1019669"/>
-            <a:ext cx="8520600" cy="5525510"/>
+            <a:off x="311700" y="1228215"/>
+            <a:ext cx="8520600" cy="5060289"/>
           </a:xfrm>
           <a:prstGeom prst="rect">
             <a:avLst/>
@@ -19421,39 +20259,10 @@
             </a:r>
           </a:p>
           <a:p>
-            <a:pPr lvl="0"/>
+            <a:pPr marL="120650" lvl="0" indent="0">
+              <a:buNone/>
+            </a:pPr>
             <a:endParaRPr lang="en-GB" sz="1000" dirty="0"/>
-          </a:p>
-          <a:p>
-            <a:pPr lvl="0"/>
-            <a:r>
-              <a:rPr lang="en-GB" sz="1800" b="1" dirty="0">
-                <a:highlight>
-                  <a:srgbClr val="FFFF00"/>
-                </a:highlight>
-              </a:rPr>
-              <a:t>See “</a:t>
-            </a:r>
-            <a:r>
-              <a:rPr lang="en-GB" sz="1800" b="1" dirty="0" err="1">
-                <a:highlight>
-                  <a:srgbClr val="FFFF00"/>
-                </a:highlight>
-              </a:rPr>
-              <a:t>notebook.ipynb</a:t>
-            </a:r>
-            <a:r>
-              <a:rPr lang="en-GB" sz="1800" b="1" dirty="0">
-                <a:highlight>
-                  <a:srgbClr val="FFFF00"/>
-                </a:highlight>
-              </a:rPr>
-              <a:t>”</a:t>
-            </a:r>
-          </a:p>
-          <a:p>
-            <a:pPr lvl="0"/>
-            <a:endParaRPr lang="en-GB" dirty="0"/>
           </a:p>
         </p:txBody>
       </p:sp>
